--- a/EDraw/JD/CMO/4A/Architecture.pptx
+++ b/EDraw/JD/CMO/4A/Architecture.pptx
@@ -1,11 +1,11 @@
 
 <file path=ppt/presentation.xml><?xml version="1.0" encoding="utf-8"?>
-<p:presentation xmlns:p="http://schemas.openxmlformats.org/presentationml/2006/main" xmlns:a="http://schemas.openxmlformats.org/drawingml/2006/main" xmlns:r="http://schemas.openxmlformats.org/officeDocument/2006/relationships" saveSubsetFonts="1">
+<p:presentation xmlns:a="http://schemas.openxmlformats.org/drawingml/2006/main" xmlns:r="http://schemas.openxmlformats.org/officeDocument/2006/relationships" xmlns:p="http://schemas.openxmlformats.org/presentationml/2006/main" saveSubsetFonts="1">
   <p:sldMasterIdLst>
-    <p:sldMasterId id="2147483648" r:id="rId1"/>
+    <p:sldMasterId r:id="rId1" id="2147483648"/>
   </p:sldMasterIdLst>
   <p:sldIdLst>
-    <p:sldId id="256" r:id="rId6"/>
+    <p:sldId r:id="rId6" id="256"/>
   </p:sldIdLst>
   <p:sldSz cy="6858000" type="screen4x3" cx="9144000"/>
   <p:notesSz cy="9144000" cx="6858000"/>
@@ -13,7 +13,7 @@
     <a:defPPr>
       <a:defRPr lang="en-US"/>
     </a:defPPr>
-    <a:lvl1pPr defTabSz="914400" algn="l" latinLnBrk="0" hangingPunct="1" eaLnBrk="1" rtl="0" marL="0">
+    <a:lvl1pPr defTabSz="914400" hangingPunct="1" marL="0" eaLnBrk="1" latinLnBrk="0" rtl="0" algn="l">
       <a:defRPr kern="1200" sz="1800">
         <a:solidFill>
           <a:schemeClr val="tx1"/>
@@ -23,7 +23,7 @@
         <a:cs typeface="+mn-cs"/>
       </a:defRPr>
     </a:lvl1pPr>
-    <a:lvl2pPr defTabSz="914400" algn="l" latinLnBrk="0" hangingPunct="1" eaLnBrk="1" rtl="0" marL="457200">
+    <a:lvl2pPr defTabSz="914400" hangingPunct="1" marL="457200" eaLnBrk="1" latinLnBrk="0" rtl="0" algn="l">
       <a:defRPr kern="1200" sz="1800">
         <a:solidFill>
           <a:schemeClr val="tx1"/>
@@ -33,7 +33,7 @@
         <a:cs typeface="+mn-cs"/>
       </a:defRPr>
     </a:lvl2pPr>
-    <a:lvl3pPr defTabSz="914400" algn="l" latinLnBrk="0" hangingPunct="1" eaLnBrk="1" rtl="0" marL="914400">
+    <a:lvl3pPr defTabSz="914400" hangingPunct="1" marL="914400" eaLnBrk="1" latinLnBrk="0" rtl="0" algn="l">
       <a:defRPr kern="1200" sz="1800">
         <a:solidFill>
           <a:schemeClr val="tx1"/>
@@ -43,7 +43,7 @@
         <a:cs typeface="+mn-cs"/>
       </a:defRPr>
     </a:lvl3pPr>
-    <a:lvl4pPr defTabSz="914400" algn="l" latinLnBrk="0" hangingPunct="1" eaLnBrk="1" rtl="0" marL="1371600">
+    <a:lvl4pPr defTabSz="914400" hangingPunct="1" marL="1371600" eaLnBrk="1" latinLnBrk="0" rtl="0" algn="l">
       <a:defRPr kern="1200" sz="1800">
         <a:solidFill>
           <a:schemeClr val="tx1"/>
@@ -53,7 +53,7 @@
         <a:cs typeface="+mn-cs"/>
       </a:defRPr>
     </a:lvl4pPr>
-    <a:lvl5pPr defTabSz="914400" algn="l" latinLnBrk="0" hangingPunct="1" eaLnBrk="1" rtl="0" marL="1828800">
+    <a:lvl5pPr defTabSz="914400" hangingPunct="1" marL="1828800" eaLnBrk="1" latinLnBrk="0" rtl="0" algn="l">
       <a:defRPr kern="1200" sz="1800">
         <a:solidFill>
           <a:schemeClr val="tx1"/>
@@ -63,7 +63,7 @@
         <a:cs typeface="+mn-cs"/>
       </a:defRPr>
     </a:lvl5pPr>
-    <a:lvl6pPr defTabSz="914400" algn="l" latinLnBrk="0" hangingPunct="1" eaLnBrk="1" rtl="0" marL="2286000">
+    <a:lvl6pPr defTabSz="914400" hangingPunct="1" marL="2286000" eaLnBrk="1" latinLnBrk="0" rtl="0" algn="l">
       <a:defRPr kern="1200" sz="1800">
         <a:solidFill>
           <a:schemeClr val="tx1"/>
@@ -73,7 +73,7 @@
         <a:cs typeface="+mn-cs"/>
       </a:defRPr>
     </a:lvl6pPr>
-    <a:lvl7pPr defTabSz="914400" algn="l" latinLnBrk="0" hangingPunct="1" eaLnBrk="1" rtl="0" marL="2743200">
+    <a:lvl7pPr defTabSz="914400" hangingPunct="1" marL="2743200" eaLnBrk="1" latinLnBrk="0" rtl="0" algn="l">
       <a:defRPr kern="1200" sz="1800">
         <a:solidFill>
           <a:schemeClr val="tx1"/>
@@ -83,7 +83,7 @@
         <a:cs typeface="+mn-cs"/>
       </a:defRPr>
     </a:lvl7pPr>
-    <a:lvl8pPr defTabSz="914400" algn="l" latinLnBrk="0" hangingPunct="1" eaLnBrk="1" rtl="0" marL="3200400">
+    <a:lvl8pPr defTabSz="914400" hangingPunct="1" marL="3200400" eaLnBrk="1" latinLnBrk="0" rtl="0" algn="l">
       <a:defRPr kern="1200" sz="1800">
         <a:solidFill>
           <a:schemeClr val="tx1"/>
@@ -93,7 +93,7 @@
         <a:cs typeface="+mn-cs"/>
       </a:defRPr>
     </a:lvl8pPr>
-    <a:lvl9pPr defTabSz="914400" algn="l" latinLnBrk="0" hangingPunct="1" eaLnBrk="1" rtl="0" marL="3657600">
+    <a:lvl9pPr defTabSz="914400" hangingPunct="1" marL="3657600" eaLnBrk="1" latinLnBrk="0" rtl="0" algn="l">
       <a:defRPr kern="1200" sz="1800">
         <a:solidFill>
           <a:schemeClr val="tx1"/>
@@ -2948,7 +2948,7 @@
 </file>
 
 <file path=ppt/slides/slide1.xml><?xml version="1.0" encoding="utf-8"?>
-<p:sld xmlns:p="http://schemas.openxmlformats.org/presentationml/2006/main" xmlns:a="http://schemas.openxmlformats.org/drawingml/2006/main" xmlns:r="http://schemas.openxmlformats.org/officeDocument/2006/relationships">
+<p:sld xmlns:a="http://schemas.openxmlformats.org/drawingml/2006/main" xmlns:r="http://schemas.openxmlformats.org/officeDocument/2006/relationships" xmlns:p="http://schemas.openxmlformats.org/presentationml/2006/main">
   <p:cSld>
     <p:spTree>
       <p:nvGrpSpPr>
@@ -2966,16 +2966,16 @@
       </p:grpSpPr>
       <p:grpSp>
         <p:nvGrpSpPr>
-          <p:cNvPr name="Group305" id="305"/>
+          <p:cNvPr name="Group354" id="354"/>
           <p:cNvGrpSpPr/>
           <p:nvPr/>
         </p:nvGrpSpPr>
         <p:grpSpPr>
           <a:xfrm>
-            <a:off x="798600" y="842337"/>
-            <a:ext cy="5173326" cx="7546800"/>
-            <a:chOff x="798600" y="842337"/>
-            <a:chExt cy="5173326" cx="7546800"/>
+            <a:off x="735824" y="1081735"/>
+            <a:ext cy="4694530" cx="7672352"/>
+            <a:chOff x="735824" y="1081735"/>
+            <a:chExt cy="4694530" cx="7672352"/>
           </a:xfrm>
         </p:grpSpPr>
         <p:grpSp>
@@ -2986,9 +2986,9 @@
           </p:nvGrpSpPr>
           <p:grpSpPr>
             <a:xfrm>
-              <a:off x="5217013" y="1587137"/>
+              <a:off x="5279788" y="1233735"/>
               <a:ext cy="912000" cx="1003200"/>
-              <a:chOff x="5217013" y="1587137"/>
+              <a:chOff x="5279788" y="1233735"/>
               <a:chExt cy="912000" cx="1003200"/>
             </a:xfrm>
           </p:grpSpPr>
@@ -3000,7 +3000,7 @@
             </p:nvSpPr>
             <p:spPr>
               <a:xfrm>
-                <a:off x="5217013" y="1587137"/>
+                <a:off x="5279788" y="1233735"/>
                 <a:ext cy="912000" cx="1003200"/>
               </a:xfrm>
               <a:custGeom>
@@ -3009,7 +3009,7 @@
                 <a:ahLst/>
                 <a:cxnLst/>
                 <a:pathLst>
-                  <a:path w="1003200" h="912000">
+                  <a:path h="912000" w="1003200">
                     <a:moveTo>
                       <a:pt x="991154" y="409262"/>
                     </a:moveTo>
@@ -3068,7 +3068,7 @@
               <a:solidFill>
                 <a:srgbClr val="4285F4"/>
               </a:solidFill>
-              <a:ln w="7600" cap="flat">
+              <a:ln cap="flat" w="7600">
                 <a:noFill/>
                 <a:bevel/>
               </a:ln>
@@ -3082,7 +3082,7 @@
             </p:nvSpPr>
             <p:spPr>
               <a:xfrm>
-                <a:off x="5549912" y="1937016"/>
+                <a:off x="5612688" y="1583614"/>
                 <a:ext cy="561883" cx="595398"/>
               </a:xfrm>
               <a:custGeom>
@@ -3091,7 +3091,7 @@
                 <a:ahLst/>
                 <a:cxnLst/>
                 <a:pathLst>
-                  <a:path w="595398" h="561883">
+                  <a:path h="561883" w="595398">
                     <a:moveTo>
                       <a:pt x="337238" y="0"/>
                     </a:moveTo>
@@ -3149,7 +3149,7 @@
               <a:solidFill>
                 <a:srgbClr val="3D7CE3"/>
               </a:solidFill>
-              <a:ln w="7600" cap="flat">
+              <a:ln cap="flat" w="7600">
                 <a:noFill/>
                 <a:bevel/>
               </a:ln>
@@ -3163,7 +3163,7 @@
             </p:nvSpPr>
             <p:spPr>
               <a:xfrm>
-                <a:off x="5547091" y="1934558"/>
+                <a:off x="5609866" y="1581156"/>
                 <a:ext cy="86974" cx="85661"/>
               </a:xfrm>
               <a:custGeom>
@@ -3172,7 +3172,7 @@
                 <a:ahLst/>
                 <a:cxnLst/>
                 <a:pathLst>
-                  <a:path w="85661" h="86974">
+                  <a:path h="86974" w="85661">
                     <a:moveTo>
                       <a:pt x="76179" y="0"/>
                     </a:moveTo>
@@ -3215,7 +3215,7 @@
               <a:solidFill>
                 <a:srgbClr val="FFFFFF"/>
               </a:solidFill>
-              <a:ln w="7600" cap="flat">
+              <a:ln cap="flat" w="7600">
                 <a:noFill/>
                 <a:bevel/>
               </a:ln>
@@ -3229,7 +3229,7 @@
             </p:nvSpPr>
             <p:spPr>
               <a:xfrm>
-                <a:off x="5675782" y="2064584"/>
+                <a:off x="5738557" y="1711182"/>
                 <a:ext cy="86974" cx="85661"/>
               </a:xfrm>
               <a:custGeom>
@@ -3238,7 +3238,7 @@
                 <a:ahLst/>
                 <a:cxnLst/>
                 <a:pathLst>
-                  <a:path w="85661" h="86974">
+                  <a:path h="86974" w="85661">
                     <a:moveTo>
                       <a:pt x="76179" y="0"/>
                     </a:moveTo>
@@ -3281,7 +3281,7 @@
               <a:solidFill>
                 <a:srgbClr val="FFFFFF"/>
               </a:solidFill>
-              <a:ln w="7600" cap="flat">
+              <a:ln cap="flat" w="7600">
                 <a:noFill/>
                 <a:bevel/>
               </a:ln>
@@ -3295,7 +3295,7 @@
             </p:nvSpPr>
             <p:spPr>
               <a:xfrm>
-                <a:off x="5804310" y="2064584"/>
+                <a:off x="5867085" y="1711182"/>
                 <a:ext cy="86974" cx="85661"/>
               </a:xfrm>
               <a:custGeom>
@@ -3304,7 +3304,7 @@
                 <a:ahLst/>
                 <a:cxnLst/>
                 <a:pathLst>
-                  <a:path w="85661" h="86974">
+                  <a:path h="86974" w="85661">
                     <a:moveTo>
                       <a:pt x="76257" y="0"/>
                     </a:moveTo>
@@ -3346,7 +3346,7 @@
               <a:solidFill>
                 <a:srgbClr val="FFFFFF"/>
               </a:solidFill>
-              <a:ln w="7600" cap="flat">
+              <a:ln cap="flat" w="7600">
                 <a:noFill/>
                 <a:bevel/>
               </a:ln>
@@ -3360,7 +3360,7 @@
             </p:nvSpPr>
             <p:spPr>
               <a:xfrm>
-                <a:off x="5547091" y="2064584"/>
+                <a:off x="5609866" y="1711182"/>
                 <a:ext cy="86974" cx="85270"/>
               </a:xfrm>
               <a:custGeom>
@@ -3369,7 +3369,7 @@
                 <a:ahLst/>
                 <a:cxnLst/>
                 <a:pathLst>
-                  <a:path w="85270" h="86974">
+                  <a:path h="86974" w="85270">
                     <a:moveTo>
                       <a:pt x="76179" y="0"/>
                     </a:moveTo>
@@ -3427,7 +3427,7 @@
               <a:solidFill>
                 <a:srgbClr val="FFFFFF"/>
               </a:solidFill>
-              <a:ln w="7600" cap="flat">
+              <a:ln cap="flat" w="7600">
                 <a:noFill/>
                 <a:bevel/>
               </a:ln>
@@ -3441,7 +3441,7 @@
             </p:nvSpPr>
             <p:spPr>
               <a:xfrm>
-                <a:off x="5675782" y="1934558"/>
+                <a:off x="5738557" y="1581156"/>
                 <a:ext cy="86974" cx="85661"/>
               </a:xfrm>
               <a:custGeom>
@@ -3450,7 +3450,7 @@
                 <a:ahLst/>
                 <a:cxnLst/>
                 <a:pathLst>
-                  <a:path w="85661" h="86974">
+                  <a:path h="86974" w="85661">
                     <a:moveTo>
                       <a:pt x="76179" y="0"/>
                     </a:moveTo>
@@ -3509,7 +3509,7 @@
               <a:solidFill>
                 <a:srgbClr val="FFFFFF"/>
               </a:solidFill>
-              <a:ln w="7600" cap="flat">
+              <a:ln cap="flat" w="7600">
                 <a:noFill/>
                 <a:bevel/>
               </a:ln>
@@ -3523,7 +3523,7 @@
             </p:nvSpPr>
             <p:spPr>
               <a:xfrm>
-                <a:off x="5804388" y="1934558"/>
+                <a:off x="5867164" y="1581156"/>
                 <a:ext cy="86974" cx="85661"/>
               </a:xfrm>
               <a:custGeom>
@@ -3532,7 +3532,7 @@
                 <a:ahLst/>
                 <a:cxnLst/>
                 <a:pathLst>
-                  <a:path w="85661" h="86974">
+                  <a:path h="86974" w="85661">
                     <a:moveTo>
                       <a:pt x="76179" y="0"/>
                     </a:moveTo>
@@ -3591,7 +3591,7 @@
               <a:solidFill>
                 <a:srgbClr val="FFFFFF"/>
               </a:solidFill>
-              <a:ln w="7600" cap="flat">
+              <a:ln cap="flat" w="7600">
                 <a:noFill/>
                 <a:bevel/>
               </a:ln>
@@ -3599,13 +3599,13 @@
           </p:sp>
           <p:sp>
             <p:nvSpPr>
-              <p:cNvPr name="Text 306" id="306"/>
+              <p:cNvPr name="Text 355" id="355"/>
               <p:cNvSpPr txBox="1"/>
               <p:nvPr/>
             </p:nvSpPr>
             <p:spPr>
               <a:xfrm>
-                <a:off x="5338613" y="2514337"/>
+                <a:off x="5401388" y="2160935"/>
                 <a:ext cy="152000" cx="760000"/>
               </a:xfrm>
               <a:prstGeom prst="rect">
@@ -3614,7 +3614,7 @@
               <a:noFill/>
             </p:spPr>
             <p:txBody>
-              <a:bodyPr wrap="square" rtlCol="0" lIns="0" rIns="0" tIns="0" anchor="ctr" bIns="0"/>
+              <a:bodyPr anchor="ctr" rIns="0" bIns="0" lIns="0" wrap="square" rtlCol="0" tIns="0"/>
               <a:lstStyle/>
               <a:p>
                 <a:pPr algn="ctr">
@@ -3643,9 +3643,9 @@
           </p:nvGrpSpPr>
           <p:grpSpPr>
             <a:xfrm>
-              <a:off x="3581606" y="3661937"/>
+              <a:off x="3644382" y="3422535"/>
               <a:ext cy="912000" cx="1003200"/>
-              <a:chOff x="3581606" y="3661937"/>
+              <a:chOff x="3644382" y="3422535"/>
               <a:chExt cy="912000" cx="1003200"/>
             </a:xfrm>
           </p:grpSpPr>
@@ -3657,7 +3657,7 @@
             </p:nvSpPr>
             <p:spPr>
               <a:xfrm>
-                <a:off x="3581606" y="3661937"/>
+                <a:off x="3644382" y="3422535"/>
                 <a:ext cy="912000" cx="1003200"/>
               </a:xfrm>
               <a:custGeom>
@@ -3666,7 +3666,7 @@
                 <a:ahLst/>
                 <a:cxnLst/>
                 <a:pathLst>
-                  <a:path w="1003200" h="912000">
+                  <a:path h="912000" w="1003200">
                     <a:moveTo>
                       <a:pt x="991154" y="409262"/>
                     </a:moveTo>
@@ -3725,7 +3725,7 @@
               <a:solidFill>
                 <a:srgbClr val="4285F4"/>
               </a:solidFill>
-              <a:ln w="7600" cap="flat">
+              <a:ln cap="flat" w="7600">
                 <a:noFill/>
                 <a:bevel/>
               </a:ln>
@@ -3739,7 +3739,7 @@
             </p:nvSpPr>
             <p:spPr>
               <a:xfrm>
-                <a:off x="3926419" y="3921591"/>
+                <a:off x="3989195" y="3682189"/>
                 <a:ext cy="652108" cx="592654"/>
               </a:xfrm>
               <a:custGeom>
@@ -3748,7 +3748,7 @@
                 <a:ahLst/>
                 <a:cxnLst/>
                 <a:pathLst>
-                  <a:path w="592654" h="652108">
+                  <a:path h="652108" w="592654">
                     <a:moveTo>
                       <a:pt x="313491" y="52565"/>
                     </a:moveTo>
@@ -3794,7 +3794,7 @@
               <a:solidFill>
                 <a:srgbClr val="3D7CE3"/>
               </a:solidFill>
-              <a:ln w="7600" cap="flat">
+              <a:ln cap="flat" w="7600">
                 <a:noFill/>
                 <a:bevel/>
               </a:ln>
@@ -3808,9 +3808,9 @@
             </p:nvGrpSpPr>
             <p:grpSpPr>
               <a:xfrm>
-                <a:off x="3926461" y="3881910"/>
+                <a:off x="3989237" y="3642508"/>
                 <a:ext cy="472055" cx="313491"/>
-                <a:chOff x="3926461" y="3881910"/>
+                <a:chOff x="3989237" y="3642508"/>
                 <a:chExt cy="472055" cx="313491"/>
               </a:xfrm>
             </p:grpSpPr>
@@ -3822,7 +3822,7 @@
               </p:nvSpPr>
               <p:spPr>
                 <a:xfrm>
-                  <a:off x="3926461" y="3881910"/>
+                  <a:off x="3989237" y="3642508"/>
                   <a:ext cy="253867" cx="313491"/>
                 </a:xfrm>
                 <a:custGeom>
@@ -3831,7 +3831,7 @@
                   <a:ahLst/>
                   <a:cxnLst/>
                   <a:pathLst>
-                    <a:path w="313491" h="253867">
+                    <a:path h="253867" w="313491">
                       <a:moveTo>
                         <a:pt x="156745" y="0"/>
                       </a:moveTo>
@@ -3876,7 +3876,7 @@
                 <a:solidFill>
                   <a:srgbClr val="FFFFFF"/>
                 </a:solidFill>
-                <a:ln w="7600" cap="flat">
+                <a:ln cap="flat" w="7600">
                   <a:noFill/>
                   <a:bevel/>
                 </a:ln>
@@ -3890,7 +3890,7 @@
               </p:nvSpPr>
               <p:spPr>
                 <a:xfrm>
-                  <a:off x="3926461" y="4084242"/>
+                  <a:off x="3989237" y="3844840"/>
                   <a:ext cy="162372" cx="313491"/>
                 </a:xfrm>
                 <a:custGeom>
@@ -3899,7 +3899,7 @@
                   <a:ahLst/>
                   <a:cxnLst/>
                   <a:pathLst>
-                    <a:path w="313491" h="162372">
+                    <a:path h="162372" w="313491">
                       <a:moveTo>
                         <a:pt x="0" y="0"/>
                       </a:moveTo>
@@ -3928,7 +3928,7 @@
                 <a:solidFill>
                   <a:srgbClr val="FFFFFF"/>
                 </a:solidFill>
-                <a:ln w="7600" cap="flat">
+                <a:ln cap="flat" w="7600">
                   <a:noFill/>
                   <a:bevel/>
                 </a:ln>
@@ -3942,7 +3942,7 @@
               </p:nvSpPr>
               <p:spPr>
                 <a:xfrm>
-                  <a:off x="3926461" y="4191592"/>
+                  <a:off x="3989237" y="3952190"/>
                   <a:ext cy="162372" cx="313491"/>
                 </a:xfrm>
                 <a:custGeom>
@@ -3951,7 +3951,7 @@
                   <a:ahLst/>
                   <a:cxnLst/>
                   <a:pathLst>
-                    <a:path w="313491" h="162372">
+                    <a:path h="162372" w="313491">
                       <a:moveTo>
                         <a:pt x="0" y="0"/>
                       </a:moveTo>
@@ -3980,7 +3980,7 @@
                 <a:solidFill>
                   <a:srgbClr val="FFFFFF"/>
                 </a:solidFill>
-                <a:ln w="7600" cap="flat">
+                <a:ln cap="flat" w="7600">
                   <a:noFill/>
                   <a:bevel/>
                 </a:ln>
@@ -3989,13 +3989,13 @@
           </p:grpSp>
           <p:sp>
             <p:nvSpPr>
-              <p:cNvPr name="Text 307" id="307"/>
+              <p:cNvPr name="Text 356" id="356"/>
               <p:cNvSpPr txBox="1"/>
               <p:nvPr/>
             </p:nvSpPr>
             <p:spPr>
               <a:xfrm>
-                <a:off x="3703206" y="4589137"/>
+                <a:off x="3765982" y="4349735"/>
                 <a:ext cy="152000" cx="760000"/>
               </a:xfrm>
               <a:prstGeom prst="rect">
@@ -4004,7 +4004,7 @@
               <a:noFill/>
             </p:spPr>
             <p:txBody>
-              <a:bodyPr wrap="square" rtlCol="0" lIns="0" rIns="0" tIns="0" anchor="ctr" bIns="0"/>
+              <a:bodyPr anchor="ctr" rIns="0" bIns="0" lIns="0" wrap="square" rtlCol="0" tIns="0"/>
               <a:lstStyle/>
               <a:p>
                 <a:pPr algn="ctr">
@@ -4033,9 +4033,9 @@
           </p:nvGrpSpPr>
           <p:grpSpPr>
             <a:xfrm>
-              <a:off x="7188225" y="2673937"/>
+              <a:off x="7251000" y="2434535"/>
               <a:ext cy="912000" cx="1003200"/>
-              <a:chOff x="7188225" y="2673937"/>
+              <a:chOff x="7251000" y="2434535"/>
               <a:chExt cy="912000" cx="1003200"/>
             </a:xfrm>
           </p:grpSpPr>
@@ -4047,7 +4047,7 @@
             </p:nvSpPr>
             <p:spPr>
               <a:xfrm>
-                <a:off x="7188225" y="2673937"/>
+                <a:off x="7251000" y="2434535"/>
                 <a:ext cy="912000" cx="1003200"/>
               </a:xfrm>
               <a:custGeom>
@@ -4056,7 +4056,7 @@
                 <a:ahLst/>
                 <a:cxnLst/>
                 <a:pathLst>
-                  <a:path w="1003200" h="912000">
+                  <a:path h="912000" w="1003200">
                     <a:moveTo>
                       <a:pt x="991154" y="409262"/>
                     </a:moveTo>
@@ -4115,7 +4115,7 @@
               <a:solidFill>
                 <a:srgbClr val="4285F4"/>
               </a:solidFill>
-              <a:ln w="7600" cap="flat">
+              <a:ln cap="flat" w="7600">
                 <a:noFill/>
                 <a:bevel/>
               </a:ln>
@@ -4129,7 +4129,7 @@
             </p:nvSpPr>
             <p:spPr>
               <a:xfrm>
-                <a:off x="7440480" y="2998921"/>
+                <a:off x="7503255" y="2759519"/>
                 <a:ext cy="586779" cx="706216"/>
               </a:xfrm>
               <a:custGeom>
@@ -4138,7 +4138,7 @@
                 <a:ahLst/>
                 <a:cxnLst/>
                 <a:pathLst>
-                  <a:path w="706216" h="586779">
+                  <a:path h="586779" w="706216">
                     <a:moveTo>
                       <a:pt x="532777" y="538732"/>
                     </a:moveTo>
@@ -4196,7 +4196,7 @@
               <a:solidFill>
                 <a:srgbClr val="3D7CE3"/>
               </a:solidFill>
-              <a:ln w="7600" cap="flat">
+              <a:ln cap="flat" w="7600">
                 <a:noFill/>
                 <a:bevel/>
               </a:ln>
@@ -4210,7 +4210,7 @@
             </p:nvSpPr>
             <p:spPr>
               <a:xfrm>
-                <a:off x="7600987" y="2996542"/>
+                <a:off x="7663761" y="2757140"/>
                 <a:ext cy="68897" cx="316078"/>
               </a:xfrm>
               <a:custGeom>
@@ -4219,7 +4219,7 @@
                 <a:ahLst/>
                 <a:cxnLst/>
                 <a:pathLst>
-                  <a:path w="316078" h="68897">
+                  <a:path h="68897" w="316078">
                     <a:moveTo>
                       <a:pt x="308240" y="0"/>
                     </a:moveTo>
@@ -4291,7 +4291,7 @@
               <a:solidFill>
                 <a:srgbClr val="FFFFFF"/>
               </a:solidFill>
-              <a:ln w="7600" cap="flat">
+              <a:ln cap="flat" w="7600">
                 <a:noFill/>
                 <a:bevel/>
               </a:ln>
@@ -4305,7 +4305,7 @@
             </p:nvSpPr>
             <p:spPr>
               <a:xfrm>
-                <a:off x="7600987" y="3095647"/>
+                <a:off x="7663762" y="2856245"/>
                 <a:ext cy="68580" cx="316077"/>
               </a:xfrm>
               <a:custGeom>
@@ -4314,7 +4314,7 @@
                 <a:ahLst/>
                 <a:cxnLst/>
                 <a:pathLst>
-                  <a:path w="316077" h="68580">
+                  <a:path h="68580" w="316077">
                     <a:moveTo>
                       <a:pt x="308240" y="0"/>
                     </a:moveTo>
@@ -4381,7 +4381,7 @@
               <a:solidFill>
                 <a:srgbClr val="FFFFFF"/>
               </a:solidFill>
-              <a:ln w="7600" cap="flat">
+              <a:ln cap="flat" w="7600">
                 <a:noFill/>
                 <a:bevel/>
               </a:ln>
@@ -4395,7 +4395,7 @@
             </p:nvSpPr>
             <p:spPr>
               <a:xfrm>
-                <a:off x="7602398" y="3194275"/>
+                <a:off x="7665173" y="2954873"/>
                 <a:ext cy="68897" cx="315763"/>
               </a:xfrm>
               <a:custGeom>
@@ -4404,7 +4404,7 @@
                 <a:ahLst/>
                 <a:cxnLst/>
                 <a:pathLst>
-                  <a:path w="315763" h="68897">
+                  <a:path h="68897" w="315763">
                     <a:moveTo>
                       <a:pt x="307926" y="0"/>
                     </a:moveTo>
@@ -4471,7 +4471,7 @@
               <a:solidFill>
                 <a:srgbClr val="FFFFFF"/>
               </a:solidFill>
-              <a:ln w="7600" cap="flat">
+              <a:ln cap="flat" w="7600">
                 <a:noFill/>
                 <a:bevel/>
               </a:ln>
@@ -4485,7 +4485,7 @@
             </p:nvSpPr>
             <p:spPr>
               <a:xfrm>
-                <a:off x="7473499" y="3037531"/>
+                <a:off x="7536274" y="2798129"/>
                 <a:ext cy="39960" cx="96349"/>
               </a:xfrm>
               <a:custGeom>
@@ -4494,7 +4494,7 @@
                 <a:ahLst/>
                 <a:cxnLst/>
                 <a:pathLst>
-                  <a:path w="96349" h="39960">
+                  <a:path h="39960" w="96349">
                     <a:moveTo>
                       <a:pt x="74116" y="39801"/>
                     </a:moveTo>
@@ -4541,7 +4541,7 @@
               <a:solidFill>
                 <a:srgbClr val="FFFFFF"/>
               </a:solidFill>
-              <a:ln w="7600" cap="flat">
+              <a:ln cap="flat" w="7600">
                 <a:noFill/>
                 <a:bevel/>
               </a:ln>
@@ -4555,7 +4555,7 @@
             </p:nvSpPr>
             <p:spPr>
               <a:xfrm>
-                <a:off x="7432432" y="3109957"/>
+                <a:off x="7495207" y="2870555"/>
                 <a:ext cy="39960" cx="137416"/>
               </a:xfrm>
               <a:custGeom>
@@ -4564,7 +4564,7 @@
                 <a:ahLst/>
                 <a:cxnLst/>
                 <a:pathLst>
-                  <a:path w="137416" h="39960">
+                  <a:path h="39960" w="137416">
                     <a:moveTo>
                       <a:pt x="115183" y="39801"/>
                     </a:moveTo>
@@ -4611,7 +4611,7 @@
               <a:solidFill>
                 <a:srgbClr val="FFFFFF"/>
               </a:solidFill>
-              <a:ln w="7600" cap="flat">
+              <a:ln cap="flat" w="7600">
                 <a:noFill/>
                 <a:bevel/>
               </a:ln>
@@ -4625,7 +4625,7 @@
             </p:nvSpPr>
             <p:spPr>
               <a:xfrm>
-                <a:off x="7473499" y="3182224"/>
+                <a:off x="7536274" y="2942822"/>
                 <a:ext cy="39960" cx="96349"/>
               </a:xfrm>
               <a:custGeom>
@@ -4634,7 +4634,7 @@
                 <a:ahLst/>
                 <a:cxnLst/>
                 <a:pathLst>
-                  <a:path w="96349" h="39960">
+                  <a:path h="39960" w="96349">
                     <a:moveTo>
                       <a:pt x="74116" y="39801"/>
                     </a:moveTo>
@@ -4681,7 +4681,7 @@
               <a:solidFill>
                 <a:srgbClr val="FFFFFF"/>
               </a:solidFill>
-              <a:ln w="7600" cap="flat">
+              <a:ln cap="flat" w="7600">
                 <a:noFill/>
                 <a:bevel/>
               </a:ln>
@@ -4689,13 +4689,13 @@
           </p:sp>
           <p:sp>
             <p:nvSpPr>
-              <p:cNvPr name="Text 308" id="308"/>
+              <p:cNvPr name="Text 357" id="357"/>
               <p:cNvSpPr txBox="1"/>
               <p:nvPr/>
             </p:nvSpPr>
             <p:spPr>
               <a:xfrm>
-                <a:off x="7309825" y="3601137"/>
+                <a:off x="7372600" y="3361735"/>
                 <a:ext cy="152000" cx="760000"/>
               </a:xfrm>
               <a:prstGeom prst="rect">
@@ -4704,7 +4704,7 @@
               <a:noFill/>
             </p:spPr>
             <p:txBody>
-              <a:bodyPr wrap="square" rtlCol="0" lIns="0" rIns="0" tIns="0" anchor="ctr" bIns="0"/>
+              <a:bodyPr anchor="ctr" rIns="0" bIns="0" lIns="0" wrap="square" rtlCol="0" tIns="0"/>
               <a:lstStyle/>
               <a:p>
                 <a:pPr algn="ctr">
@@ -4733,9 +4733,9 @@
           </p:nvGrpSpPr>
           <p:grpSpPr>
             <a:xfrm>
-              <a:off x="5217013" y="3661937"/>
+              <a:off x="5279788" y="3422535"/>
               <a:ext cy="912000" cx="1003200"/>
-              <a:chOff x="5217013" y="3661937"/>
+              <a:chOff x="5279788" y="3422535"/>
               <a:chExt cy="912000" cx="1003200"/>
             </a:xfrm>
           </p:grpSpPr>
@@ -4747,7 +4747,7 @@
             </p:nvSpPr>
             <p:spPr>
               <a:xfrm>
-                <a:off x="5217013" y="3661937"/>
+                <a:off x="5279788" y="3422535"/>
                 <a:ext cy="912000" cx="1003200"/>
               </a:xfrm>
               <a:custGeom>
@@ -4756,20 +4756,20 @@
                 <a:ahLst/>
                 <a:cxnLst/>
                 <a:pathLst>
-                  <a:path w="1003200" h="912000">
+                  <a:path h="912000" w="1003200">
                     <a:moveTo>
                       <a:pt x="991154" y="409262"/>
                     </a:moveTo>
                     <a:lnTo>
-                      <a:pt x="785033" y="46619"/>
-                    </a:lnTo>
-                    <a:cubicBezTo>
-                      <a:pt x="769261" y="18324"/>
+                      <a:pt x="785034" y="46619"/>
+                    </a:lnTo>
+                    <a:cubicBezTo>
+                      <a:pt x="769264" y="18324"/>
                       <a:pt x="739862" y="0"/>
                       <a:pt x="707758" y="0"/>
                     </a:cubicBezTo>
                     <a:lnTo>
-                      <a:pt x="295438" y="0"/>
+                      <a:pt x="295439" y="0"/>
                     </a:lnTo>
                     <a:cubicBezTo>
                       <a:pt x="263329" y="0"/>
@@ -4782,30 +4782,30 @@
                     <a:cubicBezTo>
                       <a:pt x="-3988" y="436391"/>
                       <a:pt x="-3988" y="470931"/>
-                      <a:pt x="11964" y="499012"/>
-                    </a:cubicBezTo>
-                    <a:lnTo>
-                      <a:pt x="218084" y="863716"/>
-                    </a:lnTo>
-                    <a:cubicBezTo>
-                      <a:pt x="233682" y="892413"/>
+                      <a:pt x="11964" y="499011"/>
+                    </a:cubicBezTo>
+                    <a:lnTo>
+                      <a:pt x="218084" y="863717"/>
+                    </a:lnTo>
+                    <a:cubicBezTo>
+                      <a:pt x="233683" y="892415"/>
                       <a:pt x="263011" y="910738"/>
                       <a:pt x="295360" y="912000"/>
                     </a:cubicBezTo>
                     <a:lnTo>
-                      <a:pt x="707678" y="912000"/>
-                    </a:lnTo>
-                    <a:cubicBezTo>
-                      <a:pt x="740027" y="910876"/>
-                      <a:pt x="769406" y="892628"/>
-                      <a:pt x="785033" y="863954"/>
+                      <a:pt x="707679" y="912000"/>
+                    </a:lnTo>
+                    <a:cubicBezTo>
+                      <a:pt x="740026" y="910875"/>
+                      <a:pt x="769409" y="892628"/>
+                      <a:pt x="785034" y="863953"/>
                     </a:cubicBezTo>
                     <a:lnTo>
                       <a:pt x="991154" y="501311"/>
                     </a:lnTo>
                     <a:cubicBezTo>
                       <a:pt x="1007213" y="472779"/>
-                      <a:pt x="1007213" y="437794"/>
+                      <a:pt x="1007213" y="437793"/>
                       <a:pt x="991154" y="409262"/>
                     </a:cubicBezTo>
                     <a:close/>
@@ -4815,7 +4815,7 @@
               <a:solidFill>
                 <a:srgbClr val="4285F4"/>
               </a:solidFill>
-              <a:ln w="7600" cap="flat">
+              <a:ln cap="flat" w="7600">
                 <a:noFill/>
                 <a:bevel/>
               </a:ln>
@@ -4829,7 +4829,7 @@
             </p:nvSpPr>
             <p:spPr>
               <a:xfrm>
-                <a:off x="5569662" y="3927537"/>
+                <a:off x="5632438" y="3688135"/>
                 <a:ext cy="646162" cx="599081"/>
               </a:xfrm>
               <a:custGeom>
@@ -4838,21 +4838,21 @@
                 <a:ahLst/>
                 <a:cxnLst/>
                 <a:pathLst>
-                  <a:path w="599081" h="646162">
+                  <a:path h="646162" w="599081">
                     <a:moveTo>
-                      <a:pt x="297816" y="0"/>
+                      <a:pt x="297817" y="0"/>
                     </a:moveTo>
                     <a:lnTo>
                       <a:pt x="47024" y="31714"/>
                     </a:lnTo>
                     <a:lnTo>
-                      <a:pt x="0" y="158568"/>
+                      <a:pt x="0" y="158567"/>
                     </a:lnTo>
                     <a:lnTo>
                       <a:pt x="39186" y="198209"/>
                     </a:lnTo>
                     <a:lnTo>
-                      <a:pt x="0" y="269565"/>
+                      <a:pt x="0" y="269564"/>
                     </a:lnTo>
                     <a:lnTo>
                       <a:pt x="39186" y="309207"/>
@@ -4875,7 +4875,7 @@
                       <a:pt x="599081" y="304766"/>
                     </a:lnTo>
                     <a:lnTo>
-                      <a:pt x="297816" y="0"/>
+                      <a:pt x="297817" y="0"/>
                     </a:lnTo>
                     <a:close/>
                   </a:path>
@@ -4884,7 +4884,7 @@
               <a:solidFill>
                 <a:srgbClr val="3D7CE3"/>
               </a:solidFill>
-              <a:ln w="7600" cap="flat">
+              <a:ln cap="flat" w="7600">
                 <a:noFill/>
                 <a:bevel/>
               </a:ln>
@@ -4898,7 +4898,7 @@
             </p:nvSpPr>
             <p:spPr>
               <a:xfrm>
-                <a:off x="5569705" y="4149531"/>
+                <a:off x="5632480" y="3910129"/>
                 <a:ext cy="158568" cx="297816"/>
               </a:xfrm>
               <a:custGeom>
@@ -4907,12 +4907,12 @@
                 <a:ahLst/>
                 <a:cxnLst/>
                 <a:pathLst>
-                  <a:path w="297816" h="158568">
+                  <a:path h="158568" w="297816">
                     <a:moveTo>
-                      <a:pt x="227281" y="0"/>
+                      <a:pt x="227280" y="0"/>
                     </a:moveTo>
                     <a:lnTo>
-                      <a:pt x="227281" y="87212"/>
+                      <a:pt x="227280" y="87212"/>
                     </a:lnTo>
                     <a:lnTo>
                       <a:pt x="0" y="87212"/>
@@ -4927,7 +4927,7 @@
                       <a:pt x="297816" y="0"/>
                     </a:lnTo>
                     <a:lnTo>
-                      <a:pt x="227281" y="0"/>
+                      <a:pt x="227280" y="0"/>
                     </a:lnTo>
                     <a:close/>
                   </a:path>
@@ -4936,7 +4936,7 @@
               <a:solidFill>
                 <a:srgbClr val="FFFFFF"/>
               </a:solidFill>
-              <a:ln w="7600" cap="flat">
+              <a:ln cap="flat" w="7600">
                 <a:noFill/>
                 <a:bevel/>
               </a:ln>
@@ -4950,7 +4950,7 @@
             </p:nvSpPr>
             <p:spPr>
               <a:xfrm>
-                <a:off x="5569705" y="3927537"/>
+                <a:off x="5632480" y="3688134"/>
                 <a:ext cy="158568" cx="297816"/>
               </a:xfrm>
               <a:custGeom>
@@ -4959,7 +4959,7 @@
                 <a:ahLst/>
                 <a:cxnLst/>
                 <a:pathLst>
-                  <a:path w="297816" h="158568">
+                  <a:path h="158568" w="297816">
                     <a:moveTo>
                       <a:pt x="70535" y="158568"/>
                     </a:moveTo>
@@ -4988,7 +4988,7 @@
               <a:solidFill>
                 <a:srgbClr val="FFFFFF"/>
               </a:solidFill>
-              <a:ln w="7600" cap="flat">
+              <a:ln cap="flat" w="7600">
                 <a:noFill/>
                 <a:bevel/>
               </a:ln>
@@ -5002,7 +5002,7 @@
             </p:nvSpPr>
             <p:spPr>
               <a:xfrm>
-                <a:off x="5569705" y="4038653"/>
+                <a:off x="5632480" y="3799251"/>
                 <a:ext cy="158568" cx="297816"/>
               </a:xfrm>
               <a:custGeom>
@@ -5011,7 +5011,7 @@
                 <a:ahLst/>
                 <a:cxnLst/>
                 <a:pathLst>
-                  <a:path w="297816" h="158568">
+                  <a:path h="158568" w="297816">
                     <a:moveTo>
                       <a:pt x="109722" y="0"/>
                     </a:moveTo>
@@ -5025,10 +5025,10 @@
                       <a:pt x="0" y="158568"/>
                     </a:lnTo>
                     <a:lnTo>
-                      <a:pt x="188094" y="158568"/>
-                    </a:lnTo>
-                    <a:lnTo>
-                      <a:pt x="188094" y="71355"/>
+                      <a:pt x="188095" y="158568"/>
+                    </a:lnTo>
+                    <a:lnTo>
+                      <a:pt x="188095" y="71355"/>
                     </a:lnTo>
                     <a:lnTo>
                       <a:pt x="297816" y="71355"/>
@@ -5046,7 +5046,7 @@
               <a:solidFill>
                 <a:srgbClr val="FFFFFF"/>
               </a:solidFill>
-              <a:ln w="7600" cap="flat">
+              <a:ln cap="flat" w="7600">
                 <a:noFill/>
                 <a:bevel/>
               </a:ln>
@@ -5054,13 +5054,13 @@
           </p:sp>
           <p:sp>
             <p:nvSpPr>
-              <p:cNvPr name="Text 309" id="309"/>
+              <p:cNvPr name="Text 358" id="358"/>
               <p:cNvSpPr txBox="1"/>
               <p:nvPr/>
             </p:nvSpPr>
             <p:spPr>
               <a:xfrm>
-                <a:off x="5338613" y="4589137"/>
+                <a:off x="5401388" y="4349735"/>
                 <a:ext cy="152000" cx="760000"/>
               </a:xfrm>
               <a:prstGeom prst="rect">
@@ -5069,7 +5069,7 @@
               <a:noFill/>
             </p:spPr>
             <p:txBody>
-              <a:bodyPr wrap="square" rtlCol="0" lIns="0" rIns="0" tIns="0" anchor="ctr" bIns="0"/>
+              <a:bodyPr anchor="ctr" rIns="0" bIns="0" lIns="0" wrap="square" rtlCol="0" tIns="0"/>
               <a:lstStyle/>
               <a:p>
                 <a:pPr algn="ctr">
@@ -5098,22 +5098,22 @@
           </p:nvSpPr>
           <p:spPr>
             <a:xfrm>
-              <a:off x="2425000" y="1473137"/>
-              <a:ext cy="4522000" cx="5912800"/>
+              <a:off x="2487776" y="1089335"/>
+              <a:ext cy="4666400" cx="5912800"/>
             </a:xfrm>
             <a:custGeom>
               <a:avLst/>
               <a:gdLst>
                 <a:gd name="connsiteX0" fmla="*/ 2956400 w 5912800"/>
-                <a:gd name="connsiteY0" fmla="*/ 2261000 h 4522000"/>
+                <a:gd name="connsiteY0" fmla="*/ 2333200 h 4666400"/>
                 <a:gd name="connsiteX1" fmla="*/ 0 w 5912800"/>
-                <a:gd name="connsiteY1" fmla="*/ 2261000 h 4522000"/>
+                <a:gd name="connsiteY1" fmla="*/ 2333200 h 4666400"/>
                 <a:gd name="connsiteX2" fmla="*/ 2956400 w 5912800"/>
-                <a:gd name="connsiteY2" fmla="*/ 0 h 4522000"/>
+                <a:gd name="connsiteY2" fmla="*/ 0 h 4666400"/>
                 <a:gd name="connsiteX3" fmla="*/ 5912800 w 5912800"/>
-                <a:gd name="connsiteY3" fmla="*/ 2261000 h 4522000"/>
+                <a:gd name="connsiteY3" fmla="*/ 2333200 h 4666400"/>
                 <a:gd name="connsiteX4" fmla="*/ 2956400 w 5912800"/>
-                <a:gd name="connsiteY4" fmla="*/ 4522000 h 4522000"/>
+                <a:gd name="connsiteY4" fmla="*/ 4666400 h 4666400"/>
               </a:gdLst>
               <a:ahLst/>
               <a:cxnLst>
@@ -5134,7 +5134,7 @@
                 </a:cxn>
               </a:cxnLst>
               <a:pathLst>
-                <a:path w="5912800" h="4522000">
+                <a:path h="4666400" w="5912800">
                   <a:moveTo>
                     <a:pt x="91200" y="0"/>
                   </a:moveTo>
@@ -5147,20 +5147,20 @@
                     <a:pt x="5912800" y="91200"/>
                   </a:cubicBezTo>
                   <a:lnTo>
-                    <a:pt x="5912800" y="4430800"/>
+                    <a:pt x="5912800" y="4575200"/>
                   </a:lnTo>
                   <a:cubicBezTo>
-                    <a:pt x="5912800" y="4481170"/>
-                    <a:pt x="5871970" y="4522000"/>
-                    <a:pt x="5821600" y="4522000"/>
+                    <a:pt x="5912800" y="4625570"/>
+                    <a:pt x="5871970" y="4666400"/>
+                    <a:pt x="5821600" y="4666400"/>
                   </a:cubicBezTo>
                   <a:lnTo>
-                    <a:pt x="91200" y="4522000"/>
+                    <a:pt x="91200" y="4666400"/>
                   </a:lnTo>
                   <a:cubicBezTo>
-                    <a:pt x="40830" y="4522000"/>
-                    <a:pt x="0" y="4481170"/>
-                    <a:pt x="0" y="4430800"/>
+                    <a:pt x="40830" y="4666400"/>
+                    <a:pt x="0" y="4625570"/>
+                    <a:pt x="0" y="4575200"/>
                   </a:cubicBezTo>
                   <a:lnTo>
                     <a:pt x="0" y="91200"/>
@@ -5175,7 +5175,7 @@
               </a:pathLst>
             </a:custGeom>
             <a:noFill/>
-            <a:ln w="7600" cap="flat">
+            <a:ln cap="flat" w="7600">
               <a:solidFill>
                 <a:srgbClr val="808080"/>
               </a:solidFill>
@@ -5185,7 +5185,7 @@
               <a:bevel/>
             </a:ln>
             <a:effectLst>
-              <a:outerShdw blurRad="0" algn="tl" dir="2700000" dist="21496" rotWithShape="0">
+              <a:outerShdw dir="2700000" rotWithShape="0" dist="21496" blurRad="0" algn="tl">
                 <a:srgbClr val="000000">
                   <a:alpha val="20000"/>
                 </a:srgbClr>
@@ -5201,9 +5201,9 @@
           </p:nvGrpSpPr>
           <p:grpSpPr>
             <a:xfrm>
-              <a:off x="2539000" y="2673937"/>
+              <a:off x="2601776" y="2434535"/>
               <a:ext cy="912000" cx="1003200"/>
-              <a:chOff x="2539000" y="2673937"/>
+              <a:chOff x="2601776" y="2434535"/>
               <a:chExt cy="912000" cx="1003200"/>
             </a:xfrm>
           </p:grpSpPr>
@@ -5215,7 +5215,7 @@
             </p:nvSpPr>
             <p:spPr>
               <a:xfrm>
-                <a:off x="2539000" y="2673937"/>
+                <a:off x="2601776" y="2434535"/>
                 <a:ext cy="912000" cx="1003200"/>
               </a:xfrm>
               <a:custGeom>
@@ -5224,7 +5224,7 @@
                 <a:ahLst/>
                 <a:cxnLst/>
                 <a:pathLst>
-                  <a:path w="1003200" h="912000">
+                  <a:path h="912000" w="1003200">
                     <a:moveTo>
                       <a:pt x="991108" y="409191"/>
                     </a:moveTo>
@@ -5283,7 +5283,7 @@
               <a:solidFill>
                 <a:srgbClr val="4285F4"/>
               </a:solidFill>
-              <a:ln w="7600" cap="flat">
+              <a:ln cap="flat" w="7600">
                 <a:noFill/>
                 <a:bevel/>
               </a:ln>
@@ -5297,7 +5297,7 @@
             </p:nvSpPr>
             <p:spPr>
               <a:xfrm>
-                <a:off x="2832778" y="2974845"/>
+                <a:off x="2895554" y="2735443"/>
                 <a:ext cy="611012" cx="662218"/>
               </a:xfrm>
               <a:custGeom>
@@ -5306,7 +5306,7 @@
                 <a:ahLst/>
                 <a:cxnLst/>
                 <a:pathLst>
-                  <a:path w="662218" h="611012">
+                  <a:path h="611012" w="662218">
                     <a:moveTo>
                       <a:pt x="438710" y="39001"/>
                     </a:moveTo>
@@ -5358,7 +5358,7 @@
               <a:solidFill>
                 <a:srgbClr val="3D7CE3"/>
               </a:solidFill>
-              <a:ln w="7600" cap="flat">
+              <a:ln cap="flat" w="7600">
                 <a:noFill/>
                 <a:bevel/>
               </a:ln>
@@ -5372,7 +5372,7 @@
             </p:nvSpPr>
             <p:spPr>
               <a:xfrm>
-                <a:off x="2832778" y="2974845"/>
+                <a:off x="2895554" y="2735443"/>
                 <a:ext cy="369080" cx="438710"/>
               </a:xfrm>
               <a:custGeom>
@@ -5381,7 +5381,7 @@
                 <a:ahLst/>
                 <a:cxnLst/>
                 <a:pathLst>
-                  <a:path w="438710" h="369080">
+                  <a:path h="369080" w="438710">
                     <a:moveTo>
                       <a:pt x="322018" y="308836"/>
                     </a:moveTo>
@@ -5425,7 +5425,7 @@
               <a:solidFill>
                 <a:srgbClr val="FFFFFF"/>
               </a:solidFill>
-              <a:ln w="7600" cap="flat">
+              <a:ln cap="flat" w="7600">
                 <a:noFill/>
                 <a:bevel/>
               </a:ln>
@@ -5439,9 +5439,9 @@
             </p:nvGrpSpPr>
             <p:grpSpPr>
               <a:xfrm>
-                <a:off x="2832778" y="2915552"/>
+                <a:off x="2895554" y="2676150"/>
                 <a:ext cy="369080" cx="438710"/>
-                <a:chOff x="2832778" y="2915552"/>
+                <a:chOff x="2895554" y="2676150"/>
                 <a:chExt cy="369080" cx="438710"/>
               </a:xfrm>
             </p:grpSpPr>
@@ -5453,7 +5453,7 @@
               </p:nvSpPr>
               <p:spPr>
                 <a:xfrm>
-                  <a:off x="3015456" y="2915552"/>
+                  <a:off x="3078232" y="2676150"/>
                   <a:ext cy="196589" cx="256032"/>
                 </a:xfrm>
                 <a:custGeom>
@@ -5462,7 +5462,7 @@
                   <a:ahLst/>
                   <a:cxnLst/>
                   <a:pathLst>
-                    <a:path w="256032" h="196589">
+                    <a:path h="196589" w="256032">
                       <a:moveTo>
                         <a:pt x="46865" y="188345"/>
                       </a:moveTo>
@@ -5500,7 +5500,7 @@
                 <a:solidFill>
                   <a:srgbClr val="FFFFFF"/>
                 </a:solidFill>
-                <a:ln w="7600" cap="flat">
+                <a:ln cap="flat" w="7600">
                   <a:noFill/>
                   <a:bevel/>
                 </a:ln>
@@ -5514,7 +5514,7 @@
               </p:nvSpPr>
               <p:spPr>
                 <a:xfrm>
-                  <a:off x="2832778" y="3155581"/>
+                  <a:off x="2895554" y="2916179"/>
                   <a:ext cy="129051" cx="141770"/>
                 </a:xfrm>
                 <a:custGeom>
@@ -5523,7 +5523,7 @@
                   <a:ahLst/>
                   <a:cxnLst/>
                   <a:pathLst>
-                    <a:path w="141770" h="129051">
+                    <a:path h="129051" w="141770">
                       <a:moveTo>
                         <a:pt x="95062" y="0"/>
                       </a:moveTo>
@@ -5552,7 +5552,7 @@
                 <a:solidFill>
                   <a:srgbClr val="FFFFFF"/>
                 </a:solidFill>
-                <a:ln w="7600" cap="flat">
+                <a:ln cap="flat" w="7600">
                   <a:noFill/>
                   <a:bevel/>
                 </a:ln>
@@ -5561,13 +5561,13 @@
           </p:grpSp>
           <p:sp>
             <p:nvSpPr>
-              <p:cNvPr name="Text 310" id="310"/>
+              <p:cNvPr name="Text 359" id="359"/>
               <p:cNvSpPr txBox="1"/>
               <p:nvPr/>
             </p:nvSpPr>
             <p:spPr>
               <a:xfrm>
-                <a:off x="2660600" y="3601137"/>
+                <a:off x="2723376" y="3361735"/>
                 <a:ext cy="152000" cx="760000"/>
               </a:xfrm>
               <a:prstGeom prst="rect">
@@ -5576,7 +5576,7 @@
               <a:noFill/>
             </p:spPr>
             <p:txBody>
-              <a:bodyPr wrap="square" rtlCol="0" lIns="0" rIns="0" tIns="0" anchor="ctr" bIns="0"/>
+              <a:bodyPr anchor="ctr" rIns="0" bIns="0" lIns="0" wrap="square" rtlCol="0" tIns="0"/>
               <a:lstStyle/>
               <a:p>
                 <a:pPr algn="ctr">
@@ -5605,7 +5605,7 @@
           </p:nvSpPr>
           <p:spPr>
             <a:xfrm>
-              <a:off x="5217013" y="2928537"/>
+              <a:off x="5279788" y="2689135"/>
               <a:ext cy="402800" cx="1003200"/>
             </a:xfrm>
             <a:custGeom>
@@ -5644,9 +5644,9 @@
                   <a:pos x="connsiteX4" y="connsiteY4"/>
                 </a:cxn>
               </a:cxnLst>
-              <a:rect r="rtr" t="rtt" b="rtb" l="rtl"/>
+              <a:rect b="rtb" l="rtl" t="rtt" r="rtr"/>
               <a:pathLst>
-                <a:path w="1003200" h="402800">
+                <a:path h="402800" w="1003200">
                   <a:moveTo>
                     <a:pt x="72504" y="0"/>
                   </a:moveTo>
@@ -5695,16 +5695,16 @@
                   <a:srgbClr val="2DC0EC"/>
                 </a:gs>
               </a:gsLst>
-              <a:lin scaled="0" ang="5400000"/>
+              <a:lin ang="5400000" scaled="0"/>
             </a:gradFill>
-            <a:ln w="7600" cap="flat">
+            <a:ln cap="flat" w="7600">
               <a:solidFill>
                 <a:srgbClr val="2AB6E0"/>
               </a:solidFill>
               <a:bevel/>
             </a:ln>
             <a:effectLst>
-              <a:outerShdw blurRad="0" algn="tl" dir="2700000" dist="21496" rotWithShape="0">
+              <a:outerShdw dir="2700000" rotWithShape="0" dist="21496" blurRad="0" algn="tl">
                 <a:srgbClr val="000000">
                   <a:alpha val="20000"/>
                 </a:srgbClr>
@@ -5712,7 +5712,7 @@
             </a:effectLst>
           </p:spPr>
           <p:txBody>
-            <a:bodyPr wrap="square" rtlCol="0" lIns="36000" rIns="36000" tIns="0" anchor="ctr" bIns="0"/>
+            <a:bodyPr anchor="ctr" rIns="36000" bIns="0" lIns="36000" wrap="square" rtlCol="0" tIns="0"/>
             <a:lstStyle/>
             <a:p>
               <a:pPr algn="ctr">
@@ -5740,7 +5740,7 @@
           </p:nvSpPr>
           <p:spPr>
             <a:xfrm>
-              <a:off x="1718200" y="3129937"/>
+              <a:off x="1780976" y="2890535"/>
               <a:ext cy="0" cx="646000"/>
             </a:xfrm>
             <a:custGeom>
@@ -5749,7 +5749,7 @@
               <a:ahLst/>
               <a:cxnLst/>
               <a:pathLst>
-                <a:path fill="none" w="646000" h="0">
+                <a:path fill="none" h="0" w="646000">
                   <a:moveTo>
                     <a:pt x="0" y="0"/>
                   </a:moveTo>
@@ -5760,7 +5760,7 @@
               </a:pathLst>
             </a:custGeom>
             <a:noFill/>
-            <a:ln w="20267" cap="flat">
+            <a:ln cap="flat" w="20267">
               <a:solidFill>
                 <a:srgbClr val="236EA1"/>
               </a:solidFill>
@@ -5769,7 +5769,7 @@
                 <a:ds d="250000" sp="500000"/>
               </a:custDash>
               <a:bevel/>
-              <a:tailEnd w="med" type="triangle" len="med"/>
+              <a:tailEnd type="triangle" w="med" len="med"/>
             </a:ln>
           </p:spPr>
         </p:sp>
@@ -5777,19 +5777,19 @@
           <p:nvCxnSpPr>
             <p:cNvPr name="Line" id="189"/>
             <p:cNvCxnSpPr>
-              <a:endCxn idx="2" id="152"/>
+              <a:endCxn id="152" idx="2"/>
             </p:cNvCxnSpPr>
             <p:nvPr/>
           </p:nvCxnSpPr>
           <p:spPr>
             <a:xfrm rot="5400000">
-              <a:off x="5583713" y="2793637"/>
+              <a:off x="5646488" y="2554235"/>
               <a:ext cy="0" cx="269800"/>
             </a:xfrm>
             <a:prstGeom prst="line">
               <a:avLst/>
             </a:prstGeom>
-            <a:ln w="7600" cap="flat">
+            <a:ln cap="flat" w="15200">
               <a:solidFill>
                 <a:srgbClr val="5C5C5C"/>
               </a:solidFill>
@@ -5804,19 +5804,19 @@
           <p:nvCxnSpPr>
             <p:cNvPr name="Line" id="190"/>
             <p:cNvCxnSpPr>
-              <a:stCxn idx="3" id="152"/>
+              <a:stCxn id="152" idx="3"/>
             </p:cNvCxnSpPr>
             <p:nvPr/>
           </p:nvCxnSpPr>
           <p:spPr>
             <a:xfrm>
-              <a:off x="6220213" y="3129937"/>
-              <a:ext cy="0" cx="968013"/>
+              <a:off x="6282988" y="2890535"/>
+              <a:ext cy="0" cx="968012"/>
             </a:xfrm>
             <a:prstGeom prst="line">
               <a:avLst/>
             </a:prstGeom>
-            <a:ln w="7600" cap="flat">
+            <a:ln cap="flat" w="15200">
               <a:solidFill>
                 <a:srgbClr val="5C5C5C"/>
               </a:solidFill>
@@ -5835,9 +5835,9 @@
           </p:nvGrpSpPr>
           <p:grpSpPr>
             <a:xfrm>
-              <a:off x="5543813" y="5123411"/>
+              <a:off x="5606588" y="4884007"/>
               <a:ext cy="364800" cx="349600"/>
-              <a:chOff x="5543813" y="5123411"/>
+              <a:chOff x="5606588" y="4884007"/>
               <a:chExt cy="364800" cx="349600"/>
             </a:xfrm>
           </p:grpSpPr>
@@ -5849,9 +5849,9 @@
             </p:nvGrpSpPr>
             <p:grpSpPr>
               <a:xfrm>
-                <a:off x="5543575" y="5123410"/>
+                <a:off x="5606351" y="4884006"/>
                 <a:ext cy="74087" cx="53680"/>
-                <a:chOff x="5543575" y="5123410"/>
+                <a:chOff x="5606351" y="4884006"/>
                 <a:chExt cy="74087" cx="53680"/>
               </a:xfrm>
             </p:grpSpPr>
@@ -5863,7 +5863,7 @@
               </p:nvSpPr>
               <p:spPr>
                 <a:xfrm>
-                  <a:off x="5543813" y="5151095"/>
+                  <a:off x="5606588" y="4911691"/>
                   <a:ext cy="46131" cx="53205"/>
                 </a:xfrm>
                 <a:custGeom>
@@ -5872,7 +5872,7 @@
                   <a:ahLst/>
                   <a:cxnLst/>
                   <a:pathLst>
-                    <a:path w="53205" h="46131">
+                    <a:path h="46131" w="53205">
                       <a:moveTo>
                         <a:pt x="0" y="0"/>
                       </a:moveTo>
@@ -5895,7 +5895,7 @@
                 <a:solidFill>
                   <a:srgbClr val="1B4A78"/>
                 </a:solidFill>
-                <a:ln w="2500" cap="flat">
+                <a:ln cap="flat" w="2500">
                   <a:solidFill>
                     <a:srgbClr val="1B4A78"/>
                   </a:solidFill>
@@ -5911,7 +5911,7 @@
               </p:nvSpPr>
               <p:spPr>
                 <a:xfrm>
-                  <a:off x="5543813" y="5123411"/>
+                  <a:off x="5606588" y="4884008"/>
                   <a:ext cy="59311" cx="53205"/>
                 </a:xfrm>
                 <a:custGeom>
@@ -5920,7 +5920,7 @@
                   <a:ahLst/>
                   <a:cxnLst/>
                   <a:pathLst>
-                    <a:path w="53205" h="59311">
+                    <a:path h="59311" w="53205">
                       <a:moveTo>
                         <a:pt x="0" y="0"/>
                       </a:moveTo>
@@ -5943,7 +5943,7 @@
                 <a:solidFill>
                   <a:srgbClr val="2E73B7"/>
                 </a:solidFill>
-                <a:ln w="2500" cap="flat">
+                <a:ln cap="flat" w="2500">
                   <a:solidFill>
                     <a:srgbClr val="2E73B7"/>
                   </a:solidFill>
@@ -5960,9 +5960,9 @@
             </p:nvGrpSpPr>
             <p:grpSpPr>
               <a:xfrm>
-                <a:off x="5619636" y="5123410"/>
+                <a:off x="5682412" y="4884006"/>
                 <a:ext cy="74087" cx="53680"/>
-                <a:chOff x="5619636" y="5123410"/>
+                <a:chOff x="5682412" y="4884006"/>
                 <a:chExt cy="74087" cx="53680"/>
               </a:xfrm>
             </p:grpSpPr>
@@ -5974,7 +5974,7 @@
               </p:nvSpPr>
               <p:spPr>
                 <a:xfrm>
-                  <a:off x="5619874" y="5151095"/>
+                  <a:off x="5682649" y="4911691"/>
                   <a:ext cy="46131" cx="53205"/>
                 </a:xfrm>
                 <a:custGeom>
@@ -5983,7 +5983,7 @@
                   <a:ahLst/>
                   <a:cxnLst/>
                   <a:pathLst>
-                    <a:path w="53205" h="46131">
+                    <a:path h="46131" w="53205">
                       <a:moveTo>
                         <a:pt x="0" y="0"/>
                       </a:moveTo>
@@ -6006,7 +6006,7 @@
                 <a:solidFill>
                   <a:srgbClr val="1B4A78"/>
                 </a:solidFill>
-                <a:ln w="2500" cap="flat">
+                <a:ln cap="flat" w="2500">
                   <a:solidFill>
                     <a:srgbClr val="1B4A78"/>
                   </a:solidFill>
@@ -6022,7 +6022,7 @@
               </p:nvSpPr>
               <p:spPr>
                 <a:xfrm>
-                  <a:off x="5619874" y="5123411"/>
+                  <a:off x="5682649" y="4884008"/>
                   <a:ext cy="59311" cx="53205"/>
                 </a:xfrm>
                 <a:custGeom>
@@ -6031,7 +6031,7 @@
                   <a:ahLst/>
                   <a:cxnLst/>
                   <a:pathLst>
-                    <a:path w="53205" h="59311">
+                    <a:path h="59311" w="53205">
                       <a:moveTo>
                         <a:pt x="0" y="0"/>
                       </a:moveTo>
@@ -6054,7 +6054,7 @@
                 <a:solidFill>
                   <a:srgbClr val="2E73B7"/>
                 </a:solidFill>
-                <a:ln w="2500" cap="flat">
+                <a:ln cap="flat" w="2500">
                   <a:solidFill>
                     <a:srgbClr val="2E73B7"/>
                   </a:solidFill>
@@ -6071,10 +6071,10 @@
             </p:nvGrpSpPr>
             <p:grpSpPr>
               <a:xfrm>
-                <a:off x="5696555" y="5123548"/>
-                <a:ext cy="73810" cx="196858"/>
-                <a:chOff x="5696555" y="5123548"/>
-                <a:chExt cy="73810" cx="196858"/>
+                <a:off x="5759330" y="4884145"/>
+                <a:ext cy="73810" cx="196857"/>
+                <a:chOff x="5759330" y="4884145"/>
+                <a:chExt cy="73810" cx="196857"/>
               </a:xfrm>
             </p:grpSpPr>
             <p:sp>
@@ -6085,7 +6085,7 @@
               </p:nvSpPr>
               <p:spPr>
                 <a:xfrm>
-                  <a:off x="5697426" y="5151130"/>
+                  <a:off x="5760201" y="4911726"/>
                   <a:ext cy="45959" cx="195116"/>
                 </a:xfrm>
                 <a:custGeom>
@@ -6094,7 +6094,7 @@
                   <a:ahLst/>
                   <a:cxnLst/>
                   <a:pathLst>
-                    <a:path w="195116" h="45959">
+                    <a:path h="45959" w="195116">
                       <a:moveTo>
                         <a:pt x="0" y="0"/>
                       </a:moveTo>
@@ -6117,7 +6117,7 @@
                 <a:solidFill>
                   <a:srgbClr val="1B4A78"/>
                 </a:solidFill>
-                <a:ln w="2500" cap="flat">
+                <a:ln cap="flat" w="2500">
                   <a:solidFill>
                     <a:srgbClr val="1B4A78"/>
                   </a:solidFill>
@@ -6133,7 +6133,7 @@
               </p:nvSpPr>
               <p:spPr>
                 <a:xfrm>
-                  <a:off x="5697426" y="5123550"/>
+                  <a:off x="5760201" y="4884146"/>
                   <a:ext cy="59090" cx="195116"/>
                 </a:xfrm>
                 <a:custGeom>
@@ -6142,7 +6142,7 @@
                   <a:ahLst/>
                   <a:cxnLst/>
                   <a:pathLst>
-                    <a:path w="195116" h="59090">
+                    <a:path h="59090" w="195116">
                       <a:moveTo>
                         <a:pt x="0" y="0"/>
                       </a:moveTo>
@@ -6165,7 +6165,7 @@
                 <a:solidFill>
                   <a:srgbClr val="2E73B7"/>
                 </a:solidFill>
-                <a:ln w="2500" cap="flat">
+                <a:ln cap="flat" w="2500">
                   <a:solidFill>
                     <a:srgbClr val="2E73B7"/>
                   </a:solidFill>
@@ -6182,9 +6182,9 @@
             </p:nvGrpSpPr>
             <p:grpSpPr>
               <a:xfrm>
-                <a:off x="5543813" y="5216982"/>
+                <a:off x="5606588" y="4977578"/>
                 <a:ext cy="84354" cx="53205"/>
-                <a:chOff x="5543813" y="5216982"/>
+                <a:chOff x="5606588" y="4977578"/>
                 <a:chExt cy="84354" cx="53205"/>
               </a:xfrm>
             </p:grpSpPr>
@@ -6196,7 +6196,7 @@
               </p:nvSpPr>
               <p:spPr>
                 <a:xfrm>
-                  <a:off x="5543813" y="5255226"/>
+                  <a:off x="5606588" y="5015823"/>
                   <a:ext cy="46109" cx="53205"/>
                 </a:xfrm>
                 <a:custGeom>
@@ -6205,7 +6205,7 @@
                   <a:ahLst/>
                   <a:cxnLst/>
                   <a:pathLst>
-                    <a:path w="53205" h="46109">
+                    <a:path h="46109" w="53205">
                       <a:moveTo>
                         <a:pt x="0" y="0"/>
                       </a:moveTo>
@@ -6228,7 +6228,7 @@
                 <a:solidFill>
                   <a:srgbClr val="1B4A78"/>
                 </a:solidFill>
-                <a:ln w="2500" cap="flat">
+                <a:ln cap="flat" w="2500">
                   <a:solidFill>
                     <a:srgbClr val="1B4A78"/>
                   </a:solidFill>
@@ -6244,7 +6244,7 @@
               </p:nvSpPr>
               <p:spPr>
                 <a:xfrm>
-                  <a:off x="5543813" y="5216999"/>
+                  <a:off x="5606588" y="4977596"/>
                   <a:ext cy="69822" cx="53205"/>
                 </a:xfrm>
                 <a:custGeom>
@@ -6253,7 +6253,7 @@
                   <a:ahLst/>
                   <a:cxnLst/>
                   <a:pathLst>
-                    <a:path w="53205" h="69822">
+                    <a:path h="69822" w="53205">
                       <a:moveTo>
                         <a:pt x="0" y="0"/>
                       </a:moveTo>
@@ -6276,7 +6276,7 @@
                 <a:solidFill>
                   <a:srgbClr val="2E73B7"/>
                 </a:solidFill>
-                <a:ln w="2500" cap="flat">
+                <a:ln cap="flat" w="2500">
                   <a:solidFill>
                     <a:srgbClr val="2E73B7"/>
                   </a:solidFill>
@@ -6293,9 +6293,9 @@
             </p:nvGrpSpPr>
             <p:grpSpPr>
               <a:xfrm>
-                <a:off x="5543575" y="5320822"/>
+                <a:off x="5606350" y="5081418"/>
                 <a:ext cy="74087" cx="53680"/>
-                <a:chOff x="5543575" y="5320822"/>
+                <a:chOff x="5606350" y="5081418"/>
                 <a:chExt cy="74087" cx="53680"/>
               </a:xfrm>
             </p:grpSpPr>
@@ -6307,7 +6307,7 @@
               </p:nvSpPr>
               <p:spPr>
                 <a:xfrm>
-                  <a:off x="5543813" y="5348507"/>
+                  <a:off x="5606588" y="5109104"/>
                   <a:ext cy="46131" cx="53205"/>
                 </a:xfrm>
                 <a:custGeom>
@@ -6316,7 +6316,7 @@
                   <a:ahLst/>
                   <a:cxnLst/>
                   <a:pathLst>
-                    <a:path w="53205" h="46131">
+                    <a:path h="46131" w="53205">
                       <a:moveTo>
                         <a:pt x="0" y="0"/>
                       </a:moveTo>
@@ -6339,7 +6339,7 @@
                 <a:solidFill>
                   <a:srgbClr val="1B4A78"/>
                 </a:solidFill>
-                <a:ln w="2500" cap="flat">
+                <a:ln cap="flat" w="2500">
                   <a:solidFill>
                     <a:srgbClr val="1B4A78"/>
                   </a:solidFill>
@@ -6355,7 +6355,7 @@
               </p:nvSpPr>
               <p:spPr>
                 <a:xfrm>
-                  <a:off x="5543813" y="5320823"/>
+                  <a:off x="5606588" y="5081420"/>
                   <a:ext cy="59311" cx="53205"/>
                 </a:xfrm>
                 <a:custGeom>
@@ -6364,7 +6364,7 @@
                   <a:ahLst/>
                   <a:cxnLst/>
                   <a:pathLst>
-                    <a:path w="53205" h="59311">
+                    <a:path h="59311" w="53205">
                       <a:moveTo>
                         <a:pt x="0" y="0"/>
                       </a:moveTo>
@@ -6387,7 +6387,7 @@
                 <a:solidFill>
                   <a:srgbClr val="2E73B7"/>
                 </a:solidFill>
-                <a:ln w="2500" cap="flat">
+                <a:ln cap="flat" w="2500">
                   <a:solidFill>
                     <a:srgbClr val="2E73B7"/>
                   </a:solidFill>
@@ -6404,9 +6404,9 @@
             </p:nvGrpSpPr>
             <p:grpSpPr>
               <a:xfrm>
-                <a:off x="5619636" y="5320822"/>
+                <a:off x="5682412" y="5081418"/>
                 <a:ext cy="74087" cx="53680"/>
-                <a:chOff x="5619636" y="5320822"/>
+                <a:chOff x="5682412" y="5081418"/>
                 <a:chExt cy="74087" cx="53680"/>
               </a:xfrm>
             </p:grpSpPr>
@@ -6418,7 +6418,7 @@
               </p:nvSpPr>
               <p:spPr>
                 <a:xfrm>
-                  <a:off x="5619874" y="5348507"/>
+                  <a:off x="5682649" y="5109104"/>
                   <a:ext cy="46131" cx="53205"/>
                 </a:xfrm>
                 <a:custGeom>
@@ -6427,7 +6427,7 @@
                   <a:ahLst/>
                   <a:cxnLst/>
                   <a:pathLst>
-                    <a:path w="53205" h="46131">
+                    <a:path h="46131" w="53205">
                       <a:moveTo>
                         <a:pt x="0" y="0"/>
                       </a:moveTo>
@@ -6450,7 +6450,7 @@
                 <a:solidFill>
                   <a:srgbClr val="1B4A78"/>
                 </a:solidFill>
-                <a:ln w="2500" cap="flat">
+                <a:ln cap="flat" w="2500">
                   <a:solidFill>
                     <a:srgbClr val="1B4A78"/>
                   </a:solidFill>
@@ -6466,7 +6466,7 @@
               </p:nvSpPr>
               <p:spPr>
                 <a:xfrm>
-                  <a:off x="5619874" y="5320823"/>
+                  <a:off x="5682649" y="5081420"/>
                   <a:ext cy="59311" cx="53205"/>
                 </a:xfrm>
                 <a:custGeom>
@@ -6475,7 +6475,7 @@
                   <a:ahLst/>
                   <a:cxnLst/>
                   <a:pathLst>
-                    <a:path w="53205" h="59311">
+                    <a:path h="59311" w="53205">
                       <a:moveTo>
                         <a:pt x="0" y="0"/>
                       </a:moveTo>
@@ -6498,7 +6498,7 @@
                 <a:solidFill>
                   <a:srgbClr val="2E73B7"/>
                 </a:solidFill>
-                <a:ln w="2500" cap="flat">
+                <a:ln cap="flat" w="2500">
                   <a:solidFill>
                     <a:srgbClr val="2E73B7"/>
                   </a:solidFill>
@@ -6515,10 +6515,10 @@
             </p:nvGrpSpPr>
             <p:grpSpPr>
               <a:xfrm>
-                <a:off x="5696555" y="5321048"/>
-                <a:ext cy="73815" cx="196858"/>
-                <a:chOff x="5696555" y="5321048"/>
-                <a:chExt cy="73815" cx="196858"/>
+                <a:off x="5759330" y="5081644"/>
+                <a:ext cy="73815" cx="196857"/>
+                <a:chOff x="5759330" y="5081644"/>
+                <a:chExt cy="73815" cx="196857"/>
               </a:xfrm>
             </p:grpSpPr>
             <p:sp>
@@ -6529,7 +6529,7 @@
               </p:nvSpPr>
               <p:spPr>
                 <a:xfrm>
-                  <a:off x="5697426" y="5348632"/>
+                  <a:off x="5760201" y="5109228"/>
                   <a:ext cy="45962" cx="195116"/>
                 </a:xfrm>
                 <a:custGeom>
@@ -6538,7 +6538,7 @@
                   <a:ahLst/>
                   <a:cxnLst/>
                   <a:pathLst>
-                    <a:path w="195116" h="45962">
+                    <a:path h="45962" w="195116">
                       <a:moveTo>
                         <a:pt x="0" y="0"/>
                       </a:moveTo>
@@ -6561,7 +6561,7 @@
                 <a:solidFill>
                   <a:srgbClr val="1B4A78"/>
                 </a:solidFill>
-                <a:ln w="2500" cap="flat">
+                <a:ln cap="flat" w="2500">
                   <a:solidFill>
                     <a:srgbClr val="1B4A78"/>
                   </a:solidFill>
@@ -6577,7 +6577,7 @@
               </p:nvSpPr>
               <p:spPr>
                 <a:xfrm>
-                  <a:off x="5697426" y="5321050"/>
+                  <a:off x="5760201" y="5081646"/>
                   <a:ext cy="59094" cx="195116"/>
                 </a:xfrm>
                 <a:custGeom>
@@ -6586,7 +6586,7 @@
                   <a:ahLst/>
                   <a:cxnLst/>
                   <a:pathLst>
-                    <a:path w="195116" h="59094">
+                    <a:path h="59094" w="195116">
                       <a:moveTo>
                         <a:pt x="0" y="0"/>
                       </a:moveTo>
@@ -6609,7 +6609,7 @@
                 <a:solidFill>
                   <a:srgbClr val="2E73B7"/>
                 </a:solidFill>
-                <a:ln w="2500" cap="flat">
+                <a:ln cap="flat" w="2500">
                   <a:solidFill>
                     <a:srgbClr val="2E73B7"/>
                   </a:solidFill>
@@ -6626,9 +6626,9 @@
             </p:nvGrpSpPr>
             <p:grpSpPr>
               <a:xfrm>
-                <a:off x="5543575" y="5414394"/>
+                <a:off x="5606350" y="5174991"/>
                 <a:ext cy="74087" cx="53680"/>
-                <a:chOff x="5543575" y="5414394"/>
+                <a:chOff x="5606350" y="5174991"/>
                 <a:chExt cy="74087" cx="53680"/>
               </a:xfrm>
             </p:grpSpPr>
@@ -6640,7 +6640,7 @@
               </p:nvSpPr>
               <p:spPr>
                 <a:xfrm>
-                  <a:off x="5543813" y="5442080"/>
+                  <a:off x="5606588" y="5202677"/>
                   <a:ext cy="46131" cx="53205"/>
                 </a:xfrm>
                 <a:custGeom>
@@ -6649,7 +6649,7 @@
                   <a:ahLst/>
                   <a:cxnLst/>
                   <a:pathLst>
-                    <a:path w="53205" h="46131">
+                    <a:path h="46131" w="53205">
                       <a:moveTo>
                         <a:pt x="0" y="0"/>
                       </a:moveTo>
@@ -6672,7 +6672,7 @@
                 <a:solidFill>
                   <a:srgbClr val="1B4A78"/>
                 </a:solidFill>
-                <a:ln w="2500" cap="flat">
+                <a:ln cap="flat" w="2500">
                   <a:solidFill>
                     <a:srgbClr val="1B4A78"/>
                   </a:solidFill>
@@ -6688,7 +6688,7 @@
               </p:nvSpPr>
               <p:spPr>
                 <a:xfrm>
-                  <a:off x="5543813" y="5414396"/>
+                  <a:off x="5606588" y="5174993"/>
                   <a:ext cy="59311" cx="53205"/>
                 </a:xfrm>
                 <a:custGeom>
@@ -6697,7 +6697,7 @@
                   <a:ahLst/>
                   <a:cxnLst/>
                   <a:pathLst>
-                    <a:path w="53205" h="59311">
+                    <a:path h="59311" w="53205">
                       <a:moveTo>
                         <a:pt x="0" y="0"/>
                       </a:moveTo>
@@ -6720,7 +6720,7 @@
                 <a:solidFill>
                   <a:srgbClr val="2E73B7"/>
                 </a:solidFill>
-                <a:ln w="2500" cap="flat">
+                <a:ln cap="flat" w="2500">
                   <a:solidFill>
                     <a:srgbClr val="2E73B7"/>
                   </a:solidFill>
@@ -6737,9 +6737,9 @@
             </p:nvGrpSpPr>
             <p:grpSpPr>
               <a:xfrm>
-                <a:off x="5619636" y="5414394"/>
+                <a:off x="5682412" y="5174991"/>
                 <a:ext cy="74087" cx="53680"/>
-                <a:chOff x="5619636" y="5414394"/>
+                <a:chOff x="5682412" y="5174991"/>
                 <a:chExt cy="74087" cx="53680"/>
               </a:xfrm>
             </p:grpSpPr>
@@ -6751,7 +6751,7 @@
               </p:nvSpPr>
               <p:spPr>
                 <a:xfrm>
-                  <a:off x="5619874" y="5442080"/>
+                  <a:off x="5682649" y="5202677"/>
                   <a:ext cy="46131" cx="53205"/>
                 </a:xfrm>
                 <a:custGeom>
@@ -6760,7 +6760,7 @@
                   <a:ahLst/>
                   <a:cxnLst/>
                   <a:pathLst>
-                    <a:path w="53205" h="46131">
+                    <a:path h="46131" w="53205">
                       <a:moveTo>
                         <a:pt x="0" y="0"/>
                       </a:moveTo>
@@ -6783,7 +6783,7 @@
                 <a:solidFill>
                   <a:srgbClr val="1B4A78"/>
                 </a:solidFill>
-                <a:ln w="2500" cap="flat">
+                <a:ln cap="flat" w="2500">
                   <a:solidFill>
                     <a:srgbClr val="1B4A78"/>
                   </a:solidFill>
@@ -6799,7 +6799,7 @@
               </p:nvSpPr>
               <p:spPr>
                 <a:xfrm>
-                  <a:off x="5619874" y="5414396"/>
+                  <a:off x="5682649" y="5174993"/>
                   <a:ext cy="59311" cx="53205"/>
                 </a:xfrm>
                 <a:custGeom>
@@ -6808,7 +6808,7 @@
                   <a:ahLst/>
                   <a:cxnLst/>
                   <a:pathLst>
-                    <a:path w="53205" h="59311">
+                    <a:path h="59311" w="53205">
                       <a:moveTo>
                         <a:pt x="0" y="0"/>
                       </a:moveTo>
@@ -6831,7 +6831,7 @@
                 <a:solidFill>
                   <a:srgbClr val="2E73B7"/>
                 </a:solidFill>
-                <a:ln w="2500" cap="flat">
+                <a:ln cap="flat" w="2500">
                   <a:solidFill>
                     <a:srgbClr val="2E73B7"/>
                   </a:solidFill>
@@ -6848,10 +6848,10 @@
             </p:nvGrpSpPr>
             <p:grpSpPr>
               <a:xfrm>
-                <a:off x="5696555" y="5414531"/>
-                <a:ext cy="73815" cx="196858"/>
-                <a:chOff x="5696555" y="5414531"/>
-                <a:chExt cy="73815" cx="196858"/>
+                <a:off x="5759330" y="5175127"/>
+                <a:ext cy="73815" cx="196857"/>
+                <a:chOff x="5759330" y="5175127"/>
+                <a:chExt cy="73815" cx="196857"/>
               </a:xfrm>
             </p:grpSpPr>
             <p:sp>
@@ -6862,7 +6862,7 @@
               </p:nvSpPr>
               <p:spPr>
                 <a:xfrm>
-                  <a:off x="5697426" y="5442114"/>
+                  <a:off x="5760201" y="5202711"/>
                   <a:ext cy="45962" cx="195116"/>
                 </a:xfrm>
                 <a:custGeom>
@@ -6871,7 +6871,7 @@
                   <a:ahLst/>
                   <a:cxnLst/>
                   <a:pathLst>
-                    <a:path w="195116" h="45962">
+                    <a:path h="45962" w="195116">
                       <a:moveTo>
                         <a:pt x="0" y="0"/>
                       </a:moveTo>
@@ -6894,7 +6894,7 @@
                 <a:solidFill>
                   <a:srgbClr val="1B4A78"/>
                 </a:solidFill>
-                <a:ln w="2500" cap="flat">
+                <a:ln cap="flat" w="2500">
                   <a:solidFill>
                     <a:srgbClr val="1B4A78"/>
                   </a:solidFill>
@@ -6910,7 +6910,7 @@
               </p:nvSpPr>
               <p:spPr>
                 <a:xfrm>
-                  <a:off x="5697426" y="5414532"/>
+                  <a:off x="5760201" y="5175129"/>
                   <a:ext cy="59094" cx="195116"/>
                 </a:xfrm>
                 <a:custGeom>
@@ -6919,7 +6919,7 @@
                   <a:ahLst/>
                   <a:cxnLst/>
                   <a:pathLst>
-                    <a:path w="195116" h="59094">
+                    <a:path h="59094" w="195116">
                       <a:moveTo>
                         <a:pt x="0" y="0"/>
                       </a:moveTo>
@@ -6942,7 +6942,7 @@
                 <a:solidFill>
                   <a:srgbClr val="2E73B7"/>
                 </a:solidFill>
-                <a:ln w="2500" cap="flat">
+                <a:ln cap="flat" w="2500">
                   <a:solidFill>
                     <a:srgbClr val="2E73B7"/>
                   </a:solidFill>
@@ -6959,9 +6959,9 @@
             </p:nvGrpSpPr>
             <p:grpSpPr>
               <a:xfrm>
-                <a:off x="5619874" y="5216982"/>
+                <a:off x="5682650" y="4977578"/>
                 <a:ext cy="84354" cx="53205"/>
-                <a:chOff x="5619874" y="5216982"/>
+                <a:chOff x="5682650" y="4977578"/>
                 <a:chExt cy="84354" cx="53205"/>
               </a:xfrm>
             </p:grpSpPr>
@@ -6973,7 +6973,7 @@
               </p:nvSpPr>
               <p:spPr>
                 <a:xfrm>
-                  <a:off x="5619874" y="5255226"/>
+                  <a:off x="5682650" y="5015823"/>
                   <a:ext cy="46109" cx="53205"/>
                 </a:xfrm>
                 <a:custGeom>
@@ -6982,7 +6982,7 @@
                   <a:ahLst/>
                   <a:cxnLst/>
                   <a:pathLst>
-                    <a:path w="53205" h="46109">
+                    <a:path h="46109" w="53205">
                       <a:moveTo>
                         <a:pt x="0" y="0"/>
                       </a:moveTo>
@@ -7005,7 +7005,7 @@
                 <a:solidFill>
                   <a:srgbClr val="1B4A78"/>
                 </a:solidFill>
-                <a:ln w="2500" cap="flat">
+                <a:ln cap="flat" w="2500">
                   <a:solidFill>
                     <a:srgbClr val="1B4A78"/>
                   </a:solidFill>
@@ -7021,7 +7021,7 @@
               </p:nvSpPr>
               <p:spPr>
                 <a:xfrm>
-                  <a:off x="5619874" y="5216999"/>
+                  <a:off x="5682650" y="4977596"/>
                   <a:ext cy="69822" cx="53205"/>
                 </a:xfrm>
                 <a:custGeom>
@@ -7030,7 +7030,7 @@
                   <a:ahLst/>
                   <a:cxnLst/>
                   <a:pathLst>
-                    <a:path w="53205" h="69822">
+                    <a:path h="69822" w="53205">
                       <a:moveTo>
                         <a:pt x="0" y="0"/>
                       </a:moveTo>
@@ -7053,7 +7053,7 @@
                 <a:solidFill>
                   <a:srgbClr val="2E73B7"/>
                 </a:solidFill>
-                <a:ln w="2500" cap="flat">
+                <a:ln cap="flat" w="2500">
                   <a:solidFill>
                     <a:srgbClr val="2E73B7"/>
                   </a:solidFill>
@@ -7070,10 +7070,10 @@
             </p:nvGrpSpPr>
             <p:grpSpPr>
               <a:xfrm>
-                <a:off x="5696555" y="5218328"/>
-                <a:ext cy="84354" cx="196858"/>
-                <a:chOff x="5696555" y="5218328"/>
-                <a:chExt cy="84354" cx="196858"/>
+                <a:off x="5759330" y="4978924"/>
+                <a:ext cy="84354" cx="196857"/>
+                <a:chOff x="5759330" y="4978924"/>
+                <a:chExt cy="84354" cx="196857"/>
               </a:xfrm>
             </p:grpSpPr>
             <p:sp>
@@ -7084,8 +7084,8 @@
               </p:nvSpPr>
               <p:spPr>
                 <a:xfrm>
-                  <a:off x="5696555" y="5256573"/>
-                  <a:ext cy="46109" cx="196858"/>
+                  <a:off x="5759330" y="5017169"/>
+                  <a:ext cy="46109" cx="196857"/>
                 </a:xfrm>
                 <a:custGeom>
                   <a:avLst/>
@@ -7093,15 +7093,15 @@
                   <a:ahLst/>
                   <a:cxnLst/>
                   <a:pathLst>
-                    <a:path w="196858" h="46109">
+                    <a:path h="46109" w="196857">
                       <a:moveTo>
                         <a:pt x="0" y="0"/>
                       </a:moveTo>
                       <a:lnTo>
-                        <a:pt x="196858" y="0"/>
-                      </a:lnTo>
-                      <a:lnTo>
-                        <a:pt x="196858" y="46109"/>
+                        <a:pt x="196857" y="0"/>
+                      </a:lnTo>
+                      <a:lnTo>
+                        <a:pt x="196857" y="46109"/>
                       </a:lnTo>
                       <a:lnTo>
                         <a:pt x="0" y="46109"/>
@@ -7116,7 +7116,7 @@
                 <a:solidFill>
                   <a:srgbClr val="1B4A78"/>
                 </a:solidFill>
-                <a:ln w="2500" cap="flat">
+                <a:ln cap="flat" w="2500">
                   <a:solidFill>
                     <a:srgbClr val="1B4A78"/>
                   </a:solidFill>
@@ -7132,8 +7132,8 @@
               </p:nvSpPr>
               <p:spPr>
                 <a:xfrm>
-                  <a:off x="5696555" y="5218345"/>
-                  <a:ext cy="69822" cx="196858"/>
+                  <a:off x="5759330" y="4978942"/>
+                  <a:ext cy="69822" cx="196857"/>
                 </a:xfrm>
                 <a:custGeom>
                   <a:avLst/>
@@ -7141,15 +7141,15 @@
                   <a:ahLst/>
                   <a:cxnLst/>
                   <a:pathLst>
-                    <a:path w="196858" h="69822">
+                    <a:path h="69822" w="196857">
                       <a:moveTo>
                         <a:pt x="0" y="0"/>
                       </a:moveTo>
                       <a:lnTo>
-                        <a:pt x="196858" y="0"/>
-                      </a:lnTo>
-                      <a:lnTo>
-                        <a:pt x="196858" y="69822"/>
+                        <a:pt x="196857" y="0"/>
+                      </a:lnTo>
+                      <a:lnTo>
+                        <a:pt x="196857" y="69822"/>
                       </a:lnTo>
                       <a:lnTo>
                         <a:pt x="0" y="69822"/>
@@ -7164,7 +7164,7 @@
                 <a:solidFill>
                   <a:srgbClr val="2E73B7"/>
                 </a:solidFill>
-                <a:ln w="2500" cap="flat">
+                <a:ln cap="flat" w="2500">
                   <a:solidFill>
                     <a:srgbClr val="2E73B7"/>
                   </a:solidFill>
@@ -7175,13 +7175,13 @@
           </p:grpSp>
           <p:sp>
             <p:nvSpPr>
-              <p:cNvPr name="Text 311" id="311"/>
+              <p:cNvPr name="Text 360" id="360"/>
               <p:cNvSpPr txBox="1"/>
               <p:nvPr/>
             </p:nvSpPr>
             <p:spPr>
               <a:xfrm>
-                <a:off x="5359557" y="5507600"/>
+                <a:off x="5422333" y="5268196"/>
                 <a:ext cy="143622" cx="718110"/>
               </a:xfrm>
               <a:prstGeom prst="rect">
@@ -7190,7 +7190,7 @@
               <a:noFill/>
             </p:spPr>
             <p:txBody>
-              <a:bodyPr wrap="square" rtlCol="0" lIns="0" rIns="0" tIns="0" anchor="ctr" bIns="0"/>
+              <a:bodyPr anchor="ctr" rIns="0" bIns="0" lIns="0" wrap="square" rtlCol="0" tIns="0"/>
               <a:lstStyle/>
               <a:p>
                 <a:pPr algn="ctr">
@@ -7219,9 +7219,9 @@
           </p:nvGrpSpPr>
           <p:grpSpPr>
             <a:xfrm>
-              <a:off x="4214650" y="1860737"/>
+              <a:off x="4277424" y="1621335"/>
               <a:ext cy="364800" cx="349600"/>
-              <a:chOff x="4214650" y="1860737"/>
+              <a:chOff x="4277424" y="1621335"/>
               <a:chExt cy="364800" cx="349600"/>
             </a:xfrm>
           </p:grpSpPr>
@@ -7233,9 +7233,9 @@
             </p:nvGrpSpPr>
             <p:grpSpPr>
               <a:xfrm>
-                <a:off x="4422746" y="2038577"/>
+                <a:off x="4485519" y="1799175"/>
                 <a:ext cy="186960" cx="141505"/>
-                <a:chOff x="4422746" y="2038577"/>
+                <a:chOff x="4485519" y="1799175"/>
                 <a:chExt cy="186960" cx="141505"/>
               </a:xfrm>
             </p:grpSpPr>
@@ -7247,7 +7247,7 @@
               </p:nvSpPr>
               <p:spPr>
                 <a:xfrm>
-                  <a:off x="4422746" y="2055313"/>
+                  <a:off x="4485519" y="1815911"/>
                   <a:ext cy="24100" cx="141505"/>
                 </a:xfrm>
                 <a:custGeom>
@@ -7256,7 +7256,7 @@
                   <a:ahLst/>
                   <a:cxnLst/>
                   <a:pathLst>
-                    <a:path w="141505" h="24100">
+                    <a:path h="24100" w="141505">
                       <a:moveTo>
                         <a:pt x="0" y="8391"/>
                       </a:moveTo>
@@ -7275,7 +7275,7 @@
                       </a:cubicBezTo>
                       <a:cubicBezTo>
                         <a:pt x="141505" y="14997"/>
-                        <a:pt x="109737" y="24066"/>
+                        <a:pt x="109736" y="24066"/>
                         <a:pt x="70752" y="24066"/>
                       </a:cubicBezTo>
                       <a:cubicBezTo>
@@ -7290,7 +7290,7 @@
                 <a:solidFill>
                   <a:srgbClr val="1B4A78"/>
                 </a:solidFill>
-                <a:ln w="2500" cap="flat">
+                <a:ln cap="flat" w="2500">
                   <a:solidFill>
                     <a:srgbClr val="1B4977"/>
                   </a:solidFill>
@@ -7306,7 +7306,7 @@
               </p:nvSpPr>
               <p:spPr>
                 <a:xfrm>
-                  <a:off x="4422746" y="2194040"/>
+                  <a:off x="4485519" y="1954639"/>
                   <a:ext cy="31497" cx="141505"/>
                 </a:xfrm>
                 <a:custGeom>
@@ -7315,22 +7315,22 @@
                   <a:ahLst/>
                   <a:cxnLst/>
                   <a:pathLst>
-                    <a:path w="141505" h="31497">
+                    <a:path h="31497" w="141505">
                       <a:moveTo>
                         <a:pt x="0" y="1991"/>
                       </a:moveTo>
                       <a:lnTo>
-                        <a:pt x="0" y="13900"/>
+                        <a:pt x="0" y="13899"/>
                       </a:lnTo>
                       <a:cubicBezTo>
-                        <a:pt x="0" y="13900"/>
+                        <a:pt x="0" y="13899"/>
                         <a:pt x="19946" y="31497"/>
                         <a:pt x="70752" y="31497"/>
                       </a:cubicBezTo>
                       <a:cubicBezTo>
-                        <a:pt x="121436" y="31497"/>
-                        <a:pt x="141505" y="13900"/>
-                        <a:pt x="141505" y="13900"/>
+                        <a:pt x="121437" y="31497"/>
+                        <a:pt x="141505" y="13899"/>
+                        <a:pt x="141505" y="13899"/>
                       </a:cubicBezTo>
                       <a:lnTo>
                         <a:pt x="141505" y="0"/>
@@ -7345,7 +7345,7 @@
                 <a:solidFill>
                   <a:srgbClr val="1B4A78"/>
                 </a:solidFill>
-                <a:ln w="2500" cap="flat">
+                <a:ln cap="flat" w="2500">
                   <a:solidFill>
                     <a:srgbClr val="1B4977"/>
                   </a:solidFill>
@@ -7361,7 +7361,7 @@
               </p:nvSpPr>
               <p:spPr>
                 <a:xfrm>
-                  <a:off x="4422746" y="2038608"/>
+                  <a:off x="4485519" y="1799206"/>
                   <a:ext cy="33454" cx="141505"/>
                 </a:xfrm>
                 <a:custGeom>
@@ -7370,7 +7370,7 @@
                   <a:ahLst/>
                   <a:cxnLst/>
                   <a:pathLst>
-                    <a:path w="141505" h="33454">
+                    <a:path h="33454" w="141505">
                       <a:moveTo>
                         <a:pt x="0" y="16686"/>
                       </a:moveTo>
@@ -7380,13 +7380,13 @@
                         <a:pt x="70752" y="-55"/>
                       </a:cubicBezTo>
                       <a:cubicBezTo>
-                        <a:pt x="109811" y="-55"/>
+                        <a:pt x="109812" y="-55"/>
                         <a:pt x="141505" y="7440"/>
                         <a:pt x="141505" y="16686"/>
                       </a:cubicBezTo>
                       <a:cubicBezTo>
                         <a:pt x="141505" y="25931"/>
-                        <a:pt x="109811" y="33454"/>
+                        <a:pt x="109812" y="33454"/>
                         <a:pt x="70752" y="33454"/>
                       </a:cubicBezTo>
                       <a:cubicBezTo>
@@ -7401,7 +7401,7 @@
                 <a:solidFill>
                   <a:srgbClr val="2E73B7"/>
                 </a:solidFill>
-                <a:ln w="2500" cap="flat">
+                <a:ln cap="flat" w="2500">
                   <a:solidFill>
                     <a:srgbClr val="2E73B7"/>
                   </a:solidFill>
@@ -7417,8 +7417,8 @@
               </p:nvSpPr>
               <p:spPr>
                 <a:xfrm>
-                  <a:off x="4422746" y="2072967"/>
-                  <a:ext cy="143823" cx="141505"/>
+                  <a:off x="4485519" y="1833565"/>
+                  <a:ext cy="143822" cx="141505"/>
                 </a:xfrm>
                 <a:custGeom>
                   <a:avLst/>
@@ -7426,22 +7426,22 @@
                   <a:ahLst/>
                   <a:cxnLst/>
                   <a:pathLst>
-                    <a:path w="141505" h="143823">
+                    <a:path h="143822" w="141505">
                       <a:moveTo>
                         <a:pt x="0" y="0"/>
                       </a:moveTo>
                       <a:lnTo>
-                        <a:pt x="0" y="126249"/>
+                        <a:pt x="0" y="126250"/>
                       </a:lnTo>
                       <a:cubicBezTo>
-                        <a:pt x="0" y="126249"/>
-                        <a:pt x="19948" y="143823"/>
-                        <a:pt x="70752" y="143823"/>
+                        <a:pt x="0" y="126250"/>
+                        <a:pt x="19948" y="143822"/>
+                        <a:pt x="70752" y="143822"/>
                       </a:cubicBezTo>
                       <a:cubicBezTo>
-                        <a:pt x="121448" y="143823"/>
-                        <a:pt x="141505" y="126249"/>
-                        <a:pt x="141505" y="126249"/>
+                        <a:pt x="121448" y="143822"/>
+                        <a:pt x="141505" y="126250"/>
+                        <a:pt x="141505" y="126250"/>
                       </a:cubicBezTo>
                       <a:lnTo>
                         <a:pt x="141505" y="0"/>
@@ -7463,7 +7463,7 @@
                 <a:solidFill>
                   <a:srgbClr val="2E73B7"/>
                 </a:solidFill>
-                <a:ln w="2500" cap="flat">
+                <a:ln cap="flat" w="2500">
                   <a:solidFill>
                     <a:srgbClr val="2E73B7"/>
                   </a:solidFill>
@@ -7479,7 +7479,7 @@
               </p:nvSpPr>
               <p:spPr>
                 <a:xfrm>
-                  <a:off x="4449275" y="2100094"/>
+                  <a:off x="4512049" y="1860692"/>
                   <a:ext cy="89569" cx="88446"/>
                 </a:xfrm>
                 <a:custGeom>
@@ -7488,7 +7488,7 @@
                   <a:ahLst/>
                   <a:cxnLst/>
                   <a:pathLst>
-                    <a:path w="88446" h="89569">
+                    <a:path h="89569" w="88446">
                       <a:moveTo>
                         <a:pt x="-131" y="89569"/>
                       </a:moveTo>
@@ -7533,7 +7533,7 @@
                         <a:pt x="38524" y="89569"/>
                       </a:lnTo>
                       <a:lnTo>
-                        <a:pt x="11698" y="13273"/>
+                        <a:pt x="11698" y="13272"/>
                       </a:lnTo>
                       <a:lnTo>
                         <a:pt x="11698" y="89569"/>
@@ -7548,7 +7548,7 @@
                 <a:solidFill>
                   <a:srgbClr val="FFFFFF"/>
                 </a:solidFill>
-                <a:ln w="2500" cap="flat">
+                <a:ln cap="flat" w="2500">
                   <a:solidFill>
                     <a:srgbClr val="FFFFFF"/>
                   </a:solidFill>
@@ -7565,7 +7565,7 @@
             </p:nvSpPr>
             <p:spPr>
               <a:xfrm>
-                <a:off x="4214650" y="1955786"/>
+                <a:off x="4277424" y="1716384"/>
                 <a:ext cy="261737" cx="349600"/>
               </a:xfrm>
               <a:custGeom>
@@ -7574,7 +7574,7 @@
                 <a:ahLst/>
                 <a:cxnLst/>
                 <a:pathLst>
-                  <a:path w="349600" h="261737">
+                  <a:path h="261737" w="349600">
                     <a:moveTo>
                       <a:pt x="349600" y="62991"/>
                     </a:moveTo>
@@ -7588,11 +7588,11 @@
                     </a:cubicBezTo>
                     <a:cubicBezTo>
                       <a:pt x="189589" y="83681"/>
-                      <a:pt x="189589" y="238639"/>
-                      <a:pt x="189589" y="238639"/>
-                    </a:cubicBezTo>
-                    <a:lnTo>
-                      <a:pt x="197418" y="243714"/>
+                      <a:pt x="189589" y="238638"/>
+                      <a:pt x="189589" y="238638"/>
+                    </a:cubicBezTo>
+                    <a:lnTo>
+                      <a:pt x="197418" y="243715"/>
                     </a:lnTo>
                     <a:lnTo>
                       <a:pt x="197418" y="261737"/>
@@ -7606,10 +7606,10 @@
                       <a:pt x="0" y="228842"/>
                     </a:cubicBezTo>
                     <a:lnTo>
-                      <a:pt x="0" y="208049"/>
-                    </a:lnTo>
-                    <a:lnTo>
-                      <a:pt x="258312" y="0"/>
+                      <a:pt x="0" y="208048"/>
+                    </a:lnTo>
+                    <a:lnTo>
+                      <a:pt x="258313" y="0"/>
                     </a:lnTo>
                     <a:lnTo>
                       <a:pt x="349600" y="62991"/>
@@ -7621,7 +7621,7 @@
               <a:solidFill>
                 <a:srgbClr val="1B4A78"/>
               </a:solidFill>
-              <a:ln w="2500" cap="flat">
+              <a:ln cap="flat" w="2500">
                 <a:solidFill>
                   <a:srgbClr val="1B4A78"/>
                 </a:solidFill>
@@ -7637,7 +7637,7 @@
             </p:nvSpPr>
             <p:spPr>
               <a:xfrm>
-                <a:off x="4214650" y="1860720"/>
+                <a:off x="4277424" y="1621318"/>
                 <a:ext cy="338776" cx="349600"/>
               </a:xfrm>
               <a:custGeom>
@@ -7646,7 +7646,7 @@
                 <a:ahLst/>
                 <a:cxnLst/>
                 <a:pathLst>
-                  <a:path w="349600" h="338776">
+                  <a:path h="338776" w="349600">
                     <a:moveTo>
                       <a:pt x="34322" y="0"/>
                     </a:moveTo>
@@ -7654,15 +7654,15 @@
                       <a:pt x="315237" y="0"/>
                     </a:lnTo>
                     <a:cubicBezTo>
-                      <a:pt x="334214" y="0"/>
+                      <a:pt x="334215" y="0"/>
                       <a:pt x="349600" y="14688"/>
                       <a:pt x="349600" y="32853"/>
                     </a:cubicBezTo>
                     <a:lnTo>
-                      <a:pt x="349600" y="158026"/>
-                    </a:lnTo>
-                    <a:cubicBezTo>
-                      <a:pt x="349600" y="158026"/>
+                      <a:pt x="349600" y="158027"/>
+                    </a:lnTo>
+                    <a:cubicBezTo>
+                      <a:pt x="349600" y="158027"/>
                       <a:pt x="260922" y="129852"/>
                       <a:pt x="189589" y="163827"/>
                     </a:cubicBezTo>
@@ -7697,7 +7697,7 @@
               <a:solidFill>
                 <a:srgbClr val="2E73B7"/>
               </a:solidFill>
-              <a:ln w="2500" cap="flat">
+              <a:ln cap="flat" w="2500">
                 <a:solidFill>
                   <a:srgbClr val="2E73B7"/>
                 </a:solidFill>
@@ -7707,13 +7707,13 @@
           </p:sp>
           <p:sp>
             <p:nvSpPr>
-              <p:cNvPr name="Text 312" id="312"/>
+              <p:cNvPr name="Text 361" id="361"/>
               <p:cNvSpPr txBox="1"/>
               <p:nvPr/>
             </p:nvSpPr>
             <p:spPr>
               <a:xfrm>
-                <a:off x="4030395" y="2244926"/>
+                <a:off x="4093169" y="2005524"/>
                 <a:ext cy="143622" cx="718110"/>
               </a:xfrm>
               <a:prstGeom prst="rect">
@@ -7722,7 +7722,7 @@
               <a:noFill/>
             </p:spPr>
             <p:txBody>
-              <a:bodyPr wrap="square" rtlCol="0" lIns="0" rIns="0" tIns="0" anchor="ctr" bIns="0"/>
+              <a:bodyPr anchor="ctr" rIns="0" bIns="0" lIns="0" wrap="square" rtlCol="0" tIns="0"/>
               <a:lstStyle/>
               <a:p>
                 <a:pPr algn="ctr">
@@ -7743,258 +7743,6 @@
             </p:txBody>
           </p:sp>
         </p:grpSp>
-        <p:grpSp>
-          <p:nvGrpSpPr>
-            <p:cNvPr name="Trapeziod 3" id="251"/>
-            <p:cNvGrpSpPr/>
-            <p:nvPr/>
-          </p:nvGrpSpPr>
-          <p:grpSpPr>
-            <a:xfrm>
-              <a:off x="1053023" y="2381337"/>
-              <a:ext cy="1497200" cx="661553"/>
-              <a:chOff x="1053023" y="2381337"/>
-              <a:chExt cy="1497200" cx="661553"/>
-            </a:xfrm>
-          </p:grpSpPr>
-          <p:sp>
-            <p:nvSpPr>
-              <p:cNvPr name="" id="252"/>
-              <p:cNvSpPr/>
-              <p:nvPr/>
-            </p:nvSpPr>
-            <p:spPr>
-              <a:xfrm>
-                <a:off x="1053023" y="2381337"/>
-                <a:ext cy="1497200" cx="661553"/>
-              </a:xfrm>
-              <a:custGeom>
-                <a:avLst/>
-                <a:gdLst/>
-                <a:ahLst/>
-                <a:cxnLst/>
-                <a:pathLst>
-                  <a:path w="661553" h="1497200">
-                    <a:moveTo>
-                      <a:pt x="0" y="0"/>
-                    </a:moveTo>
-                    <a:lnTo>
-                      <a:pt x="661553" y="430866"/>
-                    </a:lnTo>
-                    <a:lnTo>
-                      <a:pt x="661553" y="1041200"/>
-                    </a:lnTo>
-                    <a:lnTo>
-                      <a:pt x="0" y="1497200"/>
-                    </a:lnTo>
-                    <a:lnTo>
-                      <a:pt x="0" y="0"/>
-                    </a:lnTo>
-                    <a:close/>
-                  </a:path>
-                </a:pathLst>
-              </a:custGeom>
-              <a:gradFill>
-                <a:gsLst>
-                  <a:gs pos="0">
-                    <a:srgbClr val="83B3E3"/>
-                  </a:gs>
-                  <a:gs pos="50000">
-                    <a:srgbClr val="65A6DF"/>
-                  </a:gs>
-                  <a:gs pos="100000">
-                    <a:srgbClr val="3498DB"/>
-                  </a:gs>
-                </a:gsLst>
-                <a:lin scaled="0" ang="5400000"/>
-              </a:gradFill>
-              <a:ln w="7600" cap="flat">
-                <a:solidFill>
-                  <a:srgbClr val="3498DB"/>
-                </a:solidFill>
-                <a:bevel/>
-              </a:ln>
-              <a:effectLst>
-                <a:outerShdw blurRad="30000" algn="tl" dir="0" dist="15200" rotWithShape="0">
-                  <a:srgbClr val="000000">
-                    <a:alpha val="40000"/>
-                  </a:srgbClr>
-                </a:outerShdw>
-              </a:effectLst>
-            </p:spPr>
-          </p:sp>
-          <p:sp>
-            <p:nvSpPr>
-              <p:cNvPr name="" id="253"/>
-              <p:cNvSpPr/>
-              <p:nvPr/>
-            </p:nvSpPr>
-            <p:spPr>
-              <a:xfrm>
-                <a:off x="1060623" y="2388517"/>
-                <a:ext cy="502677" cx="646353"/>
-              </a:xfrm>
-              <a:custGeom>
-                <a:avLst/>
-                <a:gdLst/>
-                <a:ahLst/>
-                <a:cxnLst/>
-                <a:pathLst>
-                  <a:path stroke="false" w="646353" h="502677">
-                    <a:moveTo>
-                      <a:pt x="0" y="0"/>
-                    </a:moveTo>
-                    <a:lnTo>
-                      <a:pt x="646353" y="430866"/>
-                    </a:lnTo>
-                    <a:lnTo>
-                      <a:pt x="646353" y="502677"/>
-                    </a:lnTo>
-                    <a:lnTo>
-                      <a:pt x="0" y="502677"/>
-                    </a:lnTo>
-                    <a:lnTo>
-                      <a:pt x="0" y="0"/>
-                    </a:lnTo>
-                    <a:close/>
-                  </a:path>
-                </a:pathLst>
-              </a:custGeom>
-              <a:solidFill>
-                <a:srgbClr val="FFFFFF">
-                  <a:alpha val="40000"/>
-                </a:srgbClr>
-              </a:solidFill>
-              <a:ln w="7600" cap="flat">
-                <a:noFill/>
-                <a:bevel/>
-              </a:ln>
-            </p:spPr>
-          </p:sp>
-          <p:sp>
-            <p:nvSpPr>
-              <p:cNvPr name="" id="254"/>
-              <p:cNvSpPr/>
-              <p:nvPr/>
-            </p:nvSpPr>
-            <p:spPr>
-              <a:xfrm>
-                <a:off x="1053023" y="2388937"/>
-                <a:ext cy="1482000" cx="86173"/>
-              </a:xfrm>
-              <a:custGeom>
-                <a:avLst/>
-                <a:gdLst/>
-                <a:ahLst/>
-                <a:cxnLst/>
-                <a:pathLst>
-                  <a:path stroke="false" w="86173" h="1482000">
-                    <a:moveTo>
-                      <a:pt x="0" y="0"/>
-                    </a:moveTo>
-                    <a:lnTo>
-                      <a:pt x="86173" y="62863"/>
-                    </a:lnTo>
-                    <a:lnTo>
-                      <a:pt x="86173" y="1419137"/>
-                    </a:lnTo>
-                    <a:lnTo>
-                      <a:pt x="0" y="1482000"/>
-                    </a:lnTo>
-                    <a:lnTo>
-                      <a:pt x="0" y="0"/>
-                    </a:lnTo>
-                    <a:close/>
-                  </a:path>
-                </a:pathLst>
-              </a:custGeom>
-              <a:solidFill>
-                <a:srgbClr val="FFFFFF">
-                  <a:alpha val="29000"/>
-                </a:srgbClr>
-              </a:solidFill>
-              <a:ln w="7600" cap="flat">
-                <a:noFill/>
-                <a:bevel/>
-              </a:ln>
-            </p:spPr>
-          </p:sp>
-          <p:sp>
-            <p:nvSpPr>
-              <p:cNvPr name="" id="255"/>
-              <p:cNvSpPr/>
-              <p:nvPr/>
-            </p:nvSpPr>
-            <p:spPr>
-              <a:xfrm>
-                <a:off x="1142787" y="2451800"/>
-                <a:ext cy="1356274" cx="7181"/>
-              </a:xfrm>
-              <a:custGeom>
-                <a:avLst/>
-                <a:gdLst/>
-                <a:ahLst/>
-                <a:cxnLst/>
-                <a:pathLst>
-                  <a:path fill="none" w="7181" h="1356274">
-                    <a:moveTo>
-                      <a:pt x="0" y="0"/>
-                    </a:moveTo>
-                    <a:lnTo>
-                      <a:pt x="0" y="1356274"/>
-                    </a:lnTo>
-                  </a:path>
-                </a:pathLst>
-              </a:custGeom>
-              <a:solidFill>
-                <a:srgbClr val="FFFFFF"/>
-              </a:solidFill>
-              <a:ln w="7600" cap="flat">
-                <a:solidFill>
-                  <a:srgbClr val="FFFFFF"/>
-                </a:solidFill>
-                <a:bevel/>
-              </a:ln>
-            </p:spPr>
-          </p:sp>
-          <p:sp>
-            <p:nvSpPr>
-              <p:cNvPr name="Text 313" id="313"/>
-              <p:cNvSpPr txBox="1"/>
-              <p:nvPr/>
-            </p:nvSpPr>
-            <p:spPr>
-              <a:xfrm>
-                <a:off x="1167023" y="2943737"/>
-                <a:ext cy="471200" cx="532353"/>
-              </a:xfrm>
-              <a:prstGeom prst="rect">
-                <a:avLst/>
-              </a:prstGeom>
-              <a:noFill/>
-            </p:spPr>
-            <p:txBody>
-              <a:bodyPr wrap="square" rtlCol="0" lIns="36000" rIns="36000" tIns="0" anchor="ctr" bIns="0"/>
-              <a:lstStyle/>
-              <a:p>
-                <a:pPr algn="ctr">
-                  <a:lnSpc>
-                    <a:spcPct val="100000"/>
-                  </a:lnSpc>
-                </a:pPr>
-                <a:r>
-                  <a:rPr sz="912">
-                    <a:solidFill>
-                      <a:srgbClr val="FFFFFF"/>
-                    </a:solidFill>
-                    <a:latin typeface="Arial"/>
-                  </a:rPr>
-                  <a:t>Client</a:t>
-                </a:r>
-              </a:p>
-            </p:txBody>
-          </p:sp>
-        </p:grpSp>
         <p:sp>
           <p:nvSpPr>
             <p:cNvPr name="ConnectLine" id="263"/>
@@ -8003,7 +7751,7 @@
           </p:nvSpPr>
           <p:spPr>
             <a:xfrm>
-              <a:off x="1718200" y="3307011"/>
+              <a:off x="1780976" y="3067607"/>
               <a:ext cy="0" cx="646000"/>
             </a:xfrm>
             <a:custGeom>
@@ -8012,7 +7760,7 @@
               <a:ahLst/>
               <a:cxnLst/>
               <a:pathLst>
-                <a:path fill="none" w="646000" h="0">
+                <a:path fill="none" h="0" w="646000">
                   <a:moveTo>
                     <a:pt x="0" y="0"/>
                   </a:moveTo>
@@ -8023,12 +7771,12 @@
               </a:pathLst>
             </a:custGeom>
             <a:noFill/>
-            <a:ln w="20267" cap="flat">
+            <a:ln cap="flat" w="20267">
               <a:solidFill>
                 <a:srgbClr val="236EA1"/>
               </a:solidFill>
               <a:bevel/>
-              <a:headEnd w="med" type="triangle" len="med"/>
+              <a:headEnd type="triangle" w="med" len="med"/>
             </a:ln>
           </p:spPr>
         </p:sp>
@@ -8040,7 +7788,7 @@
           </p:nvSpPr>
           <p:spPr>
             <a:xfrm>
-              <a:off x="4366650" y="4561011"/>
+              <a:off x="4429424" y="4321607"/>
               <a:ext cy="722000" cx="1079200"/>
             </a:xfrm>
             <a:custGeom>
@@ -8049,7 +7797,7 @@
               <a:ahLst/>
               <a:cxnLst/>
               <a:pathLst>
-                <a:path fill="none" w="1079200" h="722000">
+                <a:path fill="none" h="722000" w="1079200">
                   <a:moveTo>
                     <a:pt x="0" y="0"/>
                   </a:moveTo>
@@ -8060,12 +7808,12 @@
               </a:pathLst>
             </a:custGeom>
             <a:noFill/>
-            <a:ln w="20267" cap="flat">
+            <a:ln cap="flat" w="20267">
               <a:solidFill>
                 <a:srgbClr val="236EA1"/>
               </a:solidFill>
               <a:bevel/>
-              <a:headEnd w="med" type="triangle" len="med"/>
+              <a:headEnd type="triangle" w="med" len="med"/>
             </a:ln>
           </p:spPr>
         </p:sp>
@@ -8077,7 +7825,7 @@
           </p:nvSpPr>
           <p:spPr>
             <a:xfrm>
-              <a:off x="6570650" y="5023811"/>
+              <a:off x="6633424" y="4784407"/>
               <a:ext cy="564000" cx="714400"/>
             </a:xfrm>
             <a:custGeom>
@@ -8086,12 +7834,12 @@
               <a:ahLst/>
               <a:cxnLst/>
               <a:pathLst>
-                <a:path w="714400" h="564000">
+                <a:path h="564000" w="714400">
                   <a:moveTo>
                     <a:pt x="575988" y="213264"/>
                   </a:moveTo>
                   <a:cubicBezTo>
-                    <a:pt x="555145" y="91653"/>
+                    <a:pt x="555145" y="91654"/>
                     <a:pt x="465845" y="0"/>
                     <a:pt x="357200" y="0"/>
                   </a:cubicBezTo>
@@ -8102,12 +7850,12 @@
                   </a:cubicBezTo>
                   <a:cubicBezTo>
                     <a:pt x="69955" y="153341"/>
-                    <a:pt x="0" y="243222"/>
+                    <a:pt x="0" y="243221"/>
                     <a:pt x="0" y="352500"/>
                   </a:cubicBezTo>
                   <a:cubicBezTo>
-                    <a:pt x="0" y="468818"/>
-                    <a:pt x="80369" y="564000"/>
+                    <a:pt x="0" y="468817"/>
+                    <a:pt x="80368" y="564000"/>
                     <a:pt x="178600" y="564000"/>
                   </a:cubicBezTo>
                   <a:lnTo>
@@ -8115,12 +7863,12 @@
                   </a:lnTo>
                   <a:cubicBezTo>
                     <a:pt x="647425" y="564000"/>
-                    <a:pt x="714400" y="484687"/>
+                    <a:pt x="714400" y="484688"/>
                     <a:pt x="714400" y="387750"/>
                   </a:cubicBezTo>
                   <a:cubicBezTo>
                     <a:pt x="714400" y="294341"/>
-                    <a:pt x="653385" y="218548"/>
+                    <a:pt x="653384" y="218549"/>
                     <a:pt x="575988" y="213264"/>
                   </a:cubicBezTo>
                   <a:close/>
@@ -8155,7 +7903,7 @@
             <a:solidFill>
               <a:srgbClr val="3498DB"/>
             </a:solidFill>
-            <a:ln w="7600" cap="flat">
+            <a:ln cap="flat" w="7600">
               <a:solidFill>
                 <a:srgbClr val="3498DB"/>
               </a:solidFill>
@@ -8171,7 +7919,7 @@
           </p:nvSpPr>
           <p:spPr>
             <a:xfrm>
-              <a:off x="5893413" y="5305811"/>
+              <a:off x="5956188" y="5066407"/>
               <a:ext cy="0" cx="637564"/>
             </a:xfrm>
             <a:custGeom>
@@ -8180,7 +7928,7 @@
               <a:ahLst/>
               <a:cxnLst/>
               <a:pathLst>
-                <a:path fill="none" w="637564" h="0">
+                <a:path fill="none" h="0" w="637564">
                   <a:moveTo>
                     <a:pt x="0" y="0"/>
                   </a:moveTo>
@@ -8191,12 +7939,12 @@
               </a:pathLst>
             </a:custGeom>
             <a:noFill/>
-            <a:ln w="20267" cap="flat">
+            <a:ln cap="flat" w="20267">
               <a:solidFill>
                 <a:srgbClr val="236EA1"/>
               </a:solidFill>
               <a:bevel/>
-              <a:headEnd w="med" type="triangle" len="med"/>
+              <a:headEnd type="triangle" w="med" len="med"/>
             </a:ln>
           </p:spPr>
         </p:sp>
@@ -8204,19 +7952,19 @@
           <p:nvCxnSpPr>
             <p:cNvPr name="Line" id="269"/>
             <p:cNvCxnSpPr>
-              <a:stCxn idx="4" id="152"/>
+              <a:stCxn id="152" idx="4"/>
             </p:cNvCxnSpPr>
             <p:nvPr/>
           </p:nvCxnSpPr>
           <p:spPr>
             <a:xfrm rot="5400000">
-              <a:off x="5553313" y="3496637"/>
+              <a:off x="5616088" y="3257235"/>
               <a:ext cy="0" cx="330600"/>
             </a:xfrm>
             <a:prstGeom prst="line">
               <a:avLst/>
             </a:prstGeom>
-            <a:ln w="7600" cap="flat">
+            <a:ln cap="flat" w="15200">
               <a:solidFill>
                 <a:srgbClr val="5C5C5C"/>
               </a:solidFill>
@@ -8235,7 +7983,7 @@
           </p:nvSpPr>
           <p:spPr>
             <a:xfrm>
-              <a:off x="5217013" y="4117937"/>
+              <a:off x="5279792" y="3878535"/>
               <a:ext cy="0" cx="632206"/>
             </a:xfrm>
             <a:custGeom>
@@ -8244,7 +7992,7 @@
               <a:ahLst/>
               <a:cxnLst/>
               <a:pathLst>
-                <a:path fill="none" w="632206" h="0">
+                <a:path fill="none" h="0" w="632206">
                   <a:moveTo>
                     <a:pt x="0" y="0"/>
                   </a:moveTo>
@@ -8255,12 +8003,12 @@
               </a:pathLst>
             </a:custGeom>
             <a:noFill/>
-            <a:ln w="20267" cap="flat">
+            <a:ln cap="flat" w="20267">
               <a:solidFill>
                 <a:srgbClr val="236EA1"/>
               </a:solidFill>
               <a:bevel/>
-              <a:headEnd w="med" type="triangle" len="med"/>
+              <a:headEnd type="triangle" w="med" len="med"/>
             </a:ln>
           </p:spPr>
         </p:sp>
@@ -8268,19 +8016,19 @@
           <p:nvCxnSpPr>
             <p:cNvPr name="Line" id="271"/>
             <p:cNvCxnSpPr>
-              <a:endCxn idx="1" id="152"/>
+              <a:endCxn id="152" idx="1"/>
             </p:cNvCxnSpPr>
             <p:nvPr/>
           </p:nvCxnSpPr>
           <p:spPr>
             <a:xfrm>
-              <a:off x="3542200" y="3129937"/>
-              <a:ext cy="0" cx="1674813"/>
+              <a:off x="3604976" y="2890535"/>
+              <a:ext cy="0" cx="1674812"/>
             </a:xfrm>
             <a:prstGeom prst="line">
               <a:avLst/>
             </a:prstGeom>
-            <a:ln w="7600" cap="flat">
+            <a:ln cap="flat" w="15200">
               <a:solidFill>
                 <a:srgbClr val="5C5C5C"/>
               </a:solidFill>
@@ -8299,9 +8047,9 @@
           </p:nvGrpSpPr>
           <p:grpSpPr>
             <a:xfrm>
-              <a:off x="4214650" y="5131011"/>
+              <a:off x="4277424" y="4891607"/>
               <a:ext cy="349600" cx="349600"/>
-              <a:chOff x="4214650" y="5131011"/>
+              <a:chOff x="4277424" y="4891607"/>
               <a:chExt cy="349600" cx="349600"/>
             </a:xfrm>
           </p:grpSpPr>
@@ -8313,7 +8061,7 @@
             </p:nvSpPr>
             <p:spPr>
               <a:xfrm>
-                <a:off x="4214650" y="5131011"/>
+                <a:off x="4277424" y="4891607"/>
                 <a:ext cy="349600" cx="349600"/>
               </a:xfrm>
               <a:custGeom>
@@ -8322,12 +8070,12 @@
                 <a:ahLst/>
                 <a:cxnLst/>
                 <a:pathLst>
-                  <a:path w="349600" h="349600">
+                  <a:path h="349600" w="349600">
                     <a:moveTo>
-                      <a:pt x="303058" y="304358"/>
+                      <a:pt x="303058" y="304357"/>
                     </a:moveTo>
                     <a:lnTo>
-                      <a:pt x="256531" y="304358"/>
+                      <a:pt x="256531" y="304357"/>
                     </a:lnTo>
                     <a:lnTo>
                       <a:pt x="256531" y="349600"/>
@@ -8360,7 +8108,7 @@
                       <a:pt x="303058" y="259344"/>
                     </a:lnTo>
                     <a:lnTo>
-                      <a:pt x="303058" y="304358"/>
+                      <a:pt x="303058" y="304357"/>
                     </a:lnTo>
                     <a:close/>
                   </a:path>
@@ -8369,7 +8117,7 @@
               <a:solidFill>
                 <a:srgbClr val="FFFFFF"/>
               </a:solidFill>
-              <a:ln w="7600" cap="flat">
+              <a:ln cap="flat" w="7600">
                 <a:solidFill>
                   <a:srgbClr val="83B3E3"/>
                 </a:solidFill>
@@ -8385,7 +8133,7 @@
             </p:nvSpPr>
             <p:spPr>
               <a:xfrm>
-                <a:off x="4214650" y="5131011"/>
+                <a:off x="4277424" y="4891607"/>
                 <a:ext cy="349600" cx="349600"/>
               </a:xfrm>
               <a:custGeom>
@@ -8394,12 +8142,12 @@
                 <a:ahLst/>
                 <a:cxnLst/>
                 <a:pathLst>
-                  <a:path w="349600" h="349600">
+                  <a:path h="349600" w="349600">
                     <a:moveTo>
-                      <a:pt x="303058" y="304358"/>
+                      <a:pt x="303058" y="304357"/>
                     </a:moveTo>
                     <a:lnTo>
-                      <a:pt x="256531" y="304358"/>
+                      <a:pt x="256531" y="304357"/>
                     </a:lnTo>
                     <a:lnTo>
                       <a:pt x="256531" y="349600"/>
@@ -8432,7 +8180,7 @@
                       <a:pt x="303058" y="259344"/>
                     </a:lnTo>
                     <a:lnTo>
-                      <a:pt x="303058" y="304358"/>
+                      <a:pt x="303058" y="304357"/>
                     </a:lnTo>
                     <a:close/>
                     <a:moveTo>
@@ -8445,10 +8193,10 @@
                       <a:pt x="303058" y="45014"/>
                     </a:lnTo>
                     <a:lnTo>
-                      <a:pt x="303058" y="248147"/>
-                    </a:lnTo>
-                    <a:lnTo>
-                      <a:pt x="338033" y="248147"/>
+                      <a:pt x="303058" y="248148"/>
+                    </a:lnTo>
+                    <a:lnTo>
+                      <a:pt x="338033" y="248148"/>
                     </a:lnTo>
                     <a:lnTo>
                       <a:pt x="338033" y="11196"/>
@@ -8467,10 +8215,10 @@
                       <a:pt x="256531" y="90256"/>
                     </a:lnTo>
                     <a:lnTo>
-                      <a:pt x="256531" y="293161"/>
-                    </a:lnTo>
-                    <a:lnTo>
-                      <a:pt x="291491" y="293161"/>
+                      <a:pt x="256531" y="293162"/>
+                    </a:lnTo>
+                    <a:lnTo>
+                      <a:pt x="291491" y="293162"/>
                     </a:lnTo>
                     <a:lnTo>
                       <a:pt x="291491" y="56210"/>
@@ -8480,23 +8228,23 @@
                     </a:lnTo>
                     <a:close/>
                     <a:moveTo>
-                      <a:pt x="244949" y="101453"/>
+                      <a:pt x="244950" y="101452"/>
                     </a:moveTo>
                     <a:lnTo>
-                      <a:pt x="11567" y="101453"/>
+                      <a:pt x="11567" y="101452"/>
                     </a:lnTo>
                     <a:lnTo>
                       <a:pt x="11567" y="338404"/>
                     </a:lnTo>
                     <a:lnTo>
-                      <a:pt x="244949" y="338404"/>
-                    </a:lnTo>
-                    <a:lnTo>
-                      <a:pt x="244949" y="101453"/>
+                      <a:pt x="244950" y="338404"/>
+                    </a:lnTo>
+                    <a:lnTo>
+                      <a:pt x="244950" y="101452"/>
                     </a:lnTo>
                     <a:close/>
                     <a:moveTo>
-                      <a:pt x="209760" y="293161"/>
+                      <a:pt x="209760" y="293162"/>
                     </a:moveTo>
                     <a:lnTo>
                       <a:pt x="209760" y="281965"/>
@@ -8505,14 +8253,14 @@
                       <a:pt x="46527" y="281965"/>
                     </a:lnTo>
                     <a:lnTo>
-                      <a:pt x="46527" y="293161"/>
-                    </a:lnTo>
-                    <a:lnTo>
-                      <a:pt x="209760" y="293161"/>
+                      <a:pt x="46527" y="293162"/>
+                    </a:lnTo>
+                    <a:lnTo>
+                      <a:pt x="209760" y="293162"/>
                     </a:lnTo>
                     <a:close/>
                     <a:moveTo>
-                      <a:pt x="209760" y="248147"/>
+                      <a:pt x="209760" y="248148"/>
                     </a:moveTo>
                     <a:lnTo>
                       <a:pt x="209760" y="236951"/>
@@ -8521,20 +8269,20 @@
                       <a:pt x="46527" y="236951"/>
                     </a:lnTo>
                     <a:lnTo>
-                      <a:pt x="46527" y="248147"/>
-                    </a:lnTo>
-                    <a:lnTo>
-                      <a:pt x="209760" y="248147"/>
+                      <a:pt x="46527" y="248148"/>
+                    </a:lnTo>
+                    <a:lnTo>
+                      <a:pt x="209760" y="248148"/>
                     </a:lnTo>
                     <a:close/>
                     <a:moveTo>
                       <a:pt x="209760" y="202905"/>
                     </a:moveTo>
                     <a:lnTo>
-                      <a:pt x="209760" y="191709"/>
-                    </a:lnTo>
-                    <a:lnTo>
-                      <a:pt x="46527" y="191709"/>
+                      <a:pt x="209760" y="191708"/>
+                    </a:lnTo>
+                    <a:lnTo>
+                      <a:pt x="46527" y="191708"/>
                     </a:lnTo>
                     <a:lnTo>
                       <a:pt x="46527" y="202905"/>
@@ -8544,7 +8292,7 @@
                     </a:lnTo>
                     <a:close/>
                     <a:moveTo>
-                      <a:pt x="209760" y="157891"/>
+                      <a:pt x="209760" y="157892"/>
                     </a:moveTo>
                     <a:lnTo>
                       <a:pt x="209760" y="146695"/>
@@ -8553,10 +8301,10 @@
                       <a:pt x="46527" y="146695"/>
                     </a:lnTo>
                     <a:lnTo>
-                      <a:pt x="46527" y="157891"/>
-                    </a:lnTo>
-                    <a:lnTo>
-                      <a:pt x="209760" y="157891"/>
+                      <a:pt x="46527" y="157892"/>
+                    </a:lnTo>
+                    <a:lnTo>
+                      <a:pt x="209760" y="157892"/>
                     </a:lnTo>
                     <a:close/>
                   </a:path>
@@ -8565,7 +8313,7 @@
               <a:solidFill>
                 <a:srgbClr val="3498DB"/>
               </a:solidFill>
-              <a:ln w="7600" cap="flat">
+              <a:ln cap="flat" w="7600">
                 <a:solidFill>
                   <a:srgbClr val="3498DB"/>
                 </a:solidFill>
@@ -8575,13 +8323,13 @@
           </p:sp>
           <p:sp>
             <p:nvSpPr>
-              <p:cNvPr name="Text 314" id="314"/>
+              <p:cNvPr name="Text 362" id="362"/>
               <p:cNvSpPr txBox="1"/>
               <p:nvPr/>
             </p:nvSpPr>
             <p:spPr>
               <a:xfrm>
-                <a:off x="4030395" y="5500000"/>
+                <a:off x="4093169" y="5260596"/>
                 <a:ext cy="143622" cx="718110"/>
               </a:xfrm>
               <a:prstGeom prst="rect">
@@ -8590,7 +8338,7 @@
               <a:noFill/>
             </p:spPr>
             <p:txBody>
-              <a:bodyPr wrap="square" rtlCol="0" lIns="36000" rIns="36000" tIns="0" anchor="ctr" bIns="0"/>
+              <a:bodyPr anchor="ctr" rIns="36000" bIns="0" lIns="36000" wrap="square" rtlCol="0" tIns="0"/>
               <a:lstStyle/>
               <a:p>
                 <a:pPr algn="ctr">
@@ -8619,9 +8367,9 @@
           </p:nvGrpSpPr>
           <p:grpSpPr>
             <a:xfrm>
-              <a:off x="3606650" y="5131011"/>
+              <a:off x="3669424" y="4891607"/>
               <a:ext cy="349600" cx="349600"/>
-              <a:chOff x="3606650" y="5131011"/>
+              <a:chOff x="3669424" y="4891607"/>
               <a:chExt cy="349600" cx="349600"/>
             </a:xfrm>
           </p:grpSpPr>
@@ -8633,7 +8381,7 @@
             </p:nvSpPr>
             <p:spPr>
               <a:xfrm>
-                <a:off x="3606650" y="5422615"/>
+                <a:off x="3669424" y="5183211"/>
                 <a:ext cy="57977" cx="349600"/>
               </a:xfrm>
               <a:custGeom>
@@ -8642,7 +8390,7 @@
                 <a:ahLst/>
                 <a:cxnLst/>
                 <a:pathLst>
-                  <a:path w="349600" h="57977">
+                  <a:path h="57977" w="349600">
                     <a:moveTo>
                       <a:pt x="349600" y="0"/>
                     </a:moveTo>
@@ -8675,7 +8423,7 @@
               <a:solidFill>
                 <a:srgbClr val="1B4A78"/>
               </a:solidFill>
-              <a:ln w="2500" cap="flat">
+              <a:ln cap="flat" w="2500">
                 <a:solidFill>
                   <a:srgbClr val="1B4A78"/>
                 </a:solidFill>
@@ -8691,7 +8439,7 @@
             </p:nvSpPr>
             <p:spPr>
               <a:xfrm>
-                <a:off x="3606650" y="5130966"/>
+                <a:off x="3669424" y="4891563"/>
                 <a:ext cy="331935" cx="349600"/>
               </a:xfrm>
               <a:custGeom>
@@ -8700,7 +8448,7 @@
                 <a:ahLst/>
                 <a:cxnLst/>
                 <a:pathLst>
-                  <a:path w="349600" h="331935">
+                  <a:path h="331935" w="349600">
                     <a:moveTo>
                       <a:pt x="34322" y="0"/>
                     </a:moveTo>
@@ -8713,7 +8461,7 @@
                       <a:pt x="349600" y="32193"/>
                     </a:cubicBezTo>
                     <a:lnTo>
-                      <a:pt x="349600" y="299705"/>
+                      <a:pt x="349600" y="299704"/>
                     </a:lnTo>
                     <a:cubicBezTo>
                       <a:pt x="349600" y="317505"/>
@@ -8726,7 +8474,7 @@
                     <a:cubicBezTo>
                       <a:pt x="15344" y="331935"/>
                       <a:pt x="0" y="317505"/>
-                      <a:pt x="0" y="299705"/>
+                      <a:pt x="0" y="299704"/>
                     </a:cubicBezTo>
                     <a:lnTo>
                       <a:pt x="0" y="32193"/>
@@ -8743,7 +8491,7 @@
               <a:solidFill>
                 <a:srgbClr val="2E73B7"/>
               </a:solidFill>
-              <a:ln w="2500" cap="flat">
+              <a:ln cap="flat" w="2500">
                 <a:solidFill>
                   <a:srgbClr val="2E73B7"/>
                 </a:solidFill>
@@ -8759,7 +8507,7 @@
             </p:nvSpPr>
             <p:spPr>
               <a:xfrm>
-                <a:off x="3653141" y="5187821"/>
+                <a:off x="3715914" y="4948417"/>
                 <a:ext cy="235980" cx="252856"/>
               </a:xfrm>
               <a:custGeom>
@@ -8768,7 +8516,7 @@
                 <a:ahLst/>
                 <a:cxnLst/>
                 <a:pathLst>
-                  <a:path w="252856" h="235980">
+                  <a:path h="235980" w="252856">
                     <a:moveTo>
                       <a:pt x="0" y="30746"/>
                     </a:moveTo>
@@ -8797,10 +8545,10 @@
                       <a:pt x="99504" y="30746"/>
                     </a:lnTo>
                     <a:lnTo>
-                      <a:pt x="113551" y="30746"/>
-                    </a:lnTo>
-                    <a:lnTo>
-                      <a:pt x="113551" y="0"/>
+                      <a:pt x="113552" y="30746"/>
+                    </a:lnTo>
+                    <a:lnTo>
+                      <a:pt x="113552" y="0"/>
                     </a:lnTo>
                     <a:lnTo>
                       <a:pt x="140308" y="0"/>
@@ -8866,10 +8614,10 @@
                       <a:pt x="219911" y="130943"/>
                     </a:lnTo>
                     <a:lnTo>
-                      <a:pt x="219911" y="144054"/>
-                    </a:lnTo>
-                    <a:lnTo>
-                      <a:pt x="252856" y="144054"/>
+                      <a:pt x="219911" y="144053"/>
+                    </a:lnTo>
+                    <a:lnTo>
+                      <a:pt x="252856" y="144053"/>
                     </a:lnTo>
                     <a:lnTo>
                       <a:pt x="252856" y="169025"/>
@@ -8917,7 +8665,7 @@
                       <a:pt x="140308" y="235980"/>
                     </a:lnTo>
                     <a:lnTo>
-                      <a:pt x="113551" y="235980"/>
+                      <a:pt x="113552" y="235980"/>
                     </a:lnTo>
                     <a:lnTo>
                       <a:pt x="113552" y="205233"/>
@@ -8947,7 +8695,7 @@
                       <a:pt x="32946" y="205233"/>
                     </a:lnTo>
                     <a:lnTo>
-                      <a:pt x="0" y="205234"/>
+                      <a:pt x="0" y="205233"/>
                     </a:lnTo>
                     <a:lnTo>
                       <a:pt x="0" y="180262"/>
@@ -8959,19 +8707,19 @@
                       <a:pt x="32945" y="169025"/>
                     </a:lnTo>
                     <a:lnTo>
-                      <a:pt x="0" y="169025"/>
-                    </a:lnTo>
-                    <a:lnTo>
-                      <a:pt x="0" y="144054"/>
-                    </a:lnTo>
-                    <a:lnTo>
-                      <a:pt x="32945" y="144054"/>
+                      <a:pt x="0" y="169026"/>
+                    </a:lnTo>
+                    <a:lnTo>
+                      <a:pt x="0" y="144053"/>
+                    </a:lnTo>
+                    <a:lnTo>
+                      <a:pt x="32945" y="144053"/>
                     </a:lnTo>
                     <a:lnTo>
                       <a:pt x="32945" y="130943"/>
                     </a:lnTo>
                     <a:lnTo>
-                      <a:pt x="0" y="130944"/>
+                      <a:pt x="0" y="130943"/>
                     </a:lnTo>
                     <a:lnTo>
                       <a:pt x="0" y="105972"/>
@@ -9007,7 +8755,7 @@
               <a:solidFill>
                 <a:srgbClr val="FFFFFF"/>
               </a:solidFill>
-              <a:ln w="2500" cap="flat">
+              <a:ln cap="flat" w="2500">
                 <a:solidFill>
                   <a:srgbClr val="FFFFFF"/>
                 </a:solidFill>
@@ -9023,8 +8771,8 @@
             </p:nvSpPr>
             <p:spPr>
               <a:xfrm>
-                <a:off x="3721160" y="5255036"/>
-                <a:ext cy="101551" cx="118445"/>
+                <a:off x="3783934" y="5015632"/>
+                <a:ext cy="101550" cx="118445"/>
               </a:xfrm>
               <a:custGeom>
                 <a:avLst/>
@@ -9032,39 +8780,39 @@
                 <a:ahLst/>
                 <a:cxnLst/>
                 <a:pathLst>
-                  <a:path w="118445" h="101551">
+                  <a:path h="101550" w="118445">
                     <a:moveTo>
                       <a:pt x="0" y="0"/>
                     </a:moveTo>
                     <a:lnTo>
-                      <a:pt x="0" y="101551"/>
-                    </a:lnTo>
-                    <a:lnTo>
-                      <a:pt x="22119" y="101551"/>
+                      <a:pt x="0" y="101550"/>
+                    </a:lnTo>
+                    <a:lnTo>
+                      <a:pt x="22119" y="101550"/>
                     </a:lnTo>
                     <a:lnTo>
                       <a:pt x="22119" y="31964"/>
                     </a:lnTo>
                     <a:lnTo>
-                      <a:pt x="49590" y="101551"/>
-                    </a:lnTo>
-                    <a:lnTo>
-                      <a:pt x="67428" y="101551"/>
+                      <a:pt x="49590" y="101550"/>
+                    </a:lnTo>
+                    <a:lnTo>
+                      <a:pt x="67428" y="101550"/>
                     </a:lnTo>
                     <a:lnTo>
                       <a:pt x="94899" y="31298"/>
                     </a:lnTo>
                     <a:lnTo>
-                      <a:pt x="94899" y="101551"/>
-                    </a:lnTo>
-                    <a:lnTo>
-                      <a:pt x="118445" y="101551"/>
+                      <a:pt x="94899" y="101550"/>
+                    </a:lnTo>
+                    <a:lnTo>
+                      <a:pt x="118445" y="101550"/>
                     </a:lnTo>
                     <a:lnTo>
                       <a:pt x="118445" y="0"/>
                     </a:lnTo>
                     <a:lnTo>
-                      <a:pt x="84553" y="0"/>
+                      <a:pt x="84552" y="0"/>
                     </a:lnTo>
                     <a:lnTo>
                       <a:pt x="60114" y="69088"/>
@@ -9082,7 +8830,7 @@
               <a:solidFill>
                 <a:srgbClr val="2E73B7"/>
               </a:solidFill>
-              <a:ln w="2500" cap="flat">
+              <a:ln cap="flat" w="2500">
                 <a:solidFill>
                   <a:srgbClr val="2E73B7"/>
                 </a:solidFill>
@@ -9092,13 +8840,13 @@
           </p:sp>
           <p:sp>
             <p:nvSpPr>
-              <p:cNvPr name="Text 315" id="315"/>
+              <p:cNvPr name="Text 363" id="363"/>
               <p:cNvSpPr txBox="1"/>
               <p:nvPr/>
             </p:nvSpPr>
             <p:spPr>
               <a:xfrm>
-                <a:off x="3422395" y="5500000"/>
+                <a:off x="3485169" y="5260596"/>
                 <a:ext cy="143622" cx="718110"/>
               </a:xfrm>
               <a:prstGeom prst="rect">
@@ -9107,7 +8855,7 @@
               <a:noFill/>
             </p:spPr>
             <p:txBody>
-              <a:bodyPr wrap="square" rtlCol="0" lIns="0" rIns="0" tIns="0" anchor="ctr" bIns="0"/>
+              <a:bodyPr anchor="ctr" rIns="0" bIns="0" lIns="0" wrap="square" rtlCol="0" tIns="0"/>
               <a:lstStyle/>
               <a:p>
                 <a:pPr algn="ctr">
@@ -9136,7 +8884,7 @@
           </p:nvSpPr>
           <p:spPr>
             <a:xfrm>
-              <a:off x="4389450" y="5131011"/>
+              <a:off x="4452224" y="4891607"/>
               <a:ext cy="326800" cx="0"/>
             </a:xfrm>
             <a:custGeom>
@@ -9145,7 +8893,7 @@
               <a:ahLst/>
               <a:cxnLst/>
               <a:pathLst>
-                <a:path fill="none" w="0" h="326800">
+                <a:path fill="none" h="326800" w="0">
                   <a:moveTo>
                     <a:pt x="0" y="0"/>
                   </a:moveTo>
@@ -9156,12 +8904,12 @@
               </a:pathLst>
             </a:custGeom>
             <a:noFill/>
-            <a:ln w="20267" cap="flat">
+            <a:ln cap="flat" w="20267">
               <a:solidFill>
                 <a:srgbClr val="236EA1"/>
               </a:solidFill>
               <a:bevel/>
-              <a:headEnd w="med" type="triangle" len="med"/>
+              <a:headEnd type="triangle" w="med" len="med"/>
             </a:ln>
           </p:spPr>
         </p:sp>
@@ -9173,7 +8921,7 @@
           </p:nvSpPr>
           <p:spPr>
             <a:xfrm>
-              <a:off x="3956250" y="5305811"/>
+              <a:off x="4019024" y="5066407"/>
               <a:ext cy="0" cx="258400"/>
             </a:xfrm>
             <a:custGeom>
@@ -9182,7 +8930,7 @@
               <a:ahLst/>
               <a:cxnLst/>
               <a:pathLst>
-                <a:path fill="none" w="258400" h="0">
+                <a:path fill="none" h="0" w="258400">
                   <a:moveTo>
                     <a:pt x="0" y="0"/>
                   </a:moveTo>
@@ -9193,12 +8941,12 @@
               </a:pathLst>
             </a:custGeom>
             <a:noFill/>
-            <a:ln w="20267" cap="flat">
+            <a:ln cap="flat" w="20267">
               <a:solidFill>
                 <a:srgbClr val="236EA1"/>
               </a:solidFill>
               <a:bevel/>
-              <a:headEnd w="med" type="triangle" len="med"/>
+              <a:headEnd type="triangle" w="med" len="med"/>
             </a:ln>
           </p:spPr>
         </p:sp>
@@ -9210,7 +8958,7 @@
           </p:nvSpPr>
           <p:spPr>
             <a:xfrm>
-              <a:off x="4693450" y="2045411"/>
+              <a:off x="4756225" y="1806012"/>
               <a:ext cy="2274" cx="417162"/>
             </a:xfrm>
             <a:custGeom>
@@ -9219,7 +8967,7 @@
               <a:ahLst/>
               <a:cxnLst/>
               <a:pathLst>
-                <a:path fill="none" w="417162" h="2274">
+                <a:path fill="none" h="2274" w="417162">
                   <a:moveTo>
                     <a:pt x="0" y="0"/>
                   </a:moveTo>
@@ -9230,12 +8978,12 @@
               </a:pathLst>
             </a:custGeom>
             <a:noFill/>
-            <a:ln w="20267" cap="flat">
+            <a:ln cap="flat" w="20267">
               <a:solidFill>
                 <a:srgbClr val="236EA1"/>
               </a:solidFill>
               <a:bevel/>
-              <a:headEnd w="med" type="triangle" len="med"/>
+              <a:headEnd type="triangle" w="med" len="med"/>
             </a:ln>
           </p:spPr>
         </p:sp>
@@ -9247,8 +8995,8 @@
           </p:nvSpPr>
           <p:spPr>
             <a:xfrm>
-              <a:off x="3576250" y="2843411"/>
-              <a:ext cy="570000" cx="1493550"/>
+              <a:off x="3639026" y="2604007"/>
+              <a:ext cy="570000" cx="1493552"/>
             </a:xfrm>
             <a:custGeom>
               <a:avLst/>
@@ -9256,18 +9004,18 @@
               <a:ahLst/>
               <a:cxnLst/>
               <a:pathLst>
-                <a:path fill="none" w="1493550" h="570000">
+                <a:path fill="none" h="570000" w="1493552">
                   <a:moveTo>
                     <a:pt x="0" y="0"/>
                   </a:moveTo>
                   <a:lnTo>
-                    <a:pt x="1493550" y="-570000"/>
+                    <a:pt x="1493552" y="-570000"/>
                   </a:lnTo>
                 </a:path>
               </a:pathLst>
             </a:custGeom>
             <a:noFill/>
-            <a:ln w="20267" cap="flat">
+            <a:ln cap="flat" w="20267">
               <a:solidFill>
                 <a:srgbClr val="236EA1"/>
               </a:solidFill>
@@ -9276,7 +9024,7 @@
                 <a:ds d="250000" sp="500000"/>
               </a:custDash>
               <a:bevel/>
-              <a:tailEnd w="med" type="triangle" len="med"/>
+              <a:tailEnd type="triangle" w="med" len="med"/>
             </a:ln>
           </p:spPr>
         </p:sp>
@@ -9287,9 +9035,9 @@
             <p:nvPr/>
           </p:nvSpPr>
           <p:spPr>
-            <a:xfrm rot="6869273">
-              <a:off x="2980240" y="3645211"/>
-              <a:ext cy="0" cx="3282021"/>
+            <a:xfrm rot="6869280">
+              <a:off x="3043017" y="3405807"/>
+              <a:ext cy="0" cx="3282022"/>
             </a:xfrm>
             <a:custGeom>
               <a:avLst/>
@@ -9297,25 +9045,25 @@
               <a:ahLst/>
               <a:cxnLst/>
               <a:pathLst>
-                <a:path fill="none" w="3282021" h="0">
+                <a:path fill="none" h="0" w="3282022">
                   <a:moveTo>
                     <a:pt x="0" y="0"/>
                   </a:moveTo>
                   <a:cubicBezTo>
                     <a:pt x="1150670" y="344428"/>
-                    <a:pt x="1920833" y="-916639"/>
-                    <a:pt x="3282021" y="0"/>
+                    <a:pt x="1920832" y="-916636"/>
+                    <a:pt x="3282022" y="0"/>
                   </a:cubicBezTo>
                 </a:path>
               </a:pathLst>
             </a:custGeom>
             <a:noFill/>
-            <a:ln w="20267" cap="flat">
+            <a:ln cap="flat" w="20267">
               <a:solidFill>
                 <a:srgbClr val="236EA1"/>
               </a:solidFill>
               <a:bevel/>
-              <a:tailEnd w="med" type="triangle" len="med"/>
+              <a:tailEnd type="triangle" w="med" len="med"/>
             </a:ln>
           </p:spPr>
         </p:sp>
@@ -9327,10 +9075,10 @@
           </p:nvGrpSpPr>
           <p:grpSpPr>
             <a:xfrm>
-              <a:off x="806200" y="5458275"/>
-              <a:ext cy="549788" cx="1155200"/>
-              <a:chOff x="806200" y="5458275"/>
-              <a:chExt cy="549788" cx="1155200"/>
+              <a:off x="743424" y="5218877"/>
+              <a:ext cy="549788" cx="1128752"/>
+              <a:chOff x="743424" y="5218877"/>
+              <a:chExt cy="549788" cx="1128752"/>
             </a:xfrm>
           </p:grpSpPr>
           <p:sp>
@@ -9341,21 +9089,21 @@
             </p:nvSpPr>
             <p:spPr>
               <a:xfrm>
-                <a:off x="806200" y="5458275"/>
-                <a:ext cy="549788" cx="1155200"/>
+                <a:off x="743424" y="5218877"/>
+                <a:ext cy="549788" cx="1128752"/>
               </a:xfrm>
               <a:custGeom>
                 <a:avLst/>
                 <a:gdLst>
-                  <a:gd name="connsiteX0" fmla="*/ 577600 w 1155200"/>
+                  <a:gd name="connsiteX0" fmla="*/ 564376 w 1128752"/>
                   <a:gd name="connsiteY0" fmla="*/ 274894 h 549788"/>
-                  <a:gd name="connsiteX1" fmla="*/ 0 w 1155200"/>
+                  <a:gd name="connsiteX1" fmla="*/ 0 w 1128752"/>
                   <a:gd name="connsiteY1" fmla="*/ 274894 h 549788"/>
-                  <a:gd name="connsiteX2" fmla="*/ 577600 w 1155200"/>
+                  <a:gd name="connsiteX2" fmla="*/ 564376 w 1128752"/>
                   <a:gd name="connsiteY2" fmla="*/ 0 h 549788"/>
-                  <a:gd name="connsiteX3" fmla="*/ 1155200 w 1155200"/>
+                  <a:gd name="connsiteX3" fmla="*/ 1128752 w 1128752"/>
                   <a:gd name="connsiteY3" fmla="*/ 274894 h 549788"/>
-                  <a:gd name="connsiteX4" fmla="*/ 577600 w 1155200"/>
+                  <a:gd name="connsiteX4" fmla="*/ 564376 w 1128752"/>
                   <a:gd name="connsiteY4" fmla="*/ 549788 h 549788"/>
                 </a:gdLst>
                 <a:ahLst/>
@@ -9377,25 +9125,25 @@
                   </a:cxn>
                 </a:cxnLst>
                 <a:pathLst>
-                  <a:path w="1155200" h="549788">
+                  <a:path h="549788" w="1128752">
                     <a:moveTo>
                       <a:pt x="91200" y="0"/>
                     </a:moveTo>
                     <a:lnTo>
-                      <a:pt x="1064000" y="0"/>
-                    </a:lnTo>
-                    <a:cubicBezTo>
-                      <a:pt x="1114370" y="0"/>
-                      <a:pt x="1155200" y="40830"/>
-                      <a:pt x="1155200" y="91200"/>
-                    </a:cubicBezTo>
-                    <a:lnTo>
-                      <a:pt x="1155200" y="458588"/>
-                    </a:lnTo>
-                    <a:cubicBezTo>
-                      <a:pt x="1155200" y="508958"/>
-                      <a:pt x="1114370" y="549788"/>
-                      <a:pt x="1064000" y="549788"/>
+                      <a:pt x="1037552" y="0"/>
+                    </a:lnTo>
+                    <a:cubicBezTo>
+                      <a:pt x="1087922" y="0"/>
+                      <a:pt x="1128752" y="40830"/>
+                      <a:pt x="1128752" y="91200"/>
+                    </a:cubicBezTo>
+                    <a:lnTo>
+                      <a:pt x="1128752" y="458588"/>
+                    </a:lnTo>
+                    <a:cubicBezTo>
+                      <a:pt x="1128752" y="508958"/>
+                      <a:pt x="1087922" y="549788"/>
+                      <a:pt x="1037552" y="549788"/>
                     </a:cubicBezTo>
                     <a:lnTo>
                       <a:pt x="91200" y="549788"/>
@@ -9420,7 +9168,7 @@
               <a:solidFill>
                 <a:srgbClr val="EFF1F1"/>
               </a:solidFill>
-              <a:ln w="7600" cap="flat">
+              <a:ln cap="flat" w="7600">
                 <a:solidFill>
                   <a:srgbClr val="808080"/>
                 </a:solidFill>
@@ -9430,7 +9178,7 @@
                 <a:bevel/>
               </a:ln>
               <a:effectLst>
-                <a:outerShdw blurRad="0" algn="tl" dir="2700000" dist="21496" rotWithShape="0">
+                <a:outerShdw dir="2700000" rotWithShape="0" dist="21496" blurRad="0" algn="tl">
                   <a:srgbClr val="000000">
                     <a:alpha val="20000"/>
                   </a:srgbClr>
@@ -9446,22 +9194,22 @@
             </p:nvGrpSpPr>
             <p:grpSpPr>
               <a:xfrm>
-                <a:off x="920200" y="5603969"/>
-                <a:ext cy="258400" cx="1003200"/>
-                <a:chOff x="920200" y="5603969"/>
-                <a:chExt cy="258400" cx="1003200"/>
+                <a:off x="854814" y="5364571"/>
+                <a:ext cy="258400" cx="980232"/>
+                <a:chOff x="854814" y="5364571"/>
+                <a:chExt cy="258400" cx="980232"/>
               </a:xfrm>
             </p:grpSpPr>
             <p:sp>
               <p:nvSpPr>
-                <p:cNvPr name="Text 316" id="316"/>
+                <p:cNvPr name="Text 364" id="364"/>
                 <p:cNvSpPr txBox="1"/>
                 <p:nvPr/>
               </p:nvSpPr>
               <p:spPr>
                 <a:xfrm>
-                  <a:off x="1490200" y="5603969"/>
-                  <a:ext cy="0" cx="433200"/>
+                  <a:off x="1411764" y="5364571"/>
+                  <a:ext cy="0" cx="423282"/>
                 </a:xfrm>
                 <a:prstGeom prst="rect">
                   <a:avLst/>
@@ -9469,7 +9217,7 @@
                 <a:noFill/>
               </p:spPr>
               <p:txBody>
-                <a:bodyPr wrap="square" rtlCol="0" lIns="0" rIns="0" tIns="0" anchor="ctr" bIns="0"/>
+                <a:bodyPr anchor="ctr" rIns="0" bIns="0" lIns="0" wrap="square" rtlCol="0" tIns="0"/>
                 <a:lstStyle/>
                 <a:p>
                   <a:pPr algn="ctr">
@@ -9497,8 +9245,8 @@
               </p:nvSpPr>
               <p:spPr>
                 <a:xfrm>
-                  <a:off x="920200" y="5603969"/>
-                  <a:ext cy="0" cx="462897"/>
+                  <a:off x="854814" y="5364571"/>
+                  <a:ext cy="0" cx="452299"/>
                 </a:xfrm>
                 <a:custGeom>
                   <a:avLst/>
@@ -9506,18 +9254,18 @@
                   <a:ahLst/>
                   <a:cxnLst/>
                   <a:pathLst>
-                    <a:path fill="none" w="462897" h="0">
+                    <a:path fill="none" h="0" w="452299">
                       <a:moveTo>
                         <a:pt x="0" y="0"/>
                       </a:moveTo>
                       <a:lnTo>
-                        <a:pt x="462897" y="0"/>
+                        <a:pt x="452299" y="0"/>
                       </a:lnTo>
                     </a:path>
                   </a:pathLst>
                 </a:custGeom>
                 <a:noFill/>
-                <a:ln w="20267" cap="flat">
+                <a:ln cap="flat" w="20267">
                   <a:solidFill>
                     <a:srgbClr val="236EA1"/>
                   </a:solidFill>
@@ -9526,20 +9274,20 @@
                     <a:ds d="250000" sp="500000"/>
                   </a:custDash>
                   <a:bevel/>
-                  <a:tailEnd w="med" type="triangle" len="med"/>
+                  <a:tailEnd type="triangle" w="med" len="med"/>
                 </a:ln>
               </p:spPr>
             </p:sp>
             <p:sp>
               <p:nvSpPr>
-                <p:cNvPr name="Text 317" id="317"/>
+                <p:cNvPr name="Text 365" id="365"/>
                 <p:cNvSpPr txBox="1"/>
                 <p:nvPr/>
               </p:nvSpPr>
               <p:spPr>
                 <a:xfrm>
-                  <a:off x="1421800" y="5854769"/>
-                  <a:ext cy="0" cx="433200"/>
+                  <a:off x="1344930" y="5615371"/>
+                  <a:ext cy="0" cx="423282"/>
                 </a:xfrm>
                 <a:prstGeom prst="rect">
                   <a:avLst/>
@@ -9547,7 +9295,7 @@
                 <a:noFill/>
               </p:spPr>
               <p:txBody>
-                <a:bodyPr wrap="square" rtlCol="0" lIns="0" rIns="0" tIns="0" anchor="ctr" bIns="0"/>
+                <a:bodyPr anchor="ctr" rIns="0" bIns="0" lIns="0" wrap="square" rtlCol="0" tIns="0"/>
                 <a:lstStyle/>
                 <a:p>
                   <a:pPr algn="ctr">
@@ -9575,8 +9323,8 @@
               </p:nvSpPr>
               <p:spPr>
                 <a:xfrm>
-                  <a:off x="920200" y="5854769"/>
-                  <a:ext cy="0" cx="462897"/>
+                  <a:off x="854814" y="5615371"/>
+                  <a:ext cy="0" cx="452299"/>
                 </a:xfrm>
                 <a:custGeom>
                   <a:avLst/>
@@ -9584,23 +9332,23 @@
                   <a:ahLst/>
                   <a:cxnLst/>
                   <a:pathLst>
-                    <a:path fill="none" w="462897" h="0">
+                    <a:path fill="none" h="0" w="452299">
                       <a:moveTo>
                         <a:pt x="0" y="0"/>
                       </a:moveTo>
                       <a:lnTo>
-                        <a:pt x="462897" y="0"/>
+                        <a:pt x="452299" y="0"/>
                       </a:lnTo>
                     </a:path>
                   </a:pathLst>
                 </a:custGeom>
                 <a:noFill/>
-                <a:ln w="20267" cap="flat">
+                <a:ln cap="flat" w="20267">
                   <a:solidFill>
                     <a:srgbClr val="236EA1"/>
                   </a:solidFill>
                   <a:bevel/>
-                  <a:tailEnd w="med" type="triangle" len="med"/>
+                  <a:tailEnd type="triangle" w="med" len="med"/>
                 </a:ln>
               </p:spPr>
             </p:sp>
@@ -9608,216 +9356,1872 @@
         </p:grpSp>
         <p:grpSp>
           <p:nvGrpSpPr>
-            <p:cNvPr name="Title Bar 9" id="300"/>
+            <p:cNvPr name="" id="350"/>
             <p:cNvGrpSpPr/>
             <p:nvPr/>
           </p:nvGrpSpPr>
           <p:grpSpPr>
             <a:xfrm>
-              <a:off x="2653000" y="849937"/>
-              <a:ext cy="410400" cx="4332000"/>
-              <a:chOff x="2653000" y="849937"/>
-              <a:chExt cy="410400" cx="4332000"/>
+              <a:off x="743424" y="1473135"/>
+              <a:ext cy="2834800" cx="1128752"/>
+              <a:chOff x="743424" y="1473135"/>
+              <a:chExt cy="2834800" cx="1128752"/>
             </a:xfrm>
           </p:grpSpPr>
           <p:sp>
             <p:nvSpPr>
-              <p:cNvPr name="" id="301"/>
+              <p:cNvPr name="Multi-Style Rectangle" id="312"/>
               <p:cNvSpPr/>
               <p:nvPr/>
             </p:nvSpPr>
             <p:spPr>
               <a:xfrm>
-                <a:off x="2960800" y="849937"/>
-                <a:ext cy="410400" cx="3716400"/>
+                <a:off x="743424" y="1473135"/>
+                <a:ext cy="2834800" cx="1128752"/>
               </a:xfrm>
               <a:custGeom>
                 <a:avLst/>
-                <a:gdLst/>
+                <a:gdLst>
+                  <a:gd name="connsiteX0" fmla="*/ 564376 w 1128752"/>
+                  <a:gd name="connsiteY0" fmla="*/ 1417400 h 2834800"/>
+                  <a:gd name="connsiteX1" fmla="*/ 0 w 1128752"/>
+                  <a:gd name="connsiteY1" fmla="*/ 1417400 h 2834800"/>
+                  <a:gd name="connsiteX2" fmla="*/ 564376 w 1128752"/>
+                  <a:gd name="connsiteY2" fmla="*/ 0 h 2834800"/>
+                  <a:gd name="connsiteX3" fmla="*/ 1128752 w 1128752"/>
+                  <a:gd name="connsiteY3" fmla="*/ 1417400 h 2834800"/>
+                  <a:gd name="connsiteX4" fmla="*/ 564376 w 1128752"/>
+                  <a:gd name="connsiteY4" fmla="*/ 2834800 h 2834800"/>
+                </a:gdLst>
                 <a:ahLst/>
-                <a:cxnLst/>
+                <a:cxnLst>
+                  <a:cxn ang="0">
+                    <a:pos x="connsiteX0" y="connsiteY0"/>
+                  </a:cxn>
+                  <a:cxn ang="0">
+                    <a:pos x="connsiteX1" y="connsiteY1"/>
+                  </a:cxn>
+                  <a:cxn ang="0">
+                    <a:pos x="connsiteX2" y="connsiteY2"/>
+                  </a:cxn>
+                  <a:cxn ang="0">
+                    <a:pos x="connsiteX3" y="connsiteY3"/>
+                  </a:cxn>
+                  <a:cxn ang="0">
+                    <a:pos x="connsiteX4" y="connsiteY4"/>
+                  </a:cxn>
+                </a:cxnLst>
                 <a:pathLst>
-                  <a:path w="3716400" h="410400">
+                  <a:path h="2834800" w="1128752">
                     <a:moveTo>
-                      <a:pt x="0" y="0"/>
+                      <a:pt x="91200" y="0"/>
                     </a:moveTo>
                     <a:lnTo>
-                      <a:pt x="3716400" y="0"/>
-                    </a:lnTo>
-                    <a:lnTo>
-                      <a:pt x="3511200" y="205200"/>
-                    </a:lnTo>
-                    <a:lnTo>
-                      <a:pt x="3716400" y="410400"/>
-                    </a:lnTo>
-                    <a:lnTo>
-                      <a:pt x="0" y="410400"/>
-                    </a:lnTo>
-                    <a:lnTo>
-                      <a:pt x="205200" y="205200"/>
-                    </a:lnTo>
-                    <a:lnTo>
-                      <a:pt x="0" y="0"/>
-                    </a:lnTo>
+                      <a:pt x="1037552" y="0"/>
+                    </a:lnTo>
+                    <a:cubicBezTo>
+                      <a:pt x="1087922" y="0"/>
+                      <a:pt x="1128752" y="40830"/>
+                      <a:pt x="1128752" y="91200"/>
+                    </a:cubicBezTo>
+                    <a:lnTo>
+                      <a:pt x="1128752" y="2743600"/>
+                    </a:lnTo>
+                    <a:cubicBezTo>
+                      <a:pt x="1128752" y="2793970"/>
+                      <a:pt x="1087922" y="2834800"/>
+                      <a:pt x="1037552" y="2834800"/>
+                    </a:cubicBezTo>
+                    <a:lnTo>
+                      <a:pt x="91200" y="2834800"/>
+                    </a:lnTo>
+                    <a:cubicBezTo>
+                      <a:pt x="40830" y="2834800"/>
+                      <a:pt x="0" y="2793970"/>
+                      <a:pt x="0" y="2743600"/>
+                    </a:cubicBezTo>
+                    <a:lnTo>
+                      <a:pt x="0" y="91200"/>
+                    </a:lnTo>
+                    <a:cubicBezTo>
+                      <a:pt x="0" y="40830"/>
+                      <a:pt x="40830" y="0"/>
+                      <a:pt x="91200" y="0"/>
+                    </a:cubicBezTo>
                     <a:close/>
                   </a:path>
                 </a:pathLst>
               </a:custGeom>
               <a:solidFill>
-                <a:srgbClr val="2DA2BF"/>
+                <a:srgbClr val="FFE3CB"/>
               </a:solidFill>
-              <a:ln w="7600" cap="flat">
+              <a:ln cap="flat" w="7600">
                 <a:solidFill>
-                  <a:srgbClr val="2DA2BF"/>
+                  <a:srgbClr val="808080"/>
                 </a:solidFill>
+                <a:custDash>
+                  <a:ds d="1100000" sp="500000"/>
+                </a:custDash>
                 <a:bevel/>
               </a:ln>
+              <a:effectLst>
+                <a:outerShdw dir="2700000" rotWithShape="0" dist="21496" blurRad="0" algn="tl">
+                  <a:srgbClr val="000000">
+                    <a:alpha val="20000"/>
+                  </a:srgbClr>
+                </a:outerShdw>
+              </a:effectLst>
             </p:spPr>
           </p:sp>
-          <p:sp>
-            <p:nvSpPr>
-              <p:cNvPr name="" id="302"/>
-              <p:cNvSpPr/>
+          <p:grpSp>
+            <p:nvGrpSpPr>
+              <p:cNvPr name="Java" id="313"/>
+              <p:cNvGrpSpPr/>
               <p:nvPr/>
-            </p:nvSpPr>
-            <p:spPr>
+            </p:nvGrpSpPr>
+            <p:grpSpPr>
               <a:xfrm>
-                <a:off x="2653000" y="849937"/>
-                <a:ext cy="410400" cx="410400"/>
+                <a:off x="1070130" y="2960450"/>
+                <a:ext cy="456000" cx="475341"/>
+                <a:chOff x="1070130" y="2960450"/>
+                <a:chExt cy="456000" cx="475341"/>
               </a:xfrm>
-              <a:custGeom>
-                <a:avLst/>
-                <a:gdLst/>
-                <a:ahLst/>
-                <a:cxnLst/>
-                <a:pathLst>
-                  <a:path w="410400" h="410400">
-                    <a:moveTo>
-                      <a:pt x="410400" y="205200"/>
-                    </a:moveTo>
-                    <a:lnTo>
-                      <a:pt x="205200" y="410400"/>
-                    </a:lnTo>
-                    <a:lnTo>
-                      <a:pt x="0" y="205200"/>
-                    </a:lnTo>
-                    <a:lnTo>
-                      <a:pt x="205200" y="0"/>
-                    </a:lnTo>
-                    <a:lnTo>
-                      <a:pt x="410400" y="205200"/>
-                    </a:lnTo>
-                    <a:close/>
-                  </a:path>
-                </a:pathLst>
-              </a:custGeom>
-              <a:solidFill>
-                <a:srgbClr val="CDE0E8"/>
-              </a:solidFill>
-              <a:ln w="7600" cap="flat">
+            </p:grpSpPr>
+            <p:sp>
+              <p:nvSpPr>
+                <p:cNvPr name="" id="314"/>
+                <p:cNvSpPr/>
+                <p:nvPr/>
+              </p:nvSpPr>
+              <p:spPr>
+                <a:xfrm>
+                  <a:off x="1070130" y="2960450"/>
+                  <a:ext cy="456000" cx="475341"/>
+                </a:xfrm>
+                <a:custGeom>
+                  <a:avLst/>
+                  <a:gdLst/>
+                  <a:ahLst/>
+                  <a:cxnLst/>
+                  <a:pathLst>
+                    <a:path h="456000" w="475341">
+                      <a:moveTo>
+                        <a:pt x="237670" y="0"/>
+                      </a:moveTo>
+                      <a:lnTo>
+                        <a:pt x="0" y="114000"/>
+                      </a:lnTo>
+                      <a:lnTo>
+                        <a:pt x="0" y="342000"/>
+                      </a:lnTo>
+                      <a:lnTo>
+                        <a:pt x="237670" y="456000"/>
+                      </a:lnTo>
+                      <a:lnTo>
+                        <a:pt x="475341" y="342000"/>
+                      </a:lnTo>
+                      <a:lnTo>
+                        <a:pt x="475341" y="114000"/>
+                      </a:lnTo>
+                      <a:lnTo>
+                        <a:pt x="237670" y="0"/>
+                      </a:lnTo>
+                      <a:close/>
+                    </a:path>
+                  </a:pathLst>
+                </a:custGeom>
                 <a:solidFill>
-                  <a:srgbClr val="2DA2BF"/>
+                  <a:srgbClr val="3F3F3F"/>
                 </a:solidFill>
-                <a:bevel/>
-              </a:ln>
-            </p:spPr>
-          </p:sp>
-          <p:sp>
-            <p:nvSpPr>
-              <p:cNvPr name="" id="303"/>
-              <p:cNvSpPr/>
+                <a:ln cap="flat" w="2500">
+                  <a:solidFill>
+                    <a:srgbClr val="3F3F3F"/>
+                  </a:solidFill>
+                  <a:bevel/>
+                </a:ln>
+              </p:spPr>
+            </p:sp>
+            <p:sp>
+              <p:nvSpPr>
+                <p:cNvPr name="" id="315"/>
+                <p:cNvSpPr/>
+                <p:nvPr/>
+              </p:nvSpPr>
+              <p:spPr>
+                <a:xfrm>
+                  <a:off x="1086859" y="2976078"/>
+                  <a:ext cy="419871" cx="441881"/>
+                </a:xfrm>
+                <a:custGeom>
+                  <a:avLst/>
+                  <a:gdLst/>
+                  <a:ahLst/>
+                  <a:cxnLst/>
+                  <a:pathLst>
+                    <a:path h="419871" w="441881">
+                      <a:moveTo>
+                        <a:pt x="6545" y="102527"/>
+                      </a:moveTo>
+                      <a:lnTo>
+                        <a:pt x="220941" y="0"/>
+                      </a:lnTo>
+                      <a:lnTo>
+                        <a:pt x="434822" y="102527"/>
+                      </a:lnTo>
+                      <a:lnTo>
+                        <a:pt x="347166" y="143537"/>
+                      </a:lnTo>
+                      <a:lnTo>
+                        <a:pt x="355991" y="148419"/>
+                      </a:lnTo>
+                      <a:lnTo>
+                        <a:pt x="355991" y="156231"/>
+                      </a:lnTo>
+                      <a:lnTo>
+                        <a:pt x="441881" y="113756"/>
+                      </a:lnTo>
+                      <a:lnTo>
+                        <a:pt x="441881" y="319297"/>
+                      </a:lnTo>
+                      <a:lnTo>
+                        <a:pt x="229507" y="419871"/>
+                      </a:lnTo>
+                      <a:lnTo>
+                        <a:pt x="229507" y="335897"/>
+                      </a:lnTo>
+                      <a:lnTo>
+                        <a:pt x="214212" y="340779"/>
+                      </a:lnTo>
+                      <a:lnTo>
+                        <a:pt x="214212" y="419871"/>
+                      </a:lnTo>
+                      <a:lnTo>
+                        <a:pt x="0" y="319297"/>
+                      </a:lnTo>
+                      <a:lnTo>
+                        <a:pt x="0" y="113756"/>
+                      </a:lnTo>
+                      <a:lnTo>
+                        <a:pt x="84200" y="153790"/>
+                      </a:lnTo>
+                      <a:lnTo>
+                        <a:pt x="95377" y="143537"/>
+                      </a:lnTo>
+                      <a:lnTo>
+                        <a:pt x="6545" y="102527"/>
+                      </a:lnTo>
+                      <a:close/>
+                    </a:path>
+                  </a:pathLst>
+                </a:custGeom>
+                <a:solidFill>
+                  <a:srgbClr val="FFFFFF"/>
+                </a:solidFill>
+                <a:ln cap="flat" w="2500">
+                  <a:solidFill>
+                    <a:srgbClr val="3F3F3F"/>
+                  </a:solidFill>
+                  <a:bevel/>
+                </a:ln>
+              </p:spPr>
+            </p:sp>
+            <p:grpSp>
+              <p:nvGrpSpPr>
+                <p:cNvPr name="" id="316"/>
+                <p:cNvGrpSpPr/>
+                <p:nvPr/>
+              </p:nvGrpSpPr>
+              <p:grpSpPr>
+                <a:xfrm>
+                  <a:off x="1187200" y="3077133"/>
+                  <a:ext cy="219700" cx="243553"/>
+                  <a:chOff x="1187200" y="3077133"/>
+                  <a:chExt cy="219700" cx="243553"/>
+                </a:xfrm>
+              </p:grpSpPr>
+              <p:sp>
+                <p:nvSpPr>
+                  <p:cNvPr name="" id="317"/>
+                  <p:cNvSpPr/>
+                  <p:nvPr/>
+                </p:nvSpPr>
+                <p:spPr>
+                  <a:xfrm>
+                    <a:off x="1198966" y="3077133"/>
+                    <a:ext cy="101550" cx="215316"/>
+                  </a:xfrm>
+                  <a:custGeom>
+                    <a:avLst/>
+                    <a:gdLst/>
+                    <a:ahLst/>
+                    <a:cxnLst/>
+                    <a:pathLst>
+                      <a:path h="101550" w="215316">
+                        <a:moveTo>
+                          <a:pt x="0" y="51263"/>
+                        </a:moveTo>
+                        <a:lnTo>
+                          <a:pt x="109092" y="101550"/>
+                        </a:lnTo>
+                        <a:lnTo>
+                          <a:pt x="215316" y="51263"/>
+                        </a:lnTo>
+                        <a:lnTo>
+                          <a:pt x="109092" y="0"/>
+                        </a:lnTo>
+                        <a:lnTo>
+                          <a:pt x="0" y="51263"/>
+                        </a:lnTo>
+                        <a:close/>
+                      </a:path>
+                    </a:pathLst>
+                  </a:custGeom>
+                  <a:solidFill>
+                    <a:srgbClr val="EE472A"/>
+                  </a:solidFill>
+                  <a:ln cap="flat" w="7600">
+                    <a:solidFill>
+                      <a:srgbClr val="EE472A"/>
+                    </a:solidFill>
+                    <a:bevel/>
+                  </a:ln>
+                </p:spPr>
+              </p:sp>
+              <p:sp>
+                <p:nvSpPr>
+                  <p:cNvPr name="" id="318"/>
+                  <p:cNvSpPr/>
+                  <p:nvPr/>
+                </p:nvSpPr>
+                <p:spPr>
+                  <a:xfrm>
+                    <a:off x="1187200" y="3143532"/>
+                    <a:ext cy="153302" cx="114129"/>
+                  </a:xfrm>
+                  <a:custGeom>
+                    <a:avLst/>
+                    <a:gdLst/>
+                    <a:ahLst/>
+                    <a:cxnLst/>
+                    <a:pathLst>
+                      <a:path h="153302" w="114129">
+                        <a:moveTo>
+                          <a:pt x="0" y="0"/>
+                        </a:moveTo>
+                        <a:lnTo>
+                          <a:pt x="114129" y="49309"/>
+                        </a:lnTo>
+                        <a:lnTo>
+                          <a:pt x="114129" y="153302"/>
+                        </a:lnTo>
+                        <a:lnTo>
+                          <a:pt x="0" y="102527"/>
+                        </a:lnTo>
+                        <a:lnTo>
+                          <a:pt x="0" y="0"/>
+                        </a:lnTo>
+                        <a:close/>
+                      </a:path>
+                    </a:pathLst>
+                  </a:custGeom>
+                  <a:solidFill>
+                    <a:srgbClr val="EE472A"/>
+                  </a:solidFill>
+                  <a:ln cap="flat" w="7600">
+                    <a:solidFill>
+                      <a:srgbClr val="EE472A"/>
+                    </a:solidFill>
+                    <a:bevel/>
+                  </a:ln>
+                </p:spPr>
+              </p:sp>
+              <p:sp>
+                <p:nvSpPr>
+                  <p:cNvPr name="" id="319"/>
+                  <p:cNvSpPr/>
+                  <p:nvPr/>
+                </p:nvSpPr>
+                <p:spPr>
+                  <a:xfrm flipH="true">
+                    <a:off x="1316625" y="3139137"/>
+                    <a:ext cy="157696" cx="114129"/>
+                  </a:xfrm>
+                  <a:custGeom>
+                    <a:avLst/>
+                    <a:gdLst/>
+                    <a:ahLst/>
+                    <a:cxnLst/>
+                    <a:pathLst>
+                      <a:path h="157696" w="114129">
+                        <a:moveTo>
+                          <a:pt x="0" y="0"/>
+                        </a:moveTo>
+                        <a:lnTo>
+                          <a:pt x="114129" y="53702"/>
+                        </a:lnTo>
+                        <a:lnTo>
+                          <a:pt x="114129" y="157696"/>
+                        </a:lnTo>
+                        <a:lnTo>
+                          <a:pt x="0" y="102527"/>
+                        </a:lnTo>
+                        <a:lnTo>
+                          <a:pt x="0" y="0"/>
+                        </a:lnTo>
+                        <a:close/>
+                      </a:path>
+                    </a:pathLst>
+                  </a:custGeom>
+                  <a:solidFill>
+                    <a:srgbClr val="EE472A"/>
+                  </a:solidFill>
+                  <a:ln cap="flat" w="7600">
+                    <a:solidFill>
+                      <a:srgbClr val="EE472A"/>
+                    </a:solidFill>
+                    <a:bevel/>
+                  </a:ln>
+                </p:spPr>
+              </p:sp>
+            </p:grpSp>
+            <p:sp>
+              <p:nvSpPr>
+                <p:cNvPr name="Text 366" id="366"/>
+                <p:cNvSpPr txBox="1"/>
+                <p:nvPr/>
+              </p:nvSpPr>
+              <p:spPr>
+                <a:xfrm>
+                  <a:off x="948745" y="3435839"/>
+                  <a:ext cy="143622" cx="718110"/>
+                </a:xfrm>
+                <a:prstGeom prst="rect">
+                  <a:avLst/>
+                </a:prstGeom>
+                <a:noFill/>
+              </p:spPr>
+              <p:txBody>
+                <a:bodyPr anchor="ctr" rIns="0" bIns="0" lIns="0" wrap="square" rtlCol="0" tIns="0"/>
+                <a:lstStyle/>
+                <a:p>
+                  <a:pPr algn="ctr">
+                    <a:lnSpc>
+                      <a:spcPct val="100000"/>
+                    </a:lnSpc>
+                  </a:pPr>
+                  <a:r>
+                    <a:rPr sz="760">
+                      <a:solidFill>
+                        <a:srgbClr val="1F6391"/>
+                      </a:solidFill>
+                      <a:latin typeface="Arial"/>
+                    </a:rPr>
+                    <a:t>Java</a:t>
+                  </a:r>
+                </a:p>
+              </p:txBody>
+            </p:sp>
+          </p:grpSp>
+          <p:grpSp>
+            <p:nvGrpSpPr>
+              <p:cNvPr name="CLI" id="320"/>
+              <p:cNvGrpSpPr/>
               <p:nvPr/>
-            </p:nvSpPr>
-            <p:spPr>
+            </p:nvGrpSpPr>
+            <p:grpSpPr>
               <a:xfrm>
-                <a:off x="6574600" y="849937"/>
-                <a:ext cy="410400" cx="410400"/>
+                <a:off x="1070130" y="3649009"/>
+                <a:ext cy="456000" cx="475341"/>
+                <a:chOff x="1070130" y="3649009"/>
+                <a:chExt cy="456000" cx="475341"/>
               </a:xfrm>
-              <a:custGeom>
-                <a:avLst/>
-                <a:gdLst/>
-                <a:ahLst/>
-                <a:cxnLst/>
-                <a:pathLst>
-                  <a:path w="410400" h="410400">
-                    <a:moveTo>
-                      <a:pt x="410400" y="205200"/>
-                    </a:moveTo>
-                    <a:lnTo>
-                      <a:pt x="205200" y="410400"/>
-                    </a:lnTo>
-                    <a:lnTo>
-                      <a:pt x="0" y="205200"/>
-                    </a:lnTo>
-                    <a:lnTo>
-                      <a:pt x="205200" y="0"/>
-                    </a:lnTo>
-                    <a:lnTo>
-                      <a:pt x="410400" y="205200"/>
-                    </a:lnTo>
-                    <a:close/>
-                  </a:path>
-                </a:pathLst>
-              </a:custGeom>
-              <a:solidFill>
-                <a:srgbClr val="CDE0E8"/>
-              </a:solidFill>
-              <a:ln w="7600" cap="flat">
-                <a:solidFill>
-                  <a:srgbClr val="2DA2BF"/>
-                </a:solidFill>
-                <a:bevel/>
-              </a:ln>
-            </p:spPr>
-          </p:sp>
-          <p:sp>
-            <p:nvSpPr>
-              <p:cNvPr name="Text 318" id="318"/>
-              <p:cNvSpPr txBox="1"/>
-              <p:nvPr/>
-            </p:nvSpPr>
-            <p:spPr>
-              <a:xfrm>
-                <a:off x="2653000" y="849937"/>
-                <a:ext cy="410400" cx="4332000"/>
-              </a:xfrm>
-              <a:prstGeom prst="rect">
-                <a:avLst/>
-              </a:prstGeom>
-              <a:noFill/>
-            </p:spPr>
-            <p:txBody>
-              <a:bodyPr wrap="square" rtlCol="0" lIns="36000" rIns="36000" tIns="0" anchor="ctr" bIns="0"/>
-              <a:lstStyle/>
-              <a:p>
-                <a:pPr algn="ctr">
-                  <a:lnSpc>
-                    <a:spcPct val="100000"/>
-                  </a:lnSpc>
-                </a:pPr>
-                <a:r>
-                  <a:rPr sz="1368" b="1">
+            </p:grpSpPr>
+            <p:grpSp>
+              <p:nvGrpSpPr>
+                <p:cNvPr name="" id="321"/>
+                <p:cNvGrpSpPr/>
+                <p:nvPr/>
+              </p:nvGrpSpPr>
+              <p:grpSpPr>
+                <a:xfrm>
+                  <a:off x="1147815" y="3649008"/>
+                  <a:ext cy="381923" cx="397655"/>
+                  <a:chOff x="1147815" y="3649008"/>
+                  <a:chExt cy="381923" cx="397655"/>
+                </a:xfrm>
+              </p:grpSpPr>
+              <p:sp>
+                <p:nvSpPr>
+                  <p:cNvPr name="" id="322"/>
+                  <p:cNvSpPr/>
+                  <p:nvPr/>
+                </p:nvSpPr>
+                <p:spPr>
+                  <a:xfrm>
+                    <a:off x="1147815" y="3649008"/>
+                    <a:ext cy="381923" cx="397655"/>
+                  </a:xfrm>
+                  <a:custGeom>
+                    <a:avLst/>
+                    <a:gdLst/>
+                    <a:ahLst/>
+                    <a:cxnLst/>
+                    <a:pathLst>
+                      <a:path h="381923" w="397655">
+                        <a:moveTo>
+                          <a:pt x="198828" y="0"/>
+                        </a:moveTo>
+                        <a:lnTo>
+                          <a:pt x="0" y="96985"/>
+                        </a:lnTo>
+                        <a:lnTo>
+                          <a:pt x="0" y="290956"/>
+                        </a:lnTo>
+                        <a:lnTo>
+                          <a:pt x="198828" y="381923"/>
+                        </a:lnTo>
+                        <a:lnTo>
+                          <a:pt x="397655" y="290956"/>
+                        </a:lnTo>
+                        <a:lnTo>
+                          <a:pt x="397655" y="96985"/>
+                        </a:lnTo>
+                        <a:lnTo>
+                          <a:pt x="198828" y="0"/>
+                        </a:lnTo>
+                        <a:close/>
+                      </a:path>
+                    </a:pathLst>
+                  </a:custGeom>
+                  <a:solidFill>
+                    <a:srgbClr val="3E3E3E"/>
+                  </a:solidFill>
+                  <a:ln cap="flat" w="2500">
+                    <a:solidFill>
+                      <a:srgbClr val="3E3E3E"/>
+                    </a:solidFill>
+                    <a:bevel/>
+                  </a:ln>
+                </p:spPr>
+              </p:sp>
+              <p:sp>
+                <p:nvSpPr>
+                  <p:cNvPr name="" id="323"/>
+                  <p:cNvSpPr/>
+                  <p:nvPr/>
+                </p:nvSpPr>
+                <p:spPr>
+                  <a:xfrm>
+                    <a:off x="1170538" y="3658883"/>
+                    <a:ext cy="168966" cx="351318"/>
+                  </a:xfrm>
+                  <a:custGeom>
+                    <a:avLst/>
+                    <a:gdLst/>
+                    <a:ahLst/>
+                    <a:cxnLst/>
+                    <a:pathLst>
+                      <a:path h="168966" w="351318">
+                        <a:moveTo>
+                          <a:pt x="0" y="86531"/>
+                        </a:moveTo>
+                        <a:lnTo>
+                          <a:pt x="176359" y="0"/>
+                        </a:lnTo>
+                        <a:lnTo>
+                          <a:pt x="351318" y="86531"/>
+                        </a:lnTo>
+                        <a:lnTo>
+                          <a:pt x="176103" y="168966"/>
+                        </a:lnTo>
+                        <a:lnTo>
+                          <a:pt x="0" y="86531"/>
+                        </a:lnTo>
+                        <a:close/>
+                      </a:path>
+                    </a:pathLst>
+                  </a:custGeom>
+                  <a:solidFill>
+                    <a:srgbClr val="FFFFFF"/>
+                  </a:solidFill>
+                  <a:ln cap="flat" w="2500">
                     <a:solidFill>
                       <a:srgbClr val="FFFFFF"/>
                     </a:solidFill>
-                    <a:latin typeface="Arial"/>
-                  </a:rPr>
-                  <a:t>4A营销平台系统架构</a:t>
-                </a:r>
-              </a:p>
-            </p:txBody>
-          </p:sp>
+                    <a:bevel/>
+                  </a:ln>
+                </p:spPr>
+              </p:sp>
+              <p:sp>
+                <p:nvSpPr>
+                  <p:cNvPr name="" id="324"/>
+                  <p:cNvSpPr/>
+                  <p:nvPr/>
+                </p:nvSpPr>
+                <p:spPr>
+                  <a:xfrm>
+                    <a:off x="1158559" y="3757856"/>
+                    <a:ext cy="263527" cx="179740"/>
+                  </a:xfrm>
+                  <a:custGeom>
+                    <a:avLst/>
+                    <a:gdLst/>
+                    <a:ahLst/>
+                    <a:cxnLst/>
+                    <a:pathLst>
+                      <a:path h="263527" w="179740">
+                        <a:moveTo>
+                          <a:pt x="179740" y="85402"/>
+                        </a:moveTo>
+                        <a:lnTo>
+                          <a:pt x="179740" y="263527"/>
+                        </a:lnTo>
+                        <a:lnTo>
+                          <a:pt x="0" y="179955"/>
+                        </a:lnTo>
+                        <a:lnTo>
+                          <a:pt x="0" y="0"/>
+                        </a:lnTo>
+                        <a:lnTo>
+                          <a:pt x="179740" y="85402"/>
+                        </a:lnTo>
+                        <a:close/>
+                      </a:path>
+                    </a:pathLst>
+                  </a:custGeom>
+                  <a:solidFill>
+                    <a:srgbClr val="FFFFFF"/>
+                  </a:solidFill>
+                  <a:ln cap="flat" w="2500">
+                    <a:solidFill>
+                      <a:srgbClr val="FFFFFF"/>
+                    </a:solidFill>
+                    <a:bevel/>
+                  </a:ln>
+                </p:spPr>
+              </p:sp>
+              <p:sp>
+                <p:nvSpPr>
+                  <p:cNvPr name="" id="325"/>
+                  <p:cNvSpPr/>
+                  <p:nvPr/>
+                </p:nvSpPr>
+                <p:spPr>
+                  <a:xfrm flipH="true">
+                    <a:off x="1356584" y="3757856"/>
+                    <a:ext cy="255888" cx="174968"/>
+                  </a:xfrm>
+                  <a:custGeom>
+                    <a:avLst/>
+                    <a:gdLst/>
+                    <a:ahLst/>
+                    <a:cxnLst/>
+                    <a:pathLst>
+                      <a:path h="255888" w="174968">
+                        <a:moveTo>
+                          <a:pt x="174968" y="82926"/>
+                        </a:moveTo>
+                        <a:lnTo>
+                          <a:pt x="174968" y="255888"/>
+                        </a:lnTo>
+                        <a:lnTo>
+                          <a:pt x="0" y="174739"/>
+                        </a:lnTo>
+                        <a:lnTo>
+                          <a:pt x="0" y="0"/>
+                        </a:lnTo>
+                        <a:lnTo>
+                          <a:pt x="174968" y="82926"/>
+                        </a:lnTo>
+                        <a:close/>
+                      </a:path>
+                    </a:pathLst>
+                  </a:custGeom>
+                  <a:solidFill>
+                    <a:srgbClr val="FFFFFF"/>
+                  </a:solidFill>
+                  <a:ln cap="flat" w="2500">
+                    <a:solidFill>
+                      <a:srgbClr val="FFFFFF"/>
+                    </a:solidFill>
+                    <a:bevel/>
+                  </a:ln>
+                </p:spPr>
+              </p:sp>
+            </p:grpSp>
+            <p:grpSp>
+              <p:nvGrpSpPr>
+                <p:cNvPr name="" id="326"/>
+                <p:cNvGrpSpPr/>
+                <p:nvPr/>
+              </p:nvGrpSpPr>
+              <p:grpSpPr>
+                <a:xfrm>
+                  <a:off x="1070129" y="3856475"/>
+                  <a:ext cy="235880" cx="245597"/>
+                  <a:chOff x="1070129" y="3856475"/>
+                  <a:chExt cy="235880" cx="245597"/>
+                </a:xfrm>
+              </p:grpSpPr>
+              <p:sp>
+                <p:nvSpPr>
+                  <p:cNvPr name="" id="327"/>
+                  <p:cNvSpPr/>
+                  <p:nvPr/>
+                </p:nvSpPr>
+                <p:spPr>
+                  <a:xfrm>
+                    <a:off x="1070129" y="3856475"/>
+                    <a:ext cy="235880" cx="245597"/>
+                  </a:xfrm>
+                  <a:custGeom>
+                    <a:avLst/>
+                    <a:gdLst/>
+                    <a:ahLst/>
+                    <a:cxnLst/>
+                    <a:pathLst>
+                      <a:path h="235880" w="245597">
+                        <a:moveTo>
+                          <a:pt x="122798" y="0"/>
+                        </a:moveTo>
+                        <a:lnTo>
+                          <a:pt x="0" y="59899"/>
+                        </a:lnTo>
+                        <a:lnTo>
+                          <a:pt x="0" y="179698"/>
+                        </a:lnTo>
+                        <a:lnTo>
+                          <a:pt x="122798" y="235880"/>
+                        </a:lnTo>
+                        <a:lnTo>
+                          <a:pt x="245597" y="179698"/>
+                        </a:lnTo>
+                        <a:lnTo>
+                          <a:pt x="245597" y="59899"/>
+                        </a:lnTo>
+                        <a:lnTo>
+                          <a:pt x="122798" y="0"/>
+                        </a:lnTo>
+                        <a:close/>
+                      </a:path>
+                    </a:pathLst>
+                  </a:custGeom>
+                  <a:solidFill>
+                    <a:srgbClr val="3E3E3E"/>
+                  </a:solidFill>
+                  <a:ln cap="flat" w="2500">
+                    <a:solidFill>
+                      <a:srgbClr val="3E3E3E"/>
+                    </a:solidFill>
+                    <a:bevel/>
+                  </a:ln>
+                </p:spPr>
+              </p:sp>
+              <p:sp>
+                <p:nvSpPr>
+                  <p:cNvPr name="" id="328"/>
+                  <p:cNvSpPr/>
+                  <p:nvPr/>
+                </p:nvSpPr>
+                <p:spPr>
+                  <a:xfrm>
+                    <a:off x="1088714" y="3866211"/>
+                    <a:ext cy="99194" cx="210245"/>
+                  </a:xfrm>
+                  <a:custGeom>
+                    <a:avLst/>
+                    <a:gdLst/>
+                    <a:ahLst/>
+                    <a:cxnLst/>
+                    <a:pathLst>
+                      <a:path h="99194" w="210245">
+                        <a:moveTo>
+                          <a:pt x="0" y="50122"/>
+                        </a:moveTo>
+                        <a:lnTo>
+                          <a:pt x="104271" y="0"/>
+                        </a:lnTo>
+                        <a:lnTo>
+                          <a:pt x="210245" y="50122"/>
+                        </a:lnTo>
+                        <a:lnTo>
+                          <a:pt x="104271" y="99194"/>
+                        </a:lnTo>
+                        <a:lnTo>
+                          <a:pt x="0" y="50122"/>
+                        </a:lnTo>
+                        <a:close/>
+                      </a:path>
+                    </a:pathLst>
+                  </a:custGeom>
+                  <a:solidFill>
+                    <a:srgbClr val="FFFFFF"/>
+                  </a:solidFill>
+                  <a:ln cap="flat" w="2500">
+                    <a:solidFill>
+                      <a:srgbClr val="FFFFFF"/>
+                    </a:solidFill>
+                    <a:bevel/>
+                  </a:ln>
+                </p:spPr>
+              </p:sp>
+              <p:sp>
+                <p:nvSpPr>
+                  <p:cNvPr name="" id="329"/>
+                  <p:cNvSpPr/>
+                  <p:nvPr/>
+                </p:nvSpPr>
+                <p:spPr>
+                  <a:xfrm>
+                    <a:off x="1079435" y="3922146"/>
+                    <a:ext cy="157490" cx="108275"/>
+                  </a:xfrm>
+                  <a:custGeom>
+                    <a:avLst/>
+                    <a:gdLst/>
+                    <a:ahLst/>
+                    <a:cxnLst/>
+                    <a:pathLst>
+                      <a:path h="157490" w="108275">
+                        <a:moveTo>
+                          <a:pt x="108275" y="51039"/>
+                        </a:moveTo>
+                        <a:lnTo>
+                          <a:pt x="108275" y="157490"/>
+                        </a:lnTo>
+                        <a:lnTo>
+                          <a:pt x="0" y="107546"/>
+                        </a:lnTo>
+                        <a:lnTo>
+                          <a:pt x="0" y="0"/>
+                        </a:lnTo>
+                        <a:lnTo>
+                          <a:pt x="108275" y="51039"/>
+                        </a:lnTo>
+                        <a:close/>
+                      </a:path>
+                    </a:pathLst>
+                  </a:custGeom>
+                  <a:solidFill>
+                    <a:srgbClr val="FFFFFF"/>
+                  </a:solidFill>
+                  <a:ln cap="flat" w="2500">
+                    <a:solidFill>
+                      <a:srgbClr val="FFFFFF"/>
+                    </a:solidFill>
+                    <a:bevel/>
+                  </a:ln>
+                </p:spPr>
+              </p:sp>
+              <p:sp>
+                <p:nvSpPr>
+                  <p:cNvPr name="" id="330"/>
+                  <p:cNvSpPr/>
+                  <p:nvPr/>
+                </p:nvSpPr>
+                <p:spPr>
+                  <a:xfrm flipH="true">
+                    <a:off x="1199508" y="3922151"/>
+                    <a:ext cy="157490" cx="108275"/>
+                  </a:xfrm>
+                  <a:custGeom>
+                    <a:avLst/>
+                    <a:gdLst/>
+                    <a:ahLst/>
+                    <a:cxnLst/>
+                    <a:pathLst>
+                      <a:path h="157490" w="108275">
+                        <a:moveTo>
+                          <a:pt x="108275" y="51039"/>
+                        </a:moveTo>
+                        <a:lnTo>
+                          <a:pt x="108275" y="157490"/>
+                        </a:lnTo>
+                        <a:lnTo>
+                          <a:pt x="0" y="107546"/>
+                        </a:lnTo>
+                        <a:lnTo>
+                          <a:pt x="0" y="0"/>
+                        </a:lnTo>
+                        <a:lnTo>
+                          <a:pt x="108275" y="51039"/>
+                        </a:lnTo>
+                        <a:close/>
+                      </a:path>
+                    </a:pathLst>
+                  </a:custGeom>
+                  <a:solidFill>
+                    <a:srgbClr val="FFFFFF"/>
+                  </a:solidFill>
+                  <a:ln cap="flat" w="2500">
+                    <a:solidFill>
+                      <a:srgbClr val="FFFFFF"/>
+                    </a:solidFill>
+                    <a:bevel/>
+                  </a:ln>
+                </p:spPr>
+              </p:sp>
+            </p:grpSp>
+            <p:grpSp>
+              <p:nvGrpSpPr>
+                <p:cNvPr name="" id="331"/>
+                <p:cNvGrpSpPr/>
+                <p:nvPr/>
+              </p:nvGrpSpPr>
+              <p:grpSpPr>
+                <a:xfrm>
+                  <a:off x="1238573" y="3963025"/>
+                  <a:ext cy="141984" cx="147832"/>
+                  <a:chOff x="1238573" y="3963025"/>
+                  <a:chExt cy="141984" cx="147832"/>
+                </a:xfrm>
+              </p:grpSpPr>
+              <p:sp>
+                <p:nvSpPr>
+                  <p:cNvPr name="" id="332"/>
+                  <p:cNvSpPr/>
+                  <p:nvPr/>
+                </p:nvSpPr>
+                <p:spPr>
+                  <a:xfrm>
+                    <a:off x="1238573" y="3963025"/>
+                    <a:ext cy="141984" cx="147832"/>
+                  </a:xfrm>
+                  <a:custGeom>
+                    <a:avLst/>
+                    <a:gdLst/>
+                    <a:ahLst/>
+                    <a:cxnLst/>
+                    <a:pathLst>
+                      <a:path h="141984" w="147832">
+                        <a:moveTo>
+                          <a:pt x="73916" y="0"/>
+                        </a:moveTo>
+                        <a:lnTo>
+                          <a:pt x="0" y="36055"/>
+                        </a:lnTo>
+                        <a:lnTo>
+                          <a:pt x="0" y="108166"/>
+                        </a:lnTo>
+                        <a:lnTo>
+                          <a:pt x="73916" y="141984"/>
+                        </a:lnTo>
+                        <a:lnTo>
+                          <a:pt x="147832" y="108166"/>
+                        </a:lnTo>
+                        <a:lnTo>
+                          <a:pt x="147832" y="36055"/>
+                        </a:lnTo>
+                        <a:lnTo>
+                          <a:pt x="73916" y="0"/>
+                        </a:lnTo>
+                        <a:close/>
+                      </a:path>
+                    </a:pathLst>
+                  </a:custGeom>
+                  <a:solidFill>
+                    <a:srgbClr val="3E3E3E"/>
+                  </a:solidFill>
+                  <a:ln cap="flat" w="2500">
+                    <a:solidFill>
+                      <a:srgbClr val="3E3E3E"/>
+                    </a:solidFill>
+                    <a:bevel/>
+                  </a:ln>
+                </p:spPr>
+              </p:sp>
+              <p:sp>
+                <p:nvSpPr>
+                  <p:cNvPr name="" id="333"/>
+                  <p:cNvSpPr/>
+                  <p:nvPr/>
+                </p:nvSpPr>
+                <p:spPr>
+                  <a:xfrm>
+                    <a:off x="1255114" y="3971412"/>
+                    <a:ext cy="54654" cx="115842"/>
+                  </a:xfrm>
+                  <a:custGeom>
+                    <a:avLst/>
+                    <a:gdLst/>
+                    <a:ahLst/>
+                    <a:cxnLst/>
+                    <a:pathLst>
+                      <a:path h="54654" w="115842">
+                        <a:moveTo>
+                          <a:pt x="0" y="27616"/>
+                        </a:moveTo>
+                        <a:lnTo>
+                          <a:pt x="57452" y="0"/>
+                        </a:lnTo>
+                        <a:lnTo>
+                          <a:pt x="115842" y="27616"/>
+                        </a:lnTo>
+                        <a:lnTo>
+                          <a:pt x="57452" y="54654"/>
+                        </a:lnTo>
+                        <a:lnTo>
+                          <a:pt x="0" y="27616"/>
+                        </a:lnTo>
+                        <a:close/>
+                      </a:path>
+                    </a:pathLst>
+                  </a:custGeom>
+                  <a:solidFill>
+                    <a:srgbClr val="FFFFFF"/>
+                  </a:solidFill>
+                  <a:ln cap="flat" w="2500">
+                    <a:solidFill>
+                      <a:srgbClr val="FFFFFF"/>
+                    </a:solidFill>
+                    <a:bevel/>
+                  </a:ln>
+                </p:spPr>
+              </p:sp>
+              <p:sp>
+                <p:nvSpPr>
+                  <p:cNvPr name="" id="334"/>
+                  <p:cNvSpPr/>
+                  <p:nvPr/>
+                </p:nvSpPr>
+                <p:spPr>
+                  <a:xfrm>
+                    <a:off x="1246446" y="4005119"/>
+                    <a:ext cy="88191" cx="60631"/>
+                  </a:xfrm>
+                  <a:custGeom>
+                    <a:avLst/>
+                    <a:gdLst/>
+                    <a:ahLst/>
+                    <a:cxnLst/>
+                    <a:pathLst>
+                      <a:path h="88191" w="60631">
+                        <a:moveTo>
+                          <a:pt x="60631" y="28580"/>
+                        </a:moveTo>
+                        <a:lnTo>
+                          <a:pt x="60631" y="88191"/>
+                        </a:lnTo>
+                        <a:lnTo>
+                          <a:pt x="0" y="60223"/>
+                        </a:lnTo>
+                        <a:lnTo>
+                          <a:pt x="0" y="0"/>
+                        </a:lnTo>
+                        <a:lnTo>
+                          <a:pt x="60631" y="28580"/>
+                        </a:lnTo>
+                        <a:close/>
+                      </a:path>
+                    </a:pathLst>
+                  </a:custGeom>
+                  <a:solidFill>
+                    <a:srgbClr val="FFFFFF"/>
+                  </a:solidFill>
+                  <a:ln cap="flat" w="2500">
+                    <a:solidFill>
+                      <a:srgbClr val="FFFFFF"/>
+                    </a:solidFill>
+                    <a:bevel/>
+                  </a:ln>
+                </p:spPr>
+              </p:sp>
+              <p:sp>
+                <p:nvSpPr>
+                  <p:cNvPr name="" id="335"/>
+                  <p:cNvSpPr/>
+                  <p:nvPr/>
+                </p:nvSpPr>
+                <p:spPr>
+                  <a:xfrm flipH="true">
+                    <a:off x="1318716" y="4005119"/>
+                    <a:ext cy="88191" cx="60631"/>
+                  </a:xfrm>
+                  <a:custGeom>
+                    <a:avLst/>
+                    <a:gdLst/>
+                    <a:ahLst/>
+                    <a:cxnLst/>
+                    <a:pathLst>
+                      <a:path h="88191" w="60631">
+                        <a:moveTo>
+                          <a:pt x="60631" y="28580"/>
+                        </a:moveTo>
+                        <a:lnTo>
+                          <a:pt x="60631" y="88191"/>
+                        </a:lnTo>
+                        <a:lnTo>
+                          <a:pt x="0" y="60223"/>
+                        </a:lnTo>
+                        <a:lnTo>
+                          <a:pt x="0" y="0"/>
+                        </a:lnTo>
+                        <a:lnTo>
+                          <a:pt x="60631" y="28580"/>
+                        </a:lnTo>
+                        <a:close/>
+                      </a:path>
+                    </a:pathLst>
+                  </a:custGeom>
+                  <a:solidFill>
+                    <a:srgbClr val="FFFFFF"/>
+                  </a:solidFill>
+                  <a:ln cap="flat" w="2500">
+                    <a:solidFill>
+                      <a:srgbClr val="FFFFFF"/>
+                    </a:solidFill>
+                    <a:bevel/>
+                  </a:ln>
+                </p:spPr>
+              </p:sp>
+            </p:grpSp>
+            <p:sp>
+              <p:nvSpPr>
+                <p:cNvPr name="Text 367" id="367"/>
+                <p:cNvSpPr txBox="1"/>
+                <p:nvPr/>
+              </p:nvSpPr>
+              <p:spPr>
+                <a:xfrm>
+                  <a:off x="948745" y="4124398"/>
+                  <a:ext cy="143622" cx="718110"/>
+                </a:xfrm>
+                <a:prstGeom prst="rect">
+                  <a:avLst/>
+                </a:prstGeom>
+                <a:noFill/>
+              </p:spPr>
+              <p:txBody>
+                <a:bodyPr anchor="ctr" rIns="0" bIns="0" lIns="0" wrap="square" rtlCol="0" tIns="0"/>
+                <a:lstStyle/>
+                <a:p>
+                  <a:pPr algn="ctr">
+                    <a:lnSpc>
+                      <a:spcPct val="100000"/>
+                    </a:lnSpc>
+                  </a:pPr>
+                  <a:r>
+                    <a:rPr sz="760">
+                      <a:solidFill>
+                        <a:srgbClr val="1F6391"/>
+                      </a:solidFill>
+                      <a:latin typeface="Arial"/>
+                    </a:rPr>
+                    <a:t>Cli</a:t>
+                  </a:r>
+                </a:p>
+              </p:txBody>
+            </p:sp>
+          </p:grpSp>
+          <p:grpSp>
+            <p:nvGrpSpPr>
+              <p:cNvPr name="Python" id="336"/>
+              <p:cNvGrpSpPr/>
+              <p:nvPr/>
+            </p:nvGrpSpPr>
+            <p:grpSpPr>
+              <a:xfrm>
+                <a:off x="1070130" y="2271891"/>
+                <a:ext cy="456000" cx="475341"/>
+                <a:chOff x="1070130" y="2271891"/>
+                <a:chExt cy="456000" cx="475341"/>
+              </a:xfrm>
+            </p:grpSpPr>
+            <p:sp>
+              <p:nvSpPr>
+                <p:cNvPr name="" id="337"/>
+                <p:cNvSpPr/>
+                <p:nvPr/>
+              </p:nvSpPr>
+              <p:spPr>
+                <a:xfrm>
+                  <a:off x="1070130" y="2271891"/>
+                  <a:ext cy="456000" cx="475341"/>
+                </a:xfrm>
+                <a:custGeom>
+                  <a:avLst/>
+                  <a:gdLst/>
+                  <a:ahLst/>
+                  <a:cxnLst/>
+                  <a:pathLst>
+                    <a:path h="456000" w="475341">
+                      <a:moveTo>
+                        <a:pt x="237670" y="0"/>
+                      </a:moveTo>
+                      <a:lnTo>
+                        <a:pt x="0" y="114000"/>
+                      </a:lnTo>
+                      <a:lnTo>
+                        <a:pt x="0" y="342000"/>
+                      </a:lnTo>
+                      <a:lnTo>
+                        <a:pt x="237670" y="456000"/>
+                      </a:lnTo>
+                      <a:lnTo>
+                        <a:pt x="475341" y="342000"/>
+                      </a:lnTo>
+                      <a:lnTo>
+                        <a:pt x="475341" y="114000"/>
+                      </a:lnTo>
+                      <a:lnTo>
+                        <a:pt x="237670" y="0"/>
+                      </a:lnTo>
+                      <a:close/>
+                    </a:path>
+                  </a:pathLst>
+                </a:custGeom>
+                <a:solidFill>
+                  <a:srgbClr val="3F3F3F"/>
+                </a:solidFill>
+                <a:ln cap="flat" w="2500">
+                  <a:solidFill>
+                    <a:srgbClr val="3F3F3F"/>
+                  </a:solidFill>
+                  <a:bevel/>
+                </a:ln>
+              </p:spPr>
+            </p:sp>
+            <p:sp>
+              <p:nvSpPr>
+                <p:cNvPr name="" id="338"/>
+                <p:cNvSpPr/>
+                <p:nvPr/>
+              </p:nvSpPr>
+              <p:spPr>
+                <a:xfrm>
+                  <a:off x="1086859" y="2287520"/>
+                  <a:ext cy="419871" cx="441881"/>
+                </a:xfrm>
+                <a:custGeom>
+                  <a:avLst/>
+                  <a:gdLst/>
+                  <a:ahLst/>
+                  <a:cxnLst/>
+                  <a:pathLst>
+                    <a:path h="419871" w="441881">
+                      <a:moveTo>
+                        <a:pt x="6545" y="102527"/>
+                      </a:moveTo>
+                      <a:lnTo>
+                        <a:pt x="220941" y="0"/>
+                      </a:lnTo>
+                      <a:lnTo>
+                        <a:pt x="434822" y="102527"/>
+                      </a:lnTo>
+                      <a:lnTo>
+                        <a:pt x="347166" y="143537"/>
+                      </a:lnTo>
+                      <a:lnTo>
+                        <a:pt x="355991" y="148419"/>
+                      </a:lnTo>
+                      <a:lnTo>
+                        <a:pt x="355991" y="156231"/>
+                      </a:lnTo>
+                      <a:lnTo>
+                        <a:pt x="441881" y="113756"/>
+                      </a:lnTo>
+                      <a:lnTo>
+                        <a:pt x="441881" y="319297"/>
+                      </a:lnTo>
+                      <a:lnTo>
+                        <a:pt x="229507" y="419871"/>
+                      </a:lnTo>
+                      <a:lnTo>
+                        <a:pt x="229507" y="335897"/>
+                      </a:lnTo>
+                      <a:lnTo>
+                        <a:pt x="214212" y="340779"/>
+                      </a:lnTo>
+                      <a:lnTo>
+                        <a:pt x="214212" y="419871"/>
+                      </a:lnTo>
+                      <a:lnTo>
+                        <a:pt x="0" y="319297"/>
+                      </a:lnTo>
+                      <a:lnTo>
+                        <a:pt x="0" y="113756"/>
+                      </a:lnTo>
+                      <a:lnTo>
+                        <a:pt x="84200" y="153790"/>
+                      </a:lnTo>
+                      <a:lnTo>
+                        <a:pt x="95377" y="143537"/>
+                      </a:lnTo>
+                      <a:lnTo>
+                        <a:pt x="6545" y="102527"/>
+                      </a:lnTo>
+                      <a:close/>
+                    </a:path>
+                  </a:pathLst>
+                </a:custGeom>
+                <a:solidFill>
+                  <a:srgbClr val="FFFFFF"/>
+                </a:solidFill>
+                <a:ln cap="flat" w="2500">
+                  <a:solidFill>
+                    <a:srgbClr val="3F3F3F"/>
+                  </a:solidFill>
+                  <a:bevel/>
+                </a:ln>
+              </p:spPr>
+            </p:sp>
+            <p:grpSp>
+              <p:nvGrpSpPr>
+                <p:cNvPr name="" id="339"/>
+                <p:cNvGrpSpPr/>
+                <p:nvPr/>
+              </p:nvGrpSpPr>
+              <p:grpSpPr>
+                <a:xfrm>
+                  <a:off x="1187191" y="2388576"/>
+                  <a:ext cy="219700" cx="243553"/>
+                  <a:chOff x="1187191" y="2388576"/>
+                  <a:chExt cy="219700" cx="243553"/>
+                </a:xfrm>
+              </p:grpSpPr>
+              <p:sp>
+                <p:nvSpPr>
+                  <p:cNvPr name="" id="340"/>
+                  <p:cNvSpPr/>
+                  <p:nvPr/>
+                </p:nvSpPr>
+                <p:spPr>
+                  <a:xfrm>
+                    <a:off x="1198957" y="2388577"/>
+                    <a:ext cy="101550" cx="215316"/>
+                  </a:xfrm>
+                  <a:custGeom>
+                    <a:avLst/>
+                    <a:gdLst/>
+                    <a:ahLst/>
+                    <a:cxnLst/>
+                    <a:pathLst>
+                      <a:path h="101550" w="215316">
+                        <a:moveTo>
+                          <a:pt x="0" y="51263"/>
+                        </a:moveTo>
+                        <a:lnTo>
+                          <a:pt x="109092" y="101550"/>
+                        </a:lnTo>
+                        <a:lnTo>
+                          <a:pt x="215316" y="51263"/>
+                        </a:lnTo>
+                        <a:lnTo>
+                          <a:pt x="109092" y="0"/>
+                        </a:lnTo>
+                        <a:lnTo>
+                          <a:pt x="0" y="51263"/>
+                        </a:lnTo>
+                        <a:close/>
+                      </a:path>
+                    </a:pathLst>
+                  </a:custGeom>
+                  <a:solidFill>
+                    <a:srgbClr val="FFD44F"/>
+                  </a:solidFill>
+                  <a:ln cap="flat" w="7600">
+                    <a:solidFill>
+                      <a:srgbClr val="FFD44F"/>
+                    </a:solidFill>
+                    <a:bevel/>
+                  </a:ln>
+                </p:spPr>
+              </p:sp>
+              <p:sp>
+                <p:nvSpPr>
+                  <p:cNvPr name="" id="341"/>
+                  <p:cNvSpPr/>
+                  <p:nvPr/>
+                </p:nvSpPr>
+                <p:spPr>
+                  <a:xfrm>
+                    <a:off x="1187191" y="2454975"/>
+                    <a:ext cy="153302" cx="114129"/>
+                  </a:xfrm>
+                  <a:custGeom>
+                    <a:avLst/>
+                    <a:gdLst/>
+                    <a:ahLst/>
+                    <a:cxnLst/>
+                    <a:pathLst>
+                      <a:path h="153302" w="114129">
+                        <a:moveTo>
+                          <a:pt x="0" y="0"/>
+                        </a:moveTo>
+                        <a:lnTo>
+                          <a:pt x="114129" y="49309"/>
+                        </a:lnTo>
+                        <a:lnTo>
+                          <a:pt x="114129" y="153302"/>
+                        </a:lnTo>
+                        <a:lnTo>
+                          <a:pt x="0" y="102527"/>
+                        </a:lnTo>
+                        <a:lnTo>
+                          <a:pt x="0" y="0"/>
+                        </a:lnTo>
+                        <a:close/>
+                      </a:path>
+                    </a:pathLst>
+                  </a:custGeom>
+                  <a:solidFill>
+                    <a:srgbClr val="FFD44F"/>
+                  </a:solidFill>
+                  <a:ln cap="flat" w="7600">
+                    <a:solidFill>
+                      <a:srgbClr val="FFD44F"/>
+                    </a:solidFill>
+                    <a:bevel/>
+                  </a:ln>
+                </p:spPr>
+              </p:sp>
+              <p:sp>
+                <p:nvSpPr>
+                  <p:cNvPr name="" id="342"/>
+                  <p:cNvSpPr/>
+                  <p:nvPr/>
+                </p:nvSpPr>
+                <p:spPr>
+                  <a:xfrm flipH="true">
+                    <a:off x="1316615" y="2450580"/>
+                    <a:ext cy="157696" cx="114129"/>
+                  </a:xfrm>
+                  <a:custGeom>
+                    <a:avLst/>
+                    <a:gdLst/>
+                    <a:ahLst/>
+                    <a:cxnLst/>
+                    <a:pathLst>
+                      <a:path h="157696" w="114129">
+                        <a:moveTo>
+                          <a:pt x="0" y="0"/>
+                        </a:moveTo>
+                        <a:lnTo>
+                          <a:pt x="114129" y="53702"/>
+                        </a:lnTo>
+                        <a:lnTo>
+                          <a:pt x="114129" y="157696"/>
+                        </a:lnTo>
+                        <a:lnTo>
+                          <a:pt x="0" y="102527"/>
+                        </a:lnTo>
+                        <a:lnTo>
+                          <a:pt x="0" y="0"/>
+                        </a:lnTo>
+                        <a:close/>
+                      </a:path>
+                    </a:pathLst>
+                  </a:custGeom>
+                  <a:solidFill>
+                    <a:srgbClr val="FFD44F"/>
+                  </a:solidFill>
+                  <a:ln cap="flat" w="7600">
+                    <a:solidFill>
+                      <a:srgbClr val="FFD44F"/>
+                    </a:solidFill>
+                    <a:bevel/>
+                  </a:ln>
+                </p:spPr>
+              </p:sp>
+            </p:grpSp>
+            <p:sp>
+              <p:nvSpPr>
+                <p:cNvPr name="Text 368" id="368"/>
+                <p:cNvSpPr txBox="1"/>
+                <p:nvPr/>
+              </p:nvSpPr>
+              <p:spPr>
+                <a:xfrm>
+                  <a:off x="948745" y="2747280"/>
+                  <a:ext cy="143622" cx="718110"/>
+                </a:xfrm>
+                <a:prstGeom prst="rect">
+                  <a:avLst/>
+                </a:prstGeom>
+                <a:noFill/>
+              </p:spPr>
+              <p:txBody>
+                <a:bodyPr anchor="ctr" rIns="0" bIns="0" lIns="0" wrap="square" rtlCol="0" tIns="0"/>
+                <a:lstStyle/>
+                <a:p>
+                  <a:pPr algn="ctr">
+                    <a:lnSpc>
+                      <a:spcPct val="100000"/>
+                    </a:lnSpc>
+                  </a:pPr>
+                  <a:r>
+                    <a:rPr sz="760">
+                      <a:solidFill>
+                        <a:srgbClr val="1F6391"/>
+                      </a:solidFill>
+                      <a:latin typeface="Arial"/>
+                    </a:rPr>
+                    <a:t>Python</a:t>
+                  </a:r>
+                </a:p>
+              </p:txBody>
+            </p:sp>
+          </p:grpSp>
+          <p:grpSp>
+            <p:nvGrpSpPr>
+              <p:cNvPr name="nodeJS" id="343"/>
+              <p:cNvGrpSpPr/>
+              <p:nvPr/>
+            </p:nvGrpSpPr>
+            <p:grpSpPr>
+              <a:xfrm>
+                <a:off x="1070130" y="1583335"/>
+                <a:ext cy="456000" cx="475341"/>
+                <a:chOff x="1070130" y="1583335"/>
+                <a:chExt cy="456000" cx="475341"/>
+              </a:xfrm>
+            </p:grpSpPr>
+            <p:sp>
+              <p:nvSpPr>
+                <p:cNvPr name="" id="344"/>
+                <p:cNvSpPr/>
+                <p:nvPr/>
+              </p:nvSpPr>
+              <p:spPr>
+                <a:xfrm>
+                  <a:off x="1070130" y="1583335"/>
+                  <a:ext cy="456000" cx="475341"/>
+                </a:xfrm>
+                <a:custGeom>
+                  <a:avLst/>
+                  <a:gdLst/>
+                  <a:ahLst/>
+                  <a:cxnLst/>
+                  <a:pathLst>
+                    <a:path h="456000" w="475341">
+                      <a:moveTo>
+                        <a:pt x="237670" y="0"/>
+                      </a:moveTo>
+                      <a:lnTo>
+                        <a:pt x="0" y="114000"/>
+                      </a:lnTo>
+                      <a:lnTo>
+                        <a:pt x="0" y="342000"/>
+                      </a:lnTo>
+                      <a:lnTo>
+                        <a:pt x="237670" y="456000"/>
+                      </a:lnTo>
+                      <a:lnTo>
+                        <a:pt x="475341" y="342000"/>
+                      </a:lnTo>
+                      <a:lnTo>
+                        <a:pt x="475341" y="114000"/>
+                      </a:lnTo>
+                      <a:lnTo>
+                        <a:pt x="237670" y="0"/>
+                      </a:lnTo>
+                      <a:close/>
+                    </a:path>
+                  </a:pathLst>
+                </a:custGeom>
+                <a:solidFill>
+                  <a:srgbClr val="3F3F3F"/>
+                </a:solidFill>
+                <a:ln cap="flat" w="2500">
+                  <a:solidFill>
+                    <a:srgbClr val="3F3F3F"/>
+                  </a:solidFill>
+                  <a:bevel/>
+                </a:ln>
+              </p:spPr>
+            </p:sp>
+            <p:sp>
+              <p:nvSpPr>
+                <p:cNvPr name="" id="345"/>
+                <p:cNvSpPr/>
+                <p:nvPr/>
+              </p:nvSpPr>
+              <p:spPr>
+                <a:xfrm>
+                  <a:off x="1086859" y="1598963"/>
+                  <a:ext cy="419871" cx="441881"/>
+                </a:xfrm>
+                <a:custGeom>
+                  <a:avLst/>
+                  <a:gdLst/>
+                  <a:ahLst/>
+                  <a:cxnLst/>
+                  <a:pathLst>
+                    <a:path h="419871" w="441881">
+                      <a:moveTo>
+                        <a:pt x="6545" y="102527"/>
+                      </a:moveTo>
+                      <a:lnTo>
+                        <a:pt x="220941" y="0"/>
+                      </a:lnTo>
+                      <a:lnTo>
+                        <a:pt x="434822" y="102527"/>
+                      </a:lnTo>
+                      <a:lnTo>
+                        <a:pt x="347166" y="143537"/>
+                      </a:lnTo>
+                      <a:lnTo>
+                        <a:pt x="355991" y="148419"/>
+                      </a:lnTo>
+                      <a:lnTo>
+                        <a:pt x="355991" y="156231"/>
+                      </a:lnTo>
+                      <a:lnTo>
+                        <a:pt x="441881" y="113756"/>
+                      </a:lnTo>
+                      <a:lnTo>
+                        <a:pt x="441881" y="319297"/>
+                      </a:lnTo>
+                      <a:lnTo>
+                        <a:pt x="229507" y="419871"/>
+                      </a:lnTo>
+                      <a:lnTo>
+                        <a:pt x="229507" y="335897"/>
+                      </a:lnTo>
+                      <a:lnTo>
+                        <a:pt x="214212" y="340779"/>
+                      </a:lnTo>
+                      <a:lnTo>
+                        <a:pt x="214212" y="419871"/>
+                      </a:lnTo>
+                      <a:lnTo>
+                        <a:pt x="0" y="319297"/>
+                      </a:lnTo>
+                      <a:lnTo>
+                        <a:pt x="0" y="113756"/>
+                      </a:lnTo>
+                      <a:lnTo>
+                        <a:pt x="84200" y="153790"/>
+                      </a:lnTo>
+                      <a:lnTo>
+                        <a:pt x="95377" y="143537"/>
+                      </a:lnTo>
+                      <a:lnTo>
+                        <a:pt x="6545" y="102527"/>
+                      </a:lnTo>
+                      <a:close/>
+                    </a:path>
+                  </a:pathLst>
+                </a:custGeom>
+                <a:solidFill>
+                  <a:srgbClr val="FFFFFF"/>
+                </a:solidFill>
+                <a:ln cap="flat" w="2500">
+                  <a:solidFill>
+                    <a:srgbClr val="3F3F3F"/>
+                  </a:solidFill>
+                  <a:bevel/>
+                </a:ln>
+              </p:spPr>
+            </p:sp>
+            <p:grpSp>
+              <p:nvGrpSpPr>
+                <p:cNvPr name="" id="346"/>
+                <p:cNvGrpSpPr/>
+                <p:nvPr/>
+              </p:nvGrpSpPr>
+              <p:grpSpPr>
+                <a:xfrm>
+                  <a:off x="1187200" y="1700019"/>
+                  <a:ext cy="219700" cx="243553"/>
+                  <a:chOff x="1187200" y="1700019"/>
+                  <a:chExt cy="219700" cx="243553"/>
+                </a:xfrm>
+              </p:grpSpPr>
+              <p:sp>
+                <p:nvSpPr>
+                  <p:cNvPr name="" id="347"/>
+                  <p:cNvSpPr/>
+                  <p:nvPr/>
+                </p:nvSpPr>
+                <p:spPr>
+                  <a:xfrm>
+                    <a:off x="1198966" y="1700019"/>
+                    <a:ext cy="101550" cx="215316"/>
+                  </a:xfrm>
+                  <a:custGeom>
+                    <a:avLst/>
+                    <a:gdLst/>
+                    <a:ahLst/>
+                    <a:cxnLst/>
+                    <a:pathLst>
+                      <a:path h="101550" w="215316">
+                        <a:moveTo>
+                          <a:pt x="0" y="51263"/>
+                        </a:moveTo>
+                        <a:lnTo>
+                          <a:pt x="109092" y="101550"/>
+                        </a:lnTo>
+                        <a:lnTo>
+                          <a:pt x="215316" y="51263"/>
+                        </a:lnTo>
+                        <a:lnTo>
+                          <a:pt x="109092" y="0"/>
+                        </a:lnTo>
+                        <a:lnTo>
+                          <a:pt x="0" y="51263"/>
+                        </a:lnTo>
+                        <a:close/>
+                      </a:path>
+                    </a:pathLst>
+                  </a:custGeom>
+                  <a:solidFill>
+                    <a:srgbClr val="8CC64F"/>
+                  </a:solidFill>
+                  <a:ln cap="flat" w="7600">
+                    <a:solidFill>
+                      <a:srgbClr val="8CC64F"/>
+                    </a:solidFill>
+                    <a:bevel/>
+                  </a:ln>
+                </p:spPr>
+              </p:sp>
+              <p:sp>
+                <p:nvSpPr>
+                  <p:cNvPr name="" id="348"/>
+                  <p:cNvSpPr/>
+                  <p:nvPr/>
+                </p:nvSpPr>
+                <p:spPr>
+                  <a:xfrm>
+                    <a:off x="1187200" y="1766417"/>
+                    <a:ext cy="153302" cx="114129"/>
+                  </a:xfrm>
+                  <a:custGeom>
+                    <a:avLst/>
+                    <a:gdLst/>
+                    <a:ahLst/>
+                    <a:cxnLst/>
+                    <a:pathLst>
+                      <a:path h="153302" w="114129">
+                        <a:moveTo>
+                          <a:pt x="0" y="0"/>
+                        </a:moveTo>
+                        <a:lnTo>
+                          <a:pt x="114129" y="49309"/>
+                        </a:lnTo>
+                        <a:lnTo>
+                          <a:pt x="114129" y="153302"/>
+                        </a:lnTo>
+                        <a:lnTo>
+                          <a:pt x="0" y="102527"/>
+                        </a:lnTo>
+                        <a:lnTo>
+                          <a:pt x="0" y="0"/>
+                        </a:lnTo>
+                        <a:close/>
+                      </a:path>
+                    </a:pathLst>
+                  </a:custGeom>
+                  <a:solidFill>
+                    <a:srgbClr val="8CC64F"/>
+                  </a:solidFill>
+                  <a:ln cap="flat" w="7600">
+                    <a:solidFill>
+                      <a:srgbClr val="8CC64F"/>
+                    </a:solidFill>
+                    <a:bevel/>
+                  </a:ln>
+                </p:spPr>
+              </p:sp>
+              <p:sp>
+                <p:nvSpPr>
+                  <p:cNvPr name="" id="349"/>
+                  <p:cNvSpPr/>
+                  <p:nvPr/>
+                </p:nvSpPr>
+                <p:spPr>
+                  <a:xfrm flipH="true">
+                    <a:off x="1316625" y="1762023"/>
+                    <a:ext cy="157696" cx="114129"/>
+                  </a:xfrm>
+                  <a:custGeom>
+                    <a:avLst/>
+                    <a:gdLst/>
+                    <a:ahLst/>
+                    <a:cxnLst/>
+                    <a:pathLst>
+                      <a:path h="157696" w="114129">
+                        <a:moveTo>
+                          <a:pt x="0" y="0"/>
+                        </a:moveTo>
+                        <a:lnTo>
+                          <a:pt x="114129" y="53702"/>
+                        </a:lnTo>
+                        <a:lnTo>
+                          <a:pt x="114129" y="157696"/>
+                        </a:lnTo>
+                        <a:lnTo>
+                          <a:pt x="0" y="102527"/>
+                        </a:lnTo>
+                        <a:lnTo>
+                          <a:pt x="0" y="0"/>
+                        </a:lnTo>
+                        <a:close/>
+                      </a:path>
+                    </a:pathLst>
+                  </a:custGeom>
+                  <a:solidFill>
+                    <a:srgbClr val="8CC64F"/>
+                  </a:solidFill>
+                  <a:ln cap="flat" w="7600">
+                    <a:solidFill>
+                      <a:srgbClr val="8CC64F"/>
+                    </a:solidFill>
+                    <a:bevel/>
+                  </a:ln>
+                </p:spPr>
+              </p:sp>
+            </p:grpSp>
+            <p:sp>
+              <p:nvSpPr>
+                <p:cNvPr name="Text 369" id="369"/>
+                <p:cNvSpPr txBox="1"/>
+                <p:nvPr/>
+              </p:nvSpPr>
+              <p:spPr>
+                <a:xfrm>
+                  <a:off x="948745" y="2058724"/>
+                  <a:ext cy="143622" cx="718110"/>
+                </a:xfrm>
+                <a:prstGeom prst="rect">
+                  <a:avLst/>
+                </a:prstGeom>
+                <a:noFill/>
+              </p:spPr>
+              <p:txBody>
+                <a:bodyPr anchor="ctr" rIns="0" bIns="0" lIns="0" wrap="square" rtlCol="0" tIns="0"/>
+                <a:lstStyle/>
+                <a:p>
+                  <a:pPr algn="ctr">
+                    <a:lnSpc>
+                      <a:spcPct val="100000"/>
+                    </a:lnSpc>
+                  </a:pPr>
+                  <a:r>
+                    <a:rPr sz="760">
+                      <a:solidFill>
+                        <a:srgbClr val="1F6391"/>
+                      </a:solidFill>
+                      <a:latin typeface="Arial"/>
+                    </a:rPr>
+                    <a:t>RESTFul</a:t>
+                  </a:r>
+                </a:p>
+              </p:txBody>
+            </p:sp>
+          </p:grpSp>
         </p:grpSp>
         <p:sp>
           <p:nvSpPr>
-            <p:cNvPr name="Text 319" id="319"/>
+            <p:cNvPr name="Text 370" id="370"/>
             <p:cNvSpPr txBox="1"/>
             <p:nvPr/>
           </p:nvSpPr>
           <p:spPr>
             <a:xfrm>
-              <a:off x="798600" y="842337"/>
-              <a:ext cy="1034665" cx="7546800"/>
+              <a:off x="6705624" y="5421571"/>
+              <a:ext cy="144400" cx="570000"/>
             </a:xfrm>
             <a:prstGeom prst="rect">
               <a:avLst/>
@@ -9825,7 +11229,44 @@
             <a:noFill/>
           </p:spPr>
           <p:txBody>
-            <a:bodyPr wrap="square" rtlCol="0" lIns="0" rIns="0" anchor="ctr"/>
+            <a:bodyPr anchor="ctr" rIns="0" bIns="0" lIns="0" wrap="square" rtlCol="0" tIns="0"/>
+            <a:lstStyle/>
+            <a:p>
+              <a:pPr algn="ctr">
+                <a:lnSpc>
+                  <a:spcPct val="100000"/>
+                </a:lnSpc>
+              </a:pPr>
+              <a:r>
+                <a:rPr sz="760">
+                  <a:solidFill>
+                    <a:srgbClr val="1F6391"/>
+                  </a:solidFill>
+                  <a:latin typeface="Arial"/>
+                </a:rPr>
+                <a:t>Upload</a:t>
+              </a:r>
+            </a:p>
+          </p:txBody>
+        </p:sp>
+        <p:sp>
+          <p:nvSpPr>
+            <p:cNvPr name="Text 371" id="371"/>
+            <p:cNvSpPr txBox="1"/>
+            <p:nvPr/>
+          </p:nvSpPr>
+          <p:spPr>
+            <a:xfrm>
+              <a:off x="735824" y="1081735"/>
+              <a:ext cy="938906" cx="7672352"/>
+            </a:xfrm>
+            <a:prstGeom prst="rect">
+              <a:avLst/>
+            </a:prstGeom>
+            <a:noFill/>
+          </p:spPr>
+          <p:txBody>
+            <a:bodyPr anchor="ctr" rIns="0" lIns="0" wrap="square" rtlCol="0"/>
             <a:lstStyle/>
             <a:p>
               <a:pPr algn="l">
@@ -9847,14 +11288,14 @@
         </p:sp>
         <p:sp>
           <p:nvSpPr>
-            <p:cNvPr name="Text 320" id="320"/>
+            <p:cNvPr name="Text 372" id="372"/>
             <p:cNvSpPr txBox="1"/>
             <p:nvPr/>
           </p:nvSpPr>
           <p:spPr>
             <a:xfrm>
-              <a:off x="798600" y="2911667"/>
-              <a:ext cy="1034665" cx="7546800"/>
+              <a:off x="735824" y="2959547"/>
+              <a:ext cy="938906" cx="7672352"/>
             </a:xfrm>
             <a:prstGeom prst="rect">
               <a:avLst/>
@@ -9862,7 +11303,7 @@
             <a:noFill/>
           </p:spPr>
           <p:txBody>
-            <a:bodyPr wrap="square" rtlCol="0" lIns="0" rIns="0" anchor="ctr"/>
+            <a:bodyPr anchor="ctr" rIns="0" lIns="0" wrap="square" rtlCol="0"/>
             <a:lstStyle/>
             <a:p>
               <a:pPr algn="ctr">
@@ -9884,14 +11325,14 @@
         </p:sp>
         <p:sp>
           <p:nvSpPr>
-            <p:cNvPr name="Text 321" id="321"/>
+            <p:cNvPr name="Text 373" id="373"/>
             <p:cNvSpPr txBox="1"/>
             <p:nvPr/>
           </p:nvSpPr>
           <p:spPr>
             <a:xfrm>
-              <a:off x="798600" y="4980998"/>
-              <a:ext cy="1034665" cx="7546800"/>
+              <a:off x="735824" y="4837359"/>
+              <a:ext cy="938906" cx="7672352"/>
             </a:xfrm>
             <a:prstGeom prst="rect">
               <a:avLst/>
@@ -9899,7 +11340,7 @@
             <a:noFill/>
           </p:spPr>
           <p:txBody>
-            <a:bodyPr wrap="square" rtlCol="0" lIns="0" rIns="0" anchor="ctr"/>
+            <a:bodyPr anchor="ctr" rIns="0" lIns="0" wrap="square" rtlCol="0"/>
             <a:lstStyle/>
             <a:p>
               <a:pPr algn="r">
@@ -9921,14 +11362,14 @@
         </p:sp>
         <p:sp>
           <p:nvSpPr>
-            <p:cNvPr name="Text 322" id="322"/>
+            <p:cNvPr name="Text 374" id="374"/>
             <p:cNvSpPr txBox="1"/>
             <p:nvPr/>
           </p:nvSpPr>
           <p:spPr>
             <a:xfrm>
-              <a:off x="798600" y="842337"/>
-              <a:ext cy="1034665" cx="7546800"/>
+              <a:off x="735824" y="1081735"/>
+              <a:ext cy="938906" cx="7672352"/>
             </a:xfrm>
             <a:prstGeom prst="rect">
               <a:avLst/>
@@ -9936,7 +11377,7 @@
             <a:noFill/>
           </p:spPr>
           <p:txBody>
-            <a:bodyPr wrap="square" rtlCol="0" lIns="0" rIns="0" anchor="ctr"/>
+            <a:bodyPr anchor="ctr" rIns="0" lIns="0" wrap="square" rtlCol="0"/>
             <a:lstStyle/>
             <a:p>
               <a:pPr algn="l">
@@ -9958,14 +11399,14 @@
         </p:sp>
         <p:sp>
           <p:nvSpPr>
-            <p:cNvPr name="Text 323" id="323"/>
+            <p:cNvPr name="Text 375" id="375"/>
             <p:cNvSpPr txBox="1"/>
             <p:nvPr/>
           </p:nvSpPr>
           <p:spPr>
             <a:xfrm>
-              <a:off x="798600" y="2911667"/>
-              <a:ext cy="1034665" cx="7546800"/>
+              <a:off x="735824" y="2959547"/>
+              <a:ext cy="938906" cx="7672352"/>
             </a:xfrm>
             <a:prstGeom prst="rect">
               <a:avLst/>
@@ -9973,7 +11414,7 @@
             <a:noFill/>
           </p:spPr>
           <p:txBody>
-            <a:bodyPr wrap="square" rtlCol="0" lIns="0" rIns="0" anchor="ctr"/>
+            <a:bodyPr anchor="ctr" rIns="0" lIns="0" wrap="square" rtlCol="0"/>
             <a:lstStyle/>
             <a:p>
               <a:pPr algn="ctr">
@@ -9995,14 +11436,14 @@
         </p:sp>
         <p:sp>
           <p:nvSpPr>
-            <p:cNvPr name="Text 324" id="324"/>
+            <p:cNvPr name="Text 376" id="376"/>
             <p:cNvSpPr txBox="1"/>
             <p:nvPr/>
           </p:nvSpPr>
           <p:spPr>
             <a:xfrm>
-              <a:off x="798600" y="4980998"/>
-              <a:ext cy="1034665" cx="7546800"/>
+              <a:off x="735824" y="4837359"/>
+              <a:ext cy="938906" cx="7672352"/>
             </a:xfrm>
             <a:prstGeom prst="rect">
               <a:avLst/>
@@ -10010,7 +11451,7 @@
             <a:noFill/>
           </p:spPr>
           <p:txBody>
-            <a:bodyPr wrap="square" rtlCol="0" lIns="0" rIns="0" anchor="ctr"/>
+            <a:bodyPr anchor="ctr" rIns="0" lIns="0" wrap="square" rtlCol="0"/>
             <a:lstStyle/>
             <a:p>
               <a:pPr algn="r">
@@ -10032,14 +11473,14 @@
         </p:sp>
         <p:sp>
           <p:nvSpPr>
-            <p:cNvPr name="Text 325" id="325"/>
+            <p:cNvPr name="Text 377" id="377"/>
             <p:cNvSpPr txBox="1"/>
             <p:nvPr/>
           </p:nvSpPr>
           <p:spPr>
             <a:xfrm>
-              <a:off x="798600" y="842337"/>
-              <a:ext cy="1034665" cx="7546800"/>
+              <a:off x="735824" y="1081735"/>
+              <a:ext cy="938906" cx="7672352"/>
             </a:xfrm>
             <a:prstGeom prst="rect">
               <a:avLst/>
@@ -10047,7 +11488,7 @@
             <a:noFill/>
           </p:spPr>
           <p:txBody>
-            <a:bodyPr wrap="square" rtlCol="0" lIns="0" rIns="0" anchor="ctr"/>
+            <a:bodyPr anchor="ctr" rIns="0" lIns="0" wrap="square" rtlCol="0"/>
             <a:lstStyle/>
             <a:p>
               <a:pPr algn="l">
@@ -10069,14 +11510,14 @@
         </p:sp>
         <p:sp>
           <p:nvSpPr>
-            <p:cNvPr name="Text 326" id="326"/>
+            <p:cNvPr name="Text 378" id="378"/>
             <p:cNvSpPr txBox="1"/>
             <p:nvPr/>
           </p:nvSpPr>
           <p:spPr>
             <a:xfrm>
-              <a:off x="798600" y="2911667"/>
-              <a:ext cy="1034665" cx="7546800"/>
+              <a:off x="735824" y="2959547"/>
+              <a:ext cy="938906" cx="7672352"/>
             </a:xfrm>
             <a:prstGeom prst="rect">
               <a:avLst/>
@@ -10084,7 +11525,7 @@
             <a:noFill/>
           </p:spPr>
           <p:txBody>
-            <a:bodyPr wrap="square" rtlCol="0" lIns="0" rIns="0" anchor="ctr"/>
+            <a:bodyPr anchor="ctr" rIns="0" lIns="0" wrap="square" rtlCol="0"/>
             <a:lstStyle/>
             <a:p>
               <a:pPr algn="ctr">
@@ -10106,14 +11547,14 @@
         </p:sp>
         <p:sp>
           <p:nvSpPr>
-            <p:cNvPr name="Text 327" id="327"/>
+            <p:cNvPr name="Text 379" id="379"/>
             <p:cNvSpPr txBox="1"/>
             <p:nvPr/>
           </p:nvSpPr>
           <p:spPr>
             <a:xfrm>
-              <a:off x="798600" y="4980998"/>
-              <a:ext cy="1034665" cx="7546800"/>
+              <a:off x="735824" y="4837359"/>
+              <a:ext cy="938906" cx="7672352"/>
             </a:xfrm>
             <a:prstGeom prst="rect">
               <a:avLst/>
@@ -10121,7 +11562,7 @@
             <a:noFill/>
           </p:spPr>
           <p:txBody>
-            <a:bodyPr wrap="square" rtlCol="0" lIns="0" rIns="0" anchor="ctr"/>
+            <a:bodyPr anchor="ctr" rIns="0" lIns="0" wrap="square" rtlCol="0"/>
             <a:lstStyle/>
             <a:p>
               <a:pPr algn="r">
